--- a/MiCM_StatsPythonF21_AAyad.pptx
+++ b/MiCM_StatsPythonF21_AAyad.pptx
@@ -12075,116 +12075,17 @@
         </p:spPr>
         <p:txBody>
           <a:bodyPr>
-            <a:normAutofit fontScale="85000" lnSpcReduction="20000"/>
+            <a:normAutofit/>
           </a:bodyPr>
           <a:lstStyle/>
           <a:p>
             <a:r>
-              <a:rPr lang="en-CA" sz="2300" dirty="0">
+              <a:rPr lang="en-CA" dirty="0">
                 <a:hlinkClick r:id="rId2"/>
               </a:rPr>
-              <a:t>http://cs231n.stanford.edu/</a:t>
+              <a:t>https://github.com/john-science/python-bootcamp</a:t>
             </a:r>
-            <a:endParaRPr lang="en-CA" sz="2300" dirty="0"/>
-          </a:p>
-          <a:p>
-            <a:r>
-              <a:rPr lang="en-CA" sz="2300" dirty="0">
-                <a:hlinkClick r:id="rId3"/>
-              </a:rPr>
-              <a:t>https://www.siamak.page/courses/COMP551F20/index.html</a:t>
-            </a:r>
-            <a:endParaRPr lang="en-CA" sz="2300" dirty="0"/>
-          </a:p>
-          <a:p>
-            <a:r>
-              <a:rPr lang="en-CA" sz="2300" dirty="0">
-                <a:hlinkClick r:id="rId4"/>
-              </a:rPr>
-              <a:t>https://homes.cs.washington.edu/~pedrod/papers/cacm12.pdf</a:t>
-            </a:r>
-            <a:endParaRPr lang="en-CA" sz="2300" dirty="0"/>
-          </a:p>
-          <a:p>
-            <a:r>
-              <a:rPr lang="en-CA" sz="2300" dirty="0">
-                <a:hlinkClick r:id="rId3"/>
-              </a:rPr>
-              <a:t>https://www.siamak.page/courses/COMP551F20/index.html</a:t>
-            </a:r>
-            <a:endParaRPr lang="en-CA" sz="2300" dirty="0"/>
-          </a:p>
-          <a:p>
-            <a:r>
-              <a:rPr lang="en-CA" sz="2300" dirty="0">
-                <a:hlinkClick r:id="rId5"/>
-              </a:rPr>
-              <a:t>http://d2l.ai/index.html</a:t>
-            </a:r>
-            <a:endParaRPr lang="en-CA" sz="2300" dirty="0"/>
-          </a:p>
-          <a:p>
-            <a:r>
-              <a:rPr lang="en-CA" sz="2300" dirty="0">
-                <a:hlinkClick r:id="rId6"/>
-              </a:rPr>
-              <a:t>https://software.intel.com/content/www/us/en/develop/training/course-time-series-analysis.html</a:t>
-            </a:r>
-            <a:endParaRPr lang="en-CA" sz="2300" dirty="0"/>
-          </a:p>
-          <a:p>
-            <a:r>
-              <a:rPr lang="en-CA" sz="2300" dirty="0">
-                <a:hlinkClick r:id="rId7"/>
-              </a:rPr>
-              <a:t>http://cs109.github.io/2015/pages/videos.html</a:t>
-            </a:r>
-            <a:endParaRPr lang="en-CA" sz="2300" dirty="0"/>
-          </a:p>
-          <a:p>
-            <a:r>
-              <a:rPr lang="en-CA" sz="2300" dirty="0">
-                <a:hlinkClick r:id="rId8"/>
-              </a:rPr>
-              <a:t>https://www.ibm.com/cloud/machine-learning</a:t>
-            </a:r>
-            <a:endParaRPr lang="en-CA" sz="2300" dirty="0"/>
-          </a:p>
-          <a:p>
-            <a:r>
-              <a:rPr lang="en-CA" sz="2300" dirty="0">
-                <a:hlinkClick r:id="rId9"/>
-              </a:rPr>
-              <a:t>The Elements of Statistical Learning</a:t>
-            </a:r>
-            <a:endParaRPr lang="en-CA" sz="2300" dirty="0"/>
-          </a:p>
-          <a:p>
-            <a:r>
-              <a:rPr lang="en-CA" sz="2300" dirty="0">
-                <a:hlinkClick r:id="rId10"/>
-              </a:rPr>
-              <a:t>Information Theory, Inference, and Learning Algorithms</a:t>
-            </a:r>
-            <a:endParaRPr lang="en-CA" sz="2300" dirty="0"/>
-          </a:p>
-          <a:p>
-            <a:r>
-              <a:rPr lang="en-CA" sz="2300" dirty="0">
-                <a:hlinkClick r:id="rId11"/>
-              </a:rPr>
-              <a:t>Understanding Machine Learning: From Theory to Algorithms</a:t>
-            </a:r>
-            <a:endParaRPr lang="en-CA" sz="2300" dirty="0"/>
-          </a:p>
-          <a:p>
-            <a:r>
-              <a:rPr lang="en-CA" sz="2300" dirty="0">
-                <a:hlinkClick r:id="rId12"/>
-              </a:rPr>
-              <a:t>Dive into Deep Learning</a:t>
-            </a:r>
-            <a:endParaRPr lang="en-CA" sz="2300" dirty="0"/>
+            <a:endParaRPr lang="en-CA" dirty="0"/>
           </a:p>
           <a:p>
             <a:endParaRPr lang="en-CA" dirty="0"/>

--- a/MiCM_StatsPythonF21_AAyad.pptx
+++ b/MiCM_StatsPythonF21_AAyad.pptx
@@ -5,7 +5,7 @@
     <p:sldMasterId id="2147483660" r:id="rId1"/>
   </p:sldMasterIdLst>
   <p:notesMasterIdLst>
-    <p:notesMasterId r:id="rId26"/>
+    <p:notesMasterId r:id="rId28"/>
   </p:notesMasterIdLst>
   <p:sldIdLst>
     <p:sldId id="263" r:id="rId2"/>
@@ -21,17 +21,19 @@
     <p:sldId id="442" r:id="rId12"/>
     <p:sldId id="444" r:id="rId13"/>
     <p:sldId id="443" r:id="rId14"/>
-    <p:sldId id="441" r:id="rId15"/>
-    <p:sldId id="359" r:id="rId16"/>
-    <p:sldId id="381" r:id="rId17"/>
-    <p:sldId id="384" r:id="rId18"/>
-    <p:sldId id="382" r:id="rId19"/>
-    <p:sldId id="388" r:id="rId20"/>
-    <p:sldId id="397" r:id="rId21"/>
-    <p:sldId id="338" r:id="rId22"/>
-    <p:sldId id="339" r:id="rId23"/>
-    <p:sldId id="400" r:id="rId24"/>
-    <p:sldId id="401" r:id="rId25"/>
+    <p:sldId id="446" r:id="rId15"/>
+    <p:sldId id="447" r:id="rId16"/>
+    <p:sldId id="441" r:id="rId17"/>
+    <p:sldId id="359" r:id="rId18"/>
+    <p:sldId id="381" r:id="rId19"/>
+    <p:sldId id="384" r:id="rId20"/>
+    <p:sldId id="382" r:id="rId21"/>
+    <p:sldId id="388" r:id="rId22"/>
+    <p:sldId id="397" r:id="rId23"/>
+    <p:sldId id="338" r:id="rId24"/>
+    <p:sldId id="339" r:id="rId25"/>
+    <p:sldId id="400" r:id="rId26"/>
+    <p:sldId id="401" r:id="rId27"/>
   </p:sldIdLst>
   <p:sldSz cx="9144000" cy="6858000" type="screen4x3"/>
   <p:notesSz cx="6858000" cy="9144000"/>
@@ -148,6 +150,8 @@
             <p14:sldId id="442"/>
             <p14:sldId id="444"/>
             <p14:sldId id="443"/>
+            <p14:sldId id="446"/>
+            <p14:sldId id="447"/>
             <p14:sldId id="441"/>
             <p14:sldId id="359"/>
             <p14:sldId id="381"/>
@@ -8104,6 +8108,753 @@
       </p:grpSpPr>
       <p:sp>
         <p:nvSpPr>
+          <p:cNvPr id="2" name="Titre 1">
+            <a:extLst>
+              <a:ext uri="{FF2B5EF4-FFF2-40B4-BE49-F238E27FC236}">
+                <a16:creationId xmlns:a16="http://schemas.microsoft.com/office/drawing/2014/main" id="{7D442A67-6808-B148-B650-0C3896F6C6CD}"/>
+              </a:ext>
+            </a:extLst>
+          </p:cNvPr>
+          <p:cNvSpPr>
+            <a:spLocks noGrp="1"/>
+          </p:cNvSpPr>
+          <p:nvPr>
+            <p:ph type="title"/>
+          </p:nvPr>
+        </p:nvSpPr>
+        <p:spPr>
+          <a:xfrm>
+            <a:off x="-36512" y="404664"/>
+            <a:ext cx="9289032" cy="979999"/>
+          </a:xfrm>
+          <a:solidFill>
+            <a:schemeClr val="accent2"/>
+          </a:solidFill>
+        </p:spPr>
+        <p:txBody>
+          <a:bodyPr>
+            <a:normAutofit/>
+          </a:bodyPr>
+          <a:lstStyle/>
+          <a:p>
+            <a:r>
+              <a:rPr lang="en-CA" sz="4000" b="1" dirty="0">
+                <a:latin typeface="Helvetica" pitchFamily="2" charset="0"/>
+              </a:rPr>
+              <a:t>Python 101</a:t>
+            </a:r>
+          </a:p>
+        </p:txBody>
+      </p:sp>
+      <p:sp>
+        <p:nvSpPr>
+          <p:cNvPr id="5" name="Espace réservé du contenu 2">
+            <a:extLst>
+              <a:ext uri="{FF2B5EF4-FFF2-40B4-BE49-F238E27FC236}">
+                <a16:creationId xmlns:a16="http://schemas.microsoft.com/office/drawing/2014/main" id="{A3115C2C-E99E-484B-8576-07ADAD22D341}"/>
+              </a:ext>
+            </a:extLst>
+          </p:cNvPr>
+          <p:cNvSpPr txBox="1">
+            <a:spLocks/>
+          </p:cNvSpPr>
+          <p:nvPr/>
+        </p:nvSpPr>
+        <p:spPr>
+          <a:xfrm>
+            <a:off x="4427984" y="1825625"/>
+            <a:ext cx="4519414" cy="1818065"/>
+          </a:xfrm>
+          <a:prstGeom prst="rect">
+            <a:avLst/>
+          </a:prstGeom>
+        </p:spPr>
+        <p:txBody>
+          <a:bodyPr vert="horz" lIns="91440" tIns="45720" rIns="91440" bIns="45720" rtlCol="0">
+            <a:normAutofit/>
+          </a:bodyPr>
+          <a:lstStyle>
+            <a:lvl1pPr marL="228600" indent="-228600" algn="l" defTabSz="914400" rtl="0" eaLnBrk="1" latinLnBrk="0" hangingPunct="1">
+              <a:lnSpc>
+                <a:spcPct val="90000"/>
+              </a:lnSpc>
+              <a:spcBef>
+                <a:spcPts val="1000"/>
+              </a:spcBef>
+              <a:buFont typeface="Arial" panose="020B0604020202020204" pitchFamily="34" charset="0"/>
+              <a:buChar char="•"/>
+              <a:defRPr sz="2800" kern="1200">
+                <a:solidFill>
+                  <a:schemeClr val="tx1"/>
+                </a:solidFill>
+                <a:latin typeface="+mn-lt"/>
+                <a:ea typeface="+mn-ea"/>
+                <a:cs typeface="+mn-cs"/>
+              </a:defRPr>
+            </a:lvl1pPr>
+            <a:lvl2pPr marL="685800" indent="-228600" algn="l" defTabSz="914400" rtl="0" eaLnBrk="1" latinLnBrk="0" hangingPunct="1">
+              <a:lnSpc>
+                <a:spcPct val="90000"/>
+              </a:lnSpc>
+              <a:spcBef>
+                <a:spcPts val="500"/>
+              </a:spcBef>
+              <a:buFont typeface="Arial" panose="020B0604020202020204" pitchFamily="34" charset="0"/>
+              <a:buChar char="•"/>
+              <a:defRPr sz="2400" kern="1200">
+                <a:solidFill>
+                  <a:schemeClr val="tx1"/>
+                </a:solidFill>
+                <a:latin typeface="+mn-lt"/>
+                <a:ea typeface="+mn-ea"/>
+                <a:cs typeface="+mn-cs"/>
+              </a:defRPr>
+            </a:lvl2pPr>
+            <a:lvl3pPr marL="1143000" indent="-228600" algn="l" defTabSz="914400" rtl="0" eaLnBrk="1" latinLnBrk="0" hangingPunct="1">
+              <a:lnSpc>
+                <a:spcPct val="90000"/>
+              </a:lnSpc>
+              <a:spcBef>
+                <a:spcPts val="500"/>
+              </a:spcBef>
+              <a:buFont typeface="Arial" panose="020B0604020202020204" pitchFamily="34" charset="0"/>
+              <a:buChar char="•"/>
+              <a:defRPr sz="2000" kern="1200">
+                <a:solidFill>
+                  <a:schemeClr val="tx1"/>
+                </a:solidFill>
+                <a:latin typeface="+mn-lt"/>
+                <a:ea typeface="+mn-ea"/>
+                <a:cs typeface="+mn-cs"/>
+              </a:defRPr>
+            </a:lvl3pPr>
+            <a:lvl4pPr marL="1600200" indent="-228600" algn="l" defTabSz="914400" rtl="0" eaLnBrk="1" latinLnBrk="0" hangingPunct="1">
+              <a:lnSpc>
+                <a:spcPct val="90000"/>
+              </a:lnSpc>
+              <a:spcBef>
+                <a:spcPts val="500"/>
+              </a:spcBef>
+              <a:buFont typeface="Arial" panose="020B0604020202020204" pitchFamily="34" charset="0"/>
+              <a:buChar char="•"/>
+              <a:defRPr sz="1800" kern="1200">
+                <a:solidFill>
+                  <a:schemeClr val="tx1"/>
+                </a:solidFill>
+                <a:latin typeface="+mn-lt"/>
+                <a:ea typeface="+mn-ea"/>
+                <a:cs typeface="+mn-cs"/>
+              </a:defRPr>
+            </a:lvl4pPr>
+            <a:lvl5pPr marL="2057400" indent="-228600" algn="l" defTabSz="914400" rtl="0" eaLnBrk="1" latinLnBrk="0" hangingPunct="1">
+              <a:lnSpc>
+                <a:spcPct val="90000"/>
+              </a:lnSpc>
+              <a:spcBef>
+                <a:spcPts val="500"/>
+              </a:spcBef>
+              <a:buFont typeface="Arial" panose="020B0604020202020204" pitchFamily="34" charset="0"/>
+              <a:buChar char="•"/>
+              <a:defRPr sz="1800" kern="1200">
+                <a:solidFill>
+                  <a:schemeClr val="tx1"/>
+                </a:solidFill>
+                <a:latin typeface="+mn-lt"/>
+                <a:ea typeface="+mn-ea"/>
+                <a:cs typeface="+mn-cs"/>
+              </a:defRPr>
+            </a:lvl5pPr>
+            <a:lvl6pPr marL="2514600" indent="-228600" algn="l" defTabSz="914400" rtl="0" eaLnBrk="1" latinLnBrk="0" hangingPunct="1">
+              <a:lnSpc>
+                <a:spcPct val="90000"/>
+              </a:lnSpc>
+              <a:spcBef>
+                <a:spcPts val="500"/>
+              </a:spcBef>
+              <a:buFont typeface="Arial" panose="020B0604020202020204" pitchFamily="34" charset="0"/>
+              <a:buChar char="•"/>
+              <a:defRPr sz="1800" kern="1200">
+                <a:solidFill>
+                  <a:schemeClr val="tx1"/>
+                </a:solidFill>
+                <a:latin typeface="+mn-lt"/>
+                <a:ea typeface="+mn-ea"/>
+                <a:cs typeface="+mn-cs"/>
+              </a:defRPr>
+            </a:lvl6pPr>
+            <a:lvl7pPr marL="2971800" indent="-228600" algn="l" defTabSz="914400" rtl="0" eaLnBrk="1" latinLnBrk="0" hangingPunct="1">
+              <a:lnSpc>
+                <a:spcPct val="90000"/>
+              </a:lnSpc>
+              <a:spcBef>
+                <a:spcPts val="500"/>
+              </a:spcBef>
+              <a:buFont typeface="Arial" panose="020B0604020202020204" pitchFamily="34" charset="0"/>
+              <a:buChar char="•"/>
+              <a:defRPr sz="1800" kern="1200">
+                <a:solidFill>
+                  <a:schemeClr val="tx1"/>
+                </a:solidFill>
+                <a:latin typeface="+mn-lt"/>
+                <a:ea typeface="+mn-ea"/>
+                <a:cs typeface="+mn-cs"/>
+              </a:defRPr>
+            </a:lvl7pPr>
+            <a:lvl8pPr marL="3429000" indent="-228600" algn="l" defTabSz="914400" rtl="0" eaLnBrk="1" latinLnBrk="0" hangingPunct="1">
+              <a:lnSpc>
+                <a:spcPct val="90000"/>
+              </a:lnSpc>
+              <a:spcBef>
+                <a:spcPts val="500"/>
+              </a:spcBef>
+              <a:buFont typeface="Arial" panose="020B0604020202020204" pitchFamily="34" charset="0"/>
+              <a:buChar char="•"/>
+              <a:defRPr sz="1800" kern="1200">
+                <a:solidFill>
+                  <a:schemeClr val="tx1"/>
+                </a:solidFill>
+                <a:latin typeface="+mn-lt"/>
+                <a:ea typeface="+mn-ea"/>
+                <a:cs typeface="+mn-cs"/>
+              </a:defRPr>
+            </a:lvl8pPr>
+            <a:lvl9pPr marL="3886200" indent="-228600" algn="l" defTabSz="914400" rtl="0" eaLnBrk="1" latinLnBrk="0" hangingPunct="1">
+              <a:lnSpc>
+                <a:spcPct val="90000"/>
+              </a:lnSpc>
+              <a:spcBef>
+                <a:spcPts val="500"/>
+              </a:spcBef>
+              <a:buFont typeface="Arial" panose="020B0604020202020204" pitchFamily="34" charset="0"/>
+              <a:buChar char="•"/>
+              <a:defRPr sz="1800" kern="1200">
+                <a:solidFill>
+                  <a:schemeClr val="tx1"/>
+                </a:solidFill>
+                <a:latin typeface="+mn-lt"/>
+                <a:ea typeface="+mn-ea"/>
+                <a:cs typeface="+mn-cs"/>
+              </a:defRPr>
+            </a:lvl9pPr>
+          </a:lstStyle>
+          <a:p>
+            <a:pPr>
+              <a:lnSpc>
+                <a:spcPct val="100000"/>
+              </a:lnSpc>
+            </a:pPr>
+            <a:endParaRPr lang="en-US" sz="1000" dirty="0">
+              <a:latin typeface="Helvetica" pitchFamily="2" charset="0"/>
+              <a:cs typeface="Calibri"/>
+            </a:endParaRPr>
+          </a:p>
+        </p:txBody>
+      </p:sp>
+      <p:sp>
+        <p:nvSpPr>
+          <p:cNvPr id="8" name="Content Placeholder 7">
+            <a:extLst>
+              <a:ext uri="{FF2B5EF4-FFF2-40B4-BE49-F238E27FC236}">
+                <a16:creationId xmlns:a16="http://schemas.microsoft.com/office/drawing/2014/main" id="{AC583E2D-9E5D-AF4E-8A3C-43004D01DFBC}"/>
+              </a:ext>
+            </a:extLst>
+          </p:cNvPr>
+          <p:cNvSpPr>
+            <a:spLocks noGrp="1"/>
+          </p:cNvSpPr>
+          <p:nvPr>
+            <p:ph sz="half" idx="1"/>
+          </p:nvPr>
+        </p:nvSpPr>
+        <p:spPr>
+          <a:xfrm>
+            <a:off x="323528" y="2101998"/>
+            <a:ext cx="7759774" cy="4351338"/>
+          </a:xfrm>
+        </p:spPr>
+        <p:txBody>
+          <a:bodyPr>
+            <a:normAutofit/>
+          </a:bodyPr>
+          <a:lstStyle/>
+          <a:p>
+            <a:pPr>
+              <a:lnSpc>
+                <a:spcPct val="150000"/>
+              </a:lnSpc>
+            </a:pPr>
+            <a:r>
+              <a:rPr lang="en-CA" sz="2200" b="1" dirty="0"/>
+              <a:t>Some of the topics covered today</a:t>
+            </a:r>
+          </a:p>
+          <a:p>
+            <a:pPr marL="457200" indent="-457200">
+              <a:lnSpc>
+                <a:spcPct val="150000"/>
+              </a:lnSpc>
+              <a:buFont typeface="+mj-lt"/>
+              <a:buAutoNum type="arabicPeriod"/>
+            </a:pPr>
+            <a:r>
+              <a:rPr lang="en-CA" sz="2200" b="1" dirty="0"/>
+              <a:t>Intro to Python</a:t>
+            </a:r>
+          </a:p>
+          <a:p>
+            <a:pPr marL="457200" indent="-457200">
+              <a:lnSpc>
+                <a:spcPct val="150000"/>
+              </a:lnSpc>
+              <a:buFont typeface="+mj-lt"/>
+              <a:buAutoNum type="arabicPeriod"/>
+            </a:pPr>
+            <a:r>
+              <a:rPr lang="en-CA" sz="2200" b="1" dirty="0"/>
+              <a:t>Data analysis with Pandas</a:t>
+            </a:r>
+          </a:p>
+          <a:p>
+            <a:pPr marL="457200" indent="-457200">
+              <a:lnSpc>
+                <a:spcPct val="150000"/>
+              </a:lnSpc>
+              <a:buFont typeface="+mj-lt"/>
+              <a:buAutoNum type="arabicPeriod"/>
+            </a:pPr>
+            <a:r>
+              <a:rPr lang="en-CA" sz="2200" b="1" dirty="0"/>
+              <a:t>Time series analysis</a:t>
+            </a:r>
+          </a:p>
+          <a:p>
+            <a:pPr marL="0" indent="0">
+              <a:lnSpc>
+                <a:spcPct val="150000"/>
+              </a:lnSpc>
+              <a:buNone/>
+            </a:pPr>
+            <a:endParaRPr lang="en-CA" sz="2200" b="1" dirty="0"/>
+          </a:p>
+          <a:p>
+            <a:endParaRPr lang="en-CA" b="1" dirty="0"/>
+          </a:p>
+        </p:txBody>
+      </p:sp>
+    </p:spTree>
+    <p:extLst>
+      <p:ext uri="{BB962C8B-B14F-4D97-AF65-F5344CB8AC3E}">
+        <p14:creationId xmlns:p14="http://schemas.microsoft.com/office/powerpoint/2010/main" val="3625614536"/>
+      </p:ext>
+    </p:extLst>
+  </p:cSld>
+  <p:clrMapOvr>
+    <a:masterClrMapping/>
+  </p:clrMapOvr>
+</p:sld>
+</file>
+
+<file path=ppt/slides/slide15.xml><?xml version="1.0" encoding="utf-8"?>
+<p:sld xmlns:a="http://schemas.openxmlformats.org/drawingml/2006/main" xmlns:r="http://schemas.openxmlformats.org/officeDocument/2006/relationships" xmlns:p="http://schemas.openxmlformats.org/presentationml/2006/main">
+  <p:cSld>
+    <p:spTree>
+      <p:nvGrpSpPr>
+        <p:cNvPr id="1" name=""/>
+        <p:cNvGrpSpPr/>
+        <p:nvPr/>
+      </p:nvGrpSpPr>
+      <p:grpSpPr>
+        <a:xfrm>
+          <a:off x="0" y="0"/>
+          <a:ext cx="0" cy="0"/>
+          <a:chOff x="0" y="0"/>
+          <a:chExt cx="0" cy="0"/>
+        </a:xfrm>
+      </p:grpSpPr>
+      <p:sp>
+        <p:nvSpPr>
+          <p:cNvPr id="2" name="Titre 1">
+            <a:extLst>
+              <a:ext uri="{FF2B5EF4-FFF2-40B4-BE49-F238E27FC236}">
+                <a16:creationId xmlns:a16="http://schemas.microsoft.com/office/drawing/2014/main" id="{7D442A67-6808-B148-B650-0C3896F6C6CD}"/>
+              </a:ext>
+            </a:extLst>
+          </p:cNvPr>
+          <p:cNvSpPr>
+            <a:spLocks noGrp="1"/>
+          </p:cNvSpPr>
+          <p:nvPr>
+            <p:ph type="title"/>
+          </p:nvPr>
+        </p:nvSpPr>
+        <p:spPr>
+          <a:xfrm>
+            <a:off x="-36512" y="404664"/>
+            <a:ext cx="9289032" cy="979999"/>
+          </a:xfrm>
+          <a:solidFill>
+            <a:schemeClr val="accent2"/>
+          </a:solidFill>
+        </p:spPr>
+        <p:txBody>
+          <a:bodyPr>
+            <a:normAutofit/>
+          </a:bodyPr>
+          <a:lstStyle/>
+          <a:p>
+            <a:r>
+              <a:rPr lang="en-CA" sz="4000" b="1" dirty="0">
+                <a:latin typeface="Helvetica" pitchFamily="2" charset="0"/>
+              </a:rPr>
+              <a:t>Python 101</a:t>
+            </a:r>
+          </a:p>
+        </p:txBody>
+      </p:sp>
+      <p:sp>
+        <p:nvSpPr>
+          <p:cNvPr id="5" name="Espace réservé du contenu 2">
+            <a:extLst>
+              <a:ext uri="{FF2B5EF4-FFF2-40B4-BE49-F238E27FC236}">
+                <a16:creationId xmlns:a16="http://schemas.microsoft.com/office/drawing/2014/main" id="{A3115C2C-E99E-484B-8576-07ADAD22D341}"/>
+              </a:ext>
+            </a:extLst>
+          </p:cNvPr>
+          <p:cNvSpPr txBox="1">
+            <a:spLocks/>
+          </p:cNvSpPr>
+          <p:nvPr/>
+        </p:nvSpPr>
+        <p:spPr>
+          <a:xfrm>
+            <a:off x="4427984" y="1825625"/>
+            <a:ext cx="4519414" cy="1818065"/>
+          </a:xfrm>
+          <a:prstGeom prst="rect">
+            <a:avLst/>
+          </a:prstGeom>
+        </p:spPr>
+        <p:txBody>
+          <a:bodyPr vert="horz" lIns="91440" tIns="45720" rIns="91440" bIns="45720" rtlCol="0">
+            <a:normAutofit/>
+          </a:bodyPr>
+          <a:lstStyle>
+            <a:lvl1pPr marL="228600" indent="-228600" algn="l" defTabSz="914400" rtl="0" eaLnBrk="1" latinLnBrk="0" hangingPunct="1">
+              <a:lnSpc>
+                <a:spcPct val="90000"/>
+              </a:lnSpc>
+              <a:spcBef>
+                <a:spcPts val="1000"/>
+              </a:spcBef>
+              <a:buFont typeface="Arial" panose="020B0604020202020204" pitchFamily="34" charset="0"/>
+              <a:buChar char="•"/>
+              <a:defRPr sz="2800" kern="1200">
+                <a:solidFill>
+                  <a:schemeClr val="tx1"/>
+                </a:solidFill>
+                <a:latin typeface="+mn-lt"/>
+                <a:ea typeface="+mn-ea"/>
+                <a:cs typeface="+mn-cs"/>
+              </a:defRPr>
+            </a:lvl1pPr>
+            <a:lvl2pPr marL="685800" indent="-228600" algn="l" defTabSz="914400" rtl="0" eaLnBrk="1" latinLnBrk="0" hangingPunct="1">
+              <a:lnSpc>
+                <a:spcPct val="90000"/>
+              </a:lnSpc>
+              <a:spcBef>
+                <a:spcPts val="500"/>
+              </a:spcBef>
+              <a:buFont typeface="Arial" panose="020B0604020202020204" pitchFamily="34" charset="0"/>
+              <a:buChar char="•"/>
+              <a:defRPr sz="2400" kern="1200">
+                <a:solidFill>
+                  <a:schemeClr val="tx1"/>
+                </a:solidFill>
+                <a:latin typeface="+mn-lt"/>
+                <a:ea typeface="+mn-ea"/>
+                <a:cs typeface="+mn-cs"/>
+              </a:defRPr>
+            </a:lvl2pPr>
+            <a:lvl3pPr marL="1143000" indent="-228600" algn="l" defTabSz="914400" rtl="0" eaLnBrk="1" latinLnBrk="0" hangingPunct="1">
+              <a:lnSpc>
+                <a:spcPct val="90000"/>
+              </a:lnSpc>
+              <a:spcBef>
+                <a:spcPts val="500"/>
+              </a:spcBef>
+              <a:buFont typeface="Arial" panose="020B0604020202020204" pitchFamily="34" charset="0"/>
+              <a:buChar char="•"/>
+              <a:defRPr sz="2000" kern="1200">
+                <a:solidFill>
+                  <a:schemeClr val="tx1"/>
+                </a:solidFill>
+                <a:latin typeface="+mn-lt"/>
+                <a:ea typeface="+mn-ea"/>
+                <a:cs typeface="+mn-cs"/>
+              </a:defRPr>
+            </a:lvl3pPr>
+            <a:lvl4pPr marL="1600200" indent="-228600" algn="l" defTabSz="914400" rtl="0" eaLnBrk="1" latinLnBrk="0" hangingPunct="1">
+              <a:lnSpc>
+                <a:spcPct val="90000"/>
+              </a:lnSpc>
+              <a:spcBef>
+                <a:spcPts val="500"/>
+              </a:spcBef>
+              <a:buFont typeface="Arial" panose="020B0604020202020204" pitchFamily="34" charset="0"/>
+              <a:buChar char="•"/>
+              <a:defRPr sz="1800" kern="1200">
+                <a:solidFill>
+                  <a:schemeClr val="tx1"/>
+                </a:solidFill>
+                <a:latin typeface="+mn-lt"/>
+                <a:ea typeface="+mn-ea"/>
+                <a:cs typeface="+mn-cs"/>
+              </a:defRPr>
+            </a:lvl4pPr>
+            <a:lvl5pPr marL="2057400" indent="-228600" algn="l" defTabSz="914400" rtl="0" eaLnBrk="1" latinLnBrk="0" hangingPunct="1">
+              <a:lnSpc>
+                <a:spcPct val="90000"/>
+              </a:lnSpc>
+              <a:spcBef>
+                <a:spcPts val="500"/>
+              </a:spcBef>
+              <a:buFont typeface="Arial" panose="020B0604020202020204" pitchFamily="34" charset="0"/>
+              <a:buChar char="•"/>
+              <a:defRPr sz="1800" kern="1200">
+                <a:solidFill>
+                  <a:schemeClr val="tx1"/>
+                </a:solidFill>
+                <a:latin typeface="+mn-lt"/>
+                <a:ea typeface="+mn-ea"/>
+                <a:cs typeface="+mn-cs"/>
+              </a:defRPr>
+            </a:lvl5pPr>
+            <a:lvl6pPr marL="2514600" indent="-228600" algn="l" defTabSz="914400" rtl="0" eaLnBrk="1" latinLnBrk="0" hangingPunct="1">
+              <a:lnSpc>
+                <a:spcPct val="90000"/>
+              </a:lnSpc>
+              <a:spcBef>
+                <a:spcPts val="500"/>
+              </a:spcBef>
+              <a:buFont typeface="Arial" panose="020B0604020202020204" pitchFamily="34" charset="0"/>
+              <a:buChar char="•"/>
+              <a:defRPr sz="1800" kern="1200">
+                <a:solidFill>
+                  <a:schemeClr val="tx1"/>
+                </a:solidFill>
+                <a:latin typeface="+mn-lt"/>
+                <a:ea typeface="+mn-ea"/>
+                <a:cs typeface="+mn-cs"/>
+              </a:defRPr>
+            </a:lvl6pPr>
+            <a:lvl7pPr marL="2971800" indent="-228600" algn="l" defTabSz="914400" rtl="0" eaLnBrk="1" latinLnBrk="0" hangingPunct="1">
+              <a:lnSpc>
+                <a:spcPct val="90000"/>
+              </a:lnSpc>
+              <a:spcBef>
+                <a:spcPts val="500"/>
+              </a:spcBef>
+              <a:buFont typeface="Arial" panose="020B0604020202020204" pitchFamily="34" charset="0"/>
+              <a:buChar char="•"/>
+              <a:defRPr sz="1800" kern="1200">
+                <a:solidFill>
+                  <a:schemeClr val="tx1"/>
+                </a:solidFill>
+                <a:latin typeface="+mn-lt"/>
+                <a:ea typeface="+mn-ea"/>
+                <a:cs typeface="+mn-cs"/>
+              </a:defRPr>
+            </a:lvl7pPr>
+            <a:lvl8pPr marL="3429000" indent="-228600" algn="l" defTabSz="914400" rtl="0" eaLnBrk="1" latinLnBrk="0" hangingPunct="1">
+              <a:lnSpc>
+                <a:spcPct val="90000"/>
+              </a:lnSpc>
+              <a:spcBef>
+                <a:spcPts val="500"/>
+              </a:spcBef>
+              <a:buFont typeface="Arial" panose="020B0604020202020204" pitchFamily="34" charset="0"/>
+              <a:buChar char="•"/>
+              <a:defRPr sz="1800" kern="1200">
+                <a:solidFill>
+                  <a:schemeClr val="tx1"/>
+                </a:solidFill>
+                <a:latin typeface="+mn-lt"/>
+                <a:ea typeface="+mn-ea"/>
+                <a:cs typeface="+mn-cs"/>
+              </a:defRPr>
+            </a:lvl8pPr>
+            <a:lvl9pPr marL="3886200" indent="-228600" algn="l" defTabSz="914400" rtl="0" eaLnBrk="1" latinLnBrk="0" hangingPunct="1">
+              <a:lnSpc>
+                <a:spcPct val="90000"/>
+              </a:lnSpc>
+              <a:spcBef>
+                <a:spcPts val="500"/>
+              </a:spcBef>
+              <a:buFont typeface="Arial" panose="020B0604020202020204" pitchFamily="34" charset="0"/>
+              <a:buChar char="•"/>
+              <a:defRPr sz="1800" kern="1200">
+                <a:solidFill>
+                  <a:schemeClr val="tx1"/>
+                </a:solidFill>
+                <a:latin typeface="+mn-lt"/>
+                <a:ea typeface="+mn-ea"/>
+                <a:cs typeface="+mn-cs"/>
+              </a:defRPr>
+            </a:lvl9pPr>
+          </a:lstStyle>
+          <a:p>
+            <a:pPr>
+              <a:lnSpc>
+                <a:spcPct val="100000"/>
+              </a:lnSpc>
+            </a:pPr>
+            <a:endParaRPr lang="en-US" sz="1000" dirty="0">
+              <a:latin typeface="Helvetica" pitchFamily="2" charset="0"/>
+              <a:cs typeface="Calibri"/>
+            </a:endParaRPr>
+          </a:p>
+        </p:txBody>
+      </p:sp>
+      <p:sp>
+        <p:nvSpPr>
+          <p:cNvPr id="8" name="Content Placeholder 7">
+            <a:extLst>
+              <a:ext uri="{FF2B5EF4-FFF2-40B4-BE49-F238E27FC236}">
+                <a16:creationId xmlns:a16="http://schemas.microsoft.com/office/drawing/2014/main" id="{AC583E2D-9E5D-AF4E-8A3C-43004D01DFBC}"/>
+              </a:ext>
+            </a:extLst>
+          </p:cNvPr>
+          <p:cNvSpPr>
+            <a:spLocks noGrp="1"/>
+          </p:cNvSpPr>
+          <p:nvPr>
+            <p:ph sz="half" idx="1"/>
+          </p:nvPr>
+        </p:nvSpPr>
+        <p:spPr>
+          <a:xfrm>
+            <a:off x="323528" y="2101998"/>
+            <a:ext cx="7759774" cy="4351338"/>
+          </a:xfrm>
+        </p:spPr>
+        <p:txBody>
+          <a:bodyPr>
+            <a:normAutofit/>
+          </a:bodyPr>
+          <a:lstStyle/>
+          <a:p>
+            <a:pPr>
+              <a:lnSpc>
+                <a:spcPct val="150000"/>
+              </a:lnSpc>
+            </a:pPr>
+            <a:r>
+              <a:rPr lang="en-CA" sz="2200" b="1" dirty="0"/>
+              <a:t>How to run Python</a:t>
+            </a:r>
+          </a:p>
+          <a:p>
+            <a:pPr marL="457200" indent="-457200">
+              <a:lnSpc>
+                <a:spcPct val="150000"/>
+              </a:lnSpc>
+              <a:buFont typeface="+mj-lt"/>
+              <a:buAutoNum type="arabicPeriod"/>
+            </a:pPr>
+            <a:r>
+              <a:rPr lang="en-CA" sz="2200" b="1" dirty="0"/>
+              <a:t>Easiest way is to install anaconda/</a:t>
+            </a:r>
+            <a:r>
+              <a:rPr lang="en-CA" sz="2200" b="1" dirty="0" err="1"/>
+              <a:t>conda</a:t>
+            </a:r>
+            <a:endParaRPr lang="en-CA" sz="2200" b="1" dirty="0"/>
+          </a:p>
+          <a:p>
+            <a:pPr marL="457200" indent="-457200">
+              <a:lnSpc>
+                <a:spcPct val="150000"/>
+              </a:lnSpc>
+              <a:buFont typeface="+mj-lt"/>
+              <a:buAutoNum type="arabicPeriod"/>
+            </a:pPr>
+            <a:r>
+              <a:rPr lang="en-CA" sz="2200" b="1" dirty="0"/>
+              <a:t>Today we’re using Google </a:t>
+            </a:r>
+            <a:r>
+              <a:rPr lang="en-CA" sz="2200" b="1" dirty="0" err="1"/>
+              <a:t>Colab</a:t>
+            </a:r>
+            <a:r>
+              <a:rPr lang="en-CA" sz="2200" b="1" dirty="0"/>
+              <a:t> notebooks</a:t>
+            </a:r>
+          </a:p>
+          <a:p>
+            <a:pPr marL="457200" indent="-457200">
+              <a:lnSpc>
+                <a:spcPct val="150000"/>
+              </a:lnSpc>
+              <a:buFont typeface="+mj-lt"/>
+              <a:buAutoNum type="arabicPeriod"/>
+            </a:pPr>
+            <a:r>
+              <a:rPr lang="en-CA" sz="2200" b="1" dirty="0" err="1"/>
+              <a:t>Jupyter</a:t>
+            </a:r>
+            <a:r>
+              <a:rPr lang="en-CA" sz="2200" b="1" dirty="0"/>
+              <a:t> notebooks are another good option</a:t>
+            </a:r>
+          </a:p>
+          <a:p>
+            <a:pPr marL="0" indent="0">
+              <a:lnSpc>
+                <a:spcPct val="150000"/>
+              </a:lnSpc>
+              <a:buNone/>
+            </a:pPr>
+            <a:endParaRPr lang="en-CA" sz="2200" b="1" dirty="0"/>
+          </a:p>
+          <a:p>
+            <a:endParaRPr lang="en-CA" b="1" dirty="0"/>
+          </a:p>
+        </p:txBody>
+      </p:sp>
+    </p:spTree>
+    <p:extLst>
+      <p:ext uri="{BB962C8B-B14F-4D97-AF65-F5344CB8AC3E}">
+        <p14:creationId xmlns:p14="http://schemas.microsoft.com/office/powerpoint/2010/main" val="1155186274"/>
+      </p:ext>
+    </p:extLst>
+  </p:cSld>
+  <p:clrMapOvr>
+    <a:masterClrMapping/>
+  </p:clrMapOvr>
+</p:sld>
+</file>
+
+<file path=ppt/slides/slide16.xml><?xml version="1.0" encoding="utf-8"?>
+<p:sld xmlns:a="http://schemas.openxmlformats.org/drawingml/2006/main" xmlns:r="http://schemas.openxmlformats.org/officeDocument/2006/relationships" xmlns:p="http://schemas.openxmlformats.org/presentationml/2006/main">
+  <p:cSld>
+    <p:spTree>
+      <p:nvGrpSpPr>
+        <p:cNvPr id="1" name=""/>
+        <p:cNvGrpSpPr/>
+        <p:nvPr/>
+      </p:nvGrpSpPr>
+      <p:grpSpPr>
+        <a:xfrm>
+          <a:off x="0" y="0"/>
+          <a:ext cx="0" cy="0"/>
+          <a:chOff x="0" y="0"/>
+          <a:chExt cx="0" cy="0"/>
+        </a:xfrm>
+      </p:grpSpPr>
+      <p:sp>
+        <p:nvSpPr>
           <p:cNvPr id="2" name="Title 1">
             <a:extLst>
               <a:ext uri="{FF2B5EF4-FFF2-40B4-BE49-F238E27FC236}">
@@ -8190,7 +8941,7 @@
 </p:sld>
 </file>
 
-<file path=ppt/slides/slide15.xml><?xml version="1.0" encoding="utf-8"?>
+<file path=ppt/slides/slide17.xml><?xml version="1.0" encoding="utf-8"?>
 <p:sld xmlns:a="http://schemas.openxmlformats.org/drawingml/2006/main" xmlns:r="http://schemas.openxmlformats.org/officeDocument/2006/relationships" xmlns:p="http://schemas.openxmlformats.org/presentationml/2006/main">
   <p:cSld>
     <p:spTree>
@@ -8918,7 +9669,7 @@
 </p:sld>
 </file>
 
-<file path=ppt/slides/slide16.xml><?xml version="1.0" encoding="utf-8"?>
+<file path=ppt/slides/slide18.xml><?xml version="1.0" encoding="utf-8"?>
 <p:sld xmlns:a="http://schemas.openxmlformats.org/drawingml/2006/main" xmlns:r="http://schemas.openxmlformats.org/officeDocument/2006/relationships" xmlns:p="http://schemas.openxmlformats.org/presentationml/2006/main">
   <p:cSld>
     <p:spTree>
@@ -10151,7 +10902,7 @@
 </p:sld>
 </file>
 
-<file path=ppt/slides/slide17.xml><?xml version="1.0" encoding="utf-8"?>
+<file path=ppt/slides/slide19.xml><?xml version="1.0" encoding="utf-8"?>
 <p:sld xmlns:a="http://schemas.openxmlformats.org/drawingml/2006/main" xmlns:r="http://schemas.openxmlformats.org/officeDocument/2006/relationships" xmlns:p="http://schemas.openxmlformats.org/presentationml/2006/main">
   <p:cSld>
     <p:spTree>
@@ -11120,7 +11871,37 @@
 </p:sld>
 </file>
 
-<file path=ppt/slides/slide18.xml><?xml version="1.0" encoding="utf-8"?>
+<file path=ppt/slides/slide2.xml><?xml version="1.0" encoding="utf-8"?>
+<p:sld xmlns:a="http://schemas.openxmlformats.org/drawingml/2006/main" xmlns:r="http://schemas.openxmlformats.org/officeDocument/2006/relationships" xmlns:p="http://schemas.openxmlformats.org/presentationml/2006/main">
+  <p:cSld>
+    <p:spTree>
+      <p:nvGrpSpPr>
+        <p:cNvPr id="1" name=""/>
+        <p:cNvGrpSpPr/>
+        <p:nvPr/>
+      </p:nvGrpSpPr>
+      <p:grpSpPr>
+        <a:xfrm>
+          <a:off x="0" y="0"/>
+          <a:ext cx="0" cy="0"/>
+          <a:chOff x="0" y="0"/>
+          <a:chExt cx="0" cy="0"/>
+        </a:xfrm>
+      </p:grpSpPr>
+    </p:spTree>
+    <p:extLst>
+      <p:ext uri="{BB962C8B-B14F-4D97-AF65-F5344CB8AC3E}">
+        <p14:creationId xmlns:p14="http://schemas.microsoft.com/office/powerpoint/2010/main" val="3133242724"/>
+      </p:ext>
+    </p:extLst>
+  </p:cSld>
+  <p:clrMapOvr>
+    <a:masterClrMapping/>
+  </p:clrMapOvr>
+</p:sld>
+</file>
+
+<file path=ppt/slides/slide20.xml><?xml version="1.0" encoding="utf-8"?>
 <p:sld xmlns:a="http://schemas.openxmlformats.org/drawingml/2006/main" xmlns:r="http://schemas.openxmlformats.org/officeDocument/2006/relationships" xmlns:p="http://schemas.openxmlformats.org/presentationml/2006/main">
   <p:cSld>
     <p:spTree>
@@ -11364,7 +12145,7 @@
 </p:sld>
 </file>
 
-<file path=ppt/slides/slide19.xml><?xml version="1.0" encoding="utf-8"?>
+<file path=ppt/slides/slide21.xml><?xml version="1.0" encoding="utf-8"?>
 <p:sld xmlns:a="http://schemas.openxmlformats.org/drawingml/2006/main" xmlns:r="http://schemas.openxmlformats.org/officeDocument/2006/relationships" xmlns:p="http://schemas.openxmlformats.org/presentationml/2006/main">
   <p:cSld>
     <p:spTree>
@@ -11535,37 +12316,7 @@
 </p:sld>
 </file>
 
-<file path=ppt/slides/slide2.xml><?xml version="1.0" encoding="utf-8"?>
-<p:sld xmlns:a="http://schemas.openxmlformats.org/drawingml/2006/main" xmlns:r="http://schemas.openxmlformats.org/officeDocument/2006/relationships" xmlns:p="http://schemas.openxmlformats.org/presentationml/2006/main">
-  <p:cSld>
-    <p:spTree>
-      <p:nvGrpSpPr>
-        <p:cNvPr id="1" name=""/>
-        <p:cNvGrpSpPr/>
-        <p:nvPr/>
-      </p:nvGrpSpPr>
-      <p:grpSpPr>
-        <a:xfrm>
-          <a:off x="0" y="0"/>
-          <a:ext cx="0" cy="0"/>
-          <a:chOff x="0" y="0"/>
-          <a:chExt cx="0" cy="0"/>
-        </a:xfrm>
-      </p:grpSpPr>
-    </p:spTree>
-    <p:extLst>
-      <p:ext uri="{BB962C8B-B14F-4D97-AF65-F5344CB8AC3E}">
-        <p14:creationId xmlns:p14="http://schemas.microsoft.com/office/powerpoint/2010/main" val="3133242724"/>
-      </p:ext>
-    </p:extLst>
-  </p:cSld>
-  <p:clrMapOvr>
-    <a:masterClrMapping/>
-  </p:clrMapOvr>
-</p:sld>
-</file>
-
-<file path=ppt/slides/slide20.xml><?xml version="1.0" encoding="utf-8"?>
+<file path=ppt/slides/slide22.xml><?xml version="1.0" encoding="utf-8"?>
 <p:sld xmlns:a="http://schemas.openxmlformats.org/drawingml/2006/main" xmlns:r="http://schemas.openxmlformats.org/officeDocument/2006/relationships" xmlns:p="http://schemas.openxmlformats.org/presentationml/2006/main">
   <p:cSld>
     <p:spTree>
@@ -11726,7 +12477,7 @@
 </p:sld>
 </file>
 
-<file path=ppt/slides/slide21.xml><?xml version="1.0" encoding="utf-8"?>
+<file path=ppt/slides/slide23.xml><?xml version="1.0" encoding="utf-8"?>
 <p:sld xmlns:a="http://schemas.openxmlformats.org/drawingml/2006/main" xmlns:r="http://schemas.openxmlformats.org/officeDocument/2006/relationships" xmlns:p="http://schemas.openxmlformats.org/presentationml/2006/main">
   <p:cSld>
     <p:spTree>
@@ -12034,7 +12785,7 @@
 </p:sld>
 </file>
 
-<file path=ppt/slides/slide22.xml><?xml version="1.0" encoding="utf-8"?>
+<file path=ppt/slides/slide24.xml><?xml version="1.0" encoding="utf-8"?>
 <p:sld xmlns:a="http://schemas.openxmlformats.org/drawingml/2006/main" xmlns:r="http://schemas.openxmlformats.org/officeDocument/2006/relationships" xmlns:p="http://schemas.openxmlformats.org/presentationml/2006/main">
   <p:cSld>
     <p:spTree>
@@ -12204,7 +12955,7 @@
 </p:sld>
 </file>
 
-<file path=ppt/slides/slide23.xml><?xml version="1.0" encoding="utf-8"?>
+<file path=ppt/slides/slide25.xml><?xml version="1.0" encoding="utf-8"?>
 <p:sld xmlns:a="http://schemas.openxmlformats.org/drawingml/2006/main" xmlns:r="http://schemas.openxmlformats.org/officeDocument/2006/relationships" xmlns:p="http://schemas.openxmlformats.org/presentationml/2006/main">
   <p:cSld>
     <p:spTree>
@@ -12353,7 +13104,7 @@
 </p:sld>
 </file>
 
-<file path=ppt/slides/slide24.xml><?xml version="1.0" encoding="utf-8"?>
+<file path=ppt/slides/slide26.xml><?xml version="1.0" encoding="utf-8"?>
 <p:sld xmlns:a="http://schemas.openxmlformats.org/drawingml/2006/main" xmlns:r="http://schemas.openxmlformats.org/officeDocument/2006/relationships" xmlns:p="http://schemas.openxmlformats.org/presentationml/2006/main">
   <p:cSld>
     <p:spTree>

--- a/MiCM_StatsPythonF21_AAyad.pptx
+++ b/MiCM_StatsPythonF21_AAyad.pptx
@@ -5,7 +5,7 @@
     <p:sldMasterId id="2147483660" r:id="rId1"/>
   </p:sldMasterIdLst>
   <p:notesMasterIdLst>
-    <p:notesMasterId r:id="rId28"/>
+    <p:notesMasterId r:id="rId22"/>
   </p:notesMasterIdLst>
   <p:sldIdLst>
     <p:sldId id="263" r:id="rId2"/>
@@ -23,17 +23,11 @@
     <p:sldId id="443" r:id="rId14"/>
     <p:sldId id="446" r:id="rId15"/>
     <p:sldId id="447" r:id="rId16"/>
-    <p:sldId id="441" r:id="rId17"/>
-    <p:sldId id="359" r:id="rId18"/>
-    <p:sldId id="381" r:id="rId19"/>
-    <p:sldId id="384" r:id="rId20"/>
-    <p:sldId id="382" r:id="rId21"/>
-    <p:sldId id="388" r:id="rId22"/>
-    <p:sldId id="397" r:id="rId23"/>
-    <p:sldId id="338" r:id="rId24"/>
-    <p:sldId id="339" r:id="rId25"/>
-    <p:sldId id="400" r:id="rId26"/>
-    <p:sldId id="401" r:id="rId27"/>
+    <p:sldId id="448" r:id="rId17"/>
+    <p:sldId id="397" r:id="rId18"/>
+    <p:sldId id="339" r:id="rId19"/>
+    <p:sldId id="400" r:id="rId20"/>
+    <p:sldId id="401" r:id="rId21"/>
   </p:sldIdLst>
   <p:sldSz cx="9144000" cy="6858000" type="screen4x3"/>
   <p:notesSz cx="6858000" cy="9144000"/>
@@ -152,14 +146,8 @@
             <p14:sldId id="443"/>
             <p14:sldId id="446"/>
             <p14:sldId id="447"/>
-            <p14:sldId id="441"/>
-            <p14:sldId id="359"/>
-            <p14:sldId id="381"/>
-            <p14:sldId id="384"/>
-            <p14:sldId id="382"/>
-            <p14:sldId id="388"/>
+            <p14:sldId id="448"/>
             <p14:sldId id="397"/>
-            <p14:sldId id="338"/>
             <p14:sldId id="339"/>
             <p14:sldId id="400"/>
             <p14:sldId id="401"/>
@@ -3380,7 +3368,7 @@
           <a:p>
             <a:fld id="{217E5156-1B5D-054E-B5B2-E1B1BA160252}" type="datetimeFigureOut">
               <a:rPr lang="fr-FR" smtClean="0"/>
-              <a:t>22/09/2021</a:t>
+              <a:t>24/09/2021</a:t>
             </a:fld>
             <a:endParaRPr lang="fr-FR"/>
           </a:p>
@@ -8855,10 +8843,10 @@
       </p:grpSpPr>
       <p:sp>
         <p:nvSpPr>
-          <p:cNvPr id="2" name="Title 1">
+          <p:cNvPr id="2" name="Titre 1">
             <a:extLst>
               <a:ext uri="{FF2B5EF4-FFF2-40B4-BE49-F238E27FC236}">
-                <a16:creationId xmlns:a16="http://schemas.microsoft.com/office/drawing/2014/main" id="{0B52CB0D-40DB-BE41-9BEB-40722EBC393A}"/>
+                <a16:creationId xmlns:a16="http://schemas.microsoft.com/office/drawing/2014/main" id="{7D442A67-6808-B148-B650-0C3896F6C6CD}"/>
               </a:ext>
             </a:extLst>
           </p:cNvPr>
@@ -8869,21 +8857,240 @@
             <p:ph type="title"/>
           </p:nvPr>
         </p:nvSpPr>
-        <p:spPr/>
+        <p:spPr>
+          <a:xfrm>
+            <a:off x="-36512" y="404664"/>
+            <a:ext cx="9289032" cy="979999"/>
+          </a:xfrm>
+          <a:solidFill>
+            <a:schemeClr val="accent2"/>
+          </a:solidFill>
+        </p:spPr>
         <p:txBody>
-          <a:bodyPr/>
+          <a:bodyPr>
+            <a:normAutofit/>
+          </a:bodyPr>
           <a:lstStyle/>
           <a:p>
-            <a:endParaRPr lang="en-CA"/>
+            <a:r>
+              <a:rPr lang="en-CA" sz="4000" b="1" dirty="0">
+                <a:latin typeface="Helvetica" pitchFamily="2" charset="0"/>
+              </a:rPr>
+              <a:t>Python 101</a:t>
+            </a:r>
           </a:p>
         </p:txBody>
       </p:sp>
       <p:sp>
         <p:nvSpPr>
-          <p:cNvPr id="3" name="Content Placeholder 2">
+          <p:cNvPr id="5" name="Espace réservé du contenu 2">
             <a:extLst>
               <a:ext uri="{FF2B5EF4-FFF2-40B4-BE49-F238E27FC236}">
-                <a16:creationId xmlns:a16="http://schemas.microsoft.com/office/drawing/2014/main" id="{7032C457-D9F7-CD4D-8EA1-7AD256FC1698}"/>
+                <a16:creationId xmlns:a16="http://schemas.microsoft.com/office/drawing/2014/main" id="{A3115C2C-E99E-484B-8576-07ADAD22D341}"/>
+              </a:ext>
+            </a:extLst>
+          </p:cNvPr>
+          <p:cNvSpPr txBox="1">
+            <a:spLocks/>
+          </p:cNvSpPr>
+          <p:nvPr/>
+        </p:nvSpPr>
+        <p:spPr>
+          <a:xfrm>
+            <a:off x="4427984" y="1825625"/>
+            <a:ext cx="4519414" cy="1818065"/>
+          </a:xfrm>
+          <a:prstGeom prst="rect">
+            <a:avLst/>
+          </a:prstGeom>
+        </p:spPr>
+        <p:txBody>
+          <a:bodyPr vert="horz" lIns="91440" tIns="45720" rIns="91440" bIns="45720" rtlCol="0">
+            <a:normAutofit/>
+          </a:bodyPr>
+          <a:lstStyle>
+            <a:lvl1pPr marL="228600" indent="-228600" algn="l" defTabSz="914400" rtl="0" eaLnBrk="1" latinLnBrk="0" hangingPunct="1">
+              <a:lnSpc>
+                <a:spcPct val="90000"/>
+              </a:lnSpc>
+              <a:spcBef>
+                <a:spcPts val="1000"/>
+              </a:spcBef>
+              <a:buFont typeface="Arial" panose="020B0604020202020204" pitchFamily="34" charset="0"/>
+              <a:buChar char="•"/>
+              <a:defRPr sz="2800" kern="1200">
+                <a:solidFill>
+                  <a:schemeClr val="tx1"/>
+                </a:solidFill>
+                <a:latin typeface="+mn-lt"/>
+                <a:ea typeface="+mn-ea"/>
+                <a:cs typeface="+mn-cs"/>
+              </a:defRPr>
+            </a:lvl1pPr>
+            <a:lvl2pPr marL="685800" indent="-228600" algn="l" defTabSz="914400" rtl="0" eaLnBrk="1" latinLnBrk="0" hangingPunct="1">
+              <a:lnSpc>
+                <a:spcPct val="90000"/>
+              </a:lnSpc>
+              <a:spcBef>
+                <a:spcPts val="500"/>
+              </a:spcBef>
+              <a:buFont typeface="Arial" panose="020B0604020202020204" pitchFamily="34" charset="0"/>
+              <a:buChar char="•"/>
+              <a:defRPr sz="2400" kern="1200">
+                <a:solidFill>
+                  <a:schemeClr val="tx1"/>
+                </a:solidFill>
+                <a:latin typeface="+mn-lt"/>
+                <a:ea typeface="+mn-ea"/>
+                <a:cs typeface="+mn-cs"/>
+              </a:defRPr>
+            </a:lvl2pPr>
+            <a:lvl3pPr marL="1143000" indent="-228600" algn="l" defTabSz="914400" rtl="0" eaLnBrk="1" latinLnBrk="0" hangingPunct="1">
+              <a:lnSpc>
+                <a:spcPct val="90000"/>
+              </a:lnSpc>
+              <a:spcBef>
+                <a:spcPts val="500"/>
+              </a:spcBef>
+              <a:buFont typeface="Arial" panose="020B0604020202020204" pitchFamily="34" charset="0"/>
+              <a:buChar char="•"/>
+              <a:defRPr sz="2000" kern="1200">
+                <a:solidFill>
+                  <a:schemeClr val="tx1"/>
+                </a:solidFill>
+                <a:latin typeface="+mn-lt"/>
+                <a:ea typeface="+mn-ea"/>
+                <a:cs typeface="+mn-cs"/>
+              </a:defRPr>
+            </a:lvl3pPr>
+            <a:lvl4pPr marL="1600200" indent="-228600" algn="l" defTabSz="914400" rtl="0" eaLnBrk="1" latinLnBrk="0" hangingPunct="1">
+              <a:lnSpc>
+                <a:spcPct val="90000"/>
+              </a:lnSpc>
+              <a:spcBef>
+                <a:spcPts val="500"/>
+              </a:spcBef>
+              <a:buFont typeface="Arial" panose="020B0604020202020204" pitchFamily="34" charset="0"/>
+              <a:buChar char="•"/>
+              <a:defRPr sz="1800" kern="1200">
+                <a:solidFill>
+                  <a:schemeClr val="tx1"/>
+                </a:solidFill>
+                <a:latin typeface="+mn-lt"/>
+                <a:ea typeface="+mn-ea"/>
+                <a:cs typeface="+mn-cs"/>
+              </a:defRPr>
+            </a:lvl4pPr>
+            <a:lvl5pPr marL="2057400" indent="-228600" algn="l" defTabSz="914400" rtl="0" eaLnBrk="1" latinLnBrk="0" hangingPunct="1">
+              <a:lnSpc>
+                <a:spcPct val="90000"/>
+              </a:lnSpc>
+              <a:spcBef>
+                <a:spcPts val="500"/>
+              </a:spcBef>
+              <a:buFont typeface="Arial" panose="020B0604020202020204" pitchFamily="34" charset="0"/>
+              <a:buChar char="•"/>
+              <a:defRPr sz="1800" kern="1200">
+                <a:solidFill>
+                  <a:schemeClr val="tx1"/>
+                </a:solidFill>
+                <a:latin typeface="+mn-lt"/>
+                <a:ea typeface="+mn-ea"/>
+                <a:cs typeface="+mn-cs"/>
+              </a:defRPr>
+            </a:lvl5pPr>
+            <a:lvl6pPr marL="2514600" indent="-228600" algn="l" defTabSz="914400" rtl="0" eaLnBrk="1" latinLnBrk="0" hangingPunct="1">
+              <a:lnSpc>
+                <a:spcPct val="90000"/>
+              </a:lnSpc>
+              <a:spcBef>
+                <a:spcPts val="500"/>
+              </a:spcBef>
+              <a:buFont typeface="Arial" panose="020B0604020202020204" pitchFamily="34" charset="0"/>
+              <a:buChar char="•"/>
+              <a:defRPr sz="1800" kern="1200">
+                <a:solidFill>
+                  <a:schemeClr val="tx1"/>
+                </a:solidFill>
+                <a:latin typeface="+mn-lt"/>
+                <a:ea typeface="+mn-ea"/>
+                <a:cs typeface="+mn-cs"/>
+              </a:defRPr>
+            </a:lvl6pPr>
+            <a:lvl7pPr marL="2971800" indent="-228600" algn="l" defTabSz="914400" rtl="0" eaLnBrk="1" latinLnBrk="0" hangingPunct="1">
+              <a:lnSpc>
+                <a:spcPct val="90000"/>
+              </a:lnSpc>
+              <a:spcBef>
+                <a:spcPts val="500"/>
+              </a:spcBef>
+              <a:buFont typeface="Arial" panose="020B0604020202020204" pitchFamily="34" charset="0"/>
+              <a:buChar char="•"/>
+              <a:defRPr sz="1800" kern="1200">
+                <a:solidFill>
+                  <a:schemeClr val="tx1"/>
+                </a:solidFill>
+                <a:latin typeface="+mn-lt"/>
+                <a:ea typeface="+mn-ea"/>
+                <a:cs typeface="+mn-cs"/>
+              </a:defRPr>
+            </a:lvl7pPr>
+            <a:lvl8pPr marL="3429000" indent="-228600" algn="l" defTabSz="914400" rtl="0" eaLnBrk="1" latinLnBrk="0" hangingPunct="1">
+              <a:lnSpc>
+                <a:spcPct val="90000"/>
+              </a:lnSpc>
+              <a:spcBef>
+                <a:spcPts val="500"/>
+              </a:spcBef>
+              <a:buFont typeface="Arial" panose="020B0604020202020204" pitchFamily="34" charset="0"/>
+              <a:buChar char="•"/>
+              <a:defRPr sz="1800" kern="1200">
+                <a:solidFill>
+                  <a:schemeClr val="tx1"/>
+                </a:solidFill>
+                <a:latin typeface="+mn-lt"/>
+                <a:ea typeface="+mn-ea"/>
+                <a:cs typeface="+mn-cs"/>
+              </a:defRPr>
+            </a:lvl8pPr>
+            <a:lvl9pPr marL="3886200" indent="-228600" algn="l" defTabSz="914400" rtl="0" eaLnBrk="1" latinLnBrk="0" hangingPunct="1">
+              <a:lnSpc>
+                <a:spcPct val="90000"/>
+              </a:lnSpc>
+              <a:spcBef>
+                <a:spcPts val="500"/>
+              </a:spcBef>
+              <a:buFont typeface="Arial" panose="020B0604020202020204" pitchFamily="34" charset="0"/>
+              <a:buChar char="•"/>
+              <a:defRPr sz="1800" kern="1200">
+                <a:solidFill>
+                  <a:schemeClr val="tx1"/>
+                </a:solidFill>
+                <a:latin typeface="+mn-lt"/>
+                <a:ea typeface="+mn-ea"/>
+                <a:cs typeface="+mn-cs"/>
+              </a:defRPr>
+            </a:lvl9pPr>
+          </a:lstStyle>
+          <a:p>
+            <a:pPr>
+              <a:lnSpc>
+                <a:spcPct val="100000"/>
+              </a:lnSpc>
+            </a:pPr>
+            <a:endParaRPr lang="en-US" sz="1000" dirty="0">
+              <a:latin typeface="Helvetica" pitchFamily="2" charset="0"/>
+              <a:cs typeface="Calibri"/>
+            </a:endParaRPr>
+          </a:p>
+        </p:txBody>
+      </p:sp>
+      <p:sp>
+        <p:nvSpPr>
+          <p:cNvPr id="8" name="Content Placeholder 7">
+            <a:extLst>
+              <a:ext uri="{FF2B5EF4-FFF2-40B4-BE49-F238E27FC236}">
+                <a16:creationId xmlns:a16="http://schemas.microsoft.com/office/drawing/2014/main" id="{AC583E2D-9E5D-AF4E-8A3C-43004D01DFBC}"/>
               </a:ext>
             </a:extLst>
           </p:cNvPr>
@@ -8894,44 +9101,50 @@
             <p:ph sz="half" idx="1"/>
           </p:nvPr>
         </p:nvSpPr>
-        <p:spPr/>
+        <p:spPr>
+          <a:xfrm>
+            <a:off x="323528" y="2101998"/>
+            <a:ext cx="7759774" cy="4351338"/>
+          </a:xfrm>
+        </p:spPr>
         <p:txBody>
-          <a:bodyPr/>
+          <a:bodyPr>
+            <a:normAutofit/>
+          </a:bodyPr>
           <a:lstStyle/>
           <a:p>
-            <a:endParaRPr lang="en-CA"/>
-          </a:p>
-        </p:txBody>
-      </p:sp>
-      <p:sp>
-        <p:nvSpPr>
-          <p:cNvPr id="4" name="Content Placeholder 3">
-            <a:extLst>
-              <a:ext uri="{FF2B5EF4-FFF2-40B4-BE49-F238E27FC236}">
-                <a16:creationId xmlns:a16="http://schemas.microsoft.com/office/drawing/2014/main" id="{B82C7A0A-F5D1-B04F-AD8F-EC4B0A683055}"/>
-              </a:ext>
-            </a:extLst>
-          </p:cNvPr>
-          <p:cNvSpPr>
-            <a:spLocks noGrp="1"/>
-          </p:cNvSpPr>
-          <p:nvPr>
-            <p:ph sz="half" idx="2"/>
-          </p:nvPr>
-        </p:nvSpPr>
-        <p:spPr/>
-        <p:txBody>
-          <a:bodyPr/>
-          <a:lstStyle/>
-          <a:p>
-            <a:endParaRPr lang="en-CA"/>
+            <a:pPr>
+              <a:lnSpc>
+                <a:spcPct val="150000"/>
+              </a:lnSpc>
+            </a:pPr>
+            <a:r>
+              <a:rPr lang="en-CA" sz="2200" b="1" dirty="0" err="1"/>
+              <a:t>Colab</a:t>
+            </a:r>
+            <a:r>
+              <a:rPr lang="en-CA" sz="2200" b="1" dirty="0"/>
+              <a:t> notebooks</a:t>
+            </a:r>
+          </a:p>
+          <a:p>
+            <a:pPr marL="0" indent="0">
+              <a:lnSpc>
+                <a:spcPct val="150000"/>
+              </a:lnSpc>
+              <a:buNone/>
+            </a:pPr>
+            <a:endParaRPr lang="en-CA" sz="2200" b="1" dirty="0"/>
+          </a:p>
+          <a:p>
+            <a:endParaRPr lang="en-CA" b="1" dirty="0"/>
           </a:p>
         </p:txBody>
       </p:sp>
     </p:spTree>
     <p:extLst>
       <p:ext uri="{BB962C8B-B14F-4D97-AF65-F5344CB8AC3E}">
-        <p14:creationId xmlns:p14="http://schemas.microsoft.com/office/powerpoint/2010/main" val="2554465507"/>
+        <p14:creationId xmlns:p14="http://schemas.microsoft.com/office/powerpoint/2010/main" val="2947638751"/>
       </p:ext>
     </p:extLst>
   </p:cSld>
@@ -8958,547 +9171,42 @@
           <a:chExt cx="0" cy="0"/>
         </a:xfrm>
       </p:grpSpPr>
-      <mc:AlternateContent xmlns:mc="http://schemas.openxmlformats.org/markup-compatibility/2006" xmlns:a14="http://schemas.microsoft.com/office/drawing/2010/main">
-        <mc:Choice Requires="a14">
-          <p:sp>
-            <p:nvSpPr>
-              <p:cNvPr id="3" name="Espace réservé du contenu 2">
-                <a:extLst>
-                  <a:ext uri="{FF2B5EF4-FFF2-40B4-BE49-F238E27FC236}">
-                    <a16:creationId xmlns:a16="http://schemas.microsoft.com/office/drawing/2014/main" id="{87B93719-7A3D-1148-9FCA-AF4A65C4BC41}"/>
-                  </a:ext>
-                </a:extLst>
-              </p:cNvPr>
-              <p:cNvSpPr>
-                <a:spLocks noGrp="1"/>
-              </p:cNvSpPr>
-              <p:nvPr>
-                <p:ph sz="half" idx="1"/>
-              </p:nvPr>
-            </p:nvSpPr>
-            <p:spPr>
-              <a:xfrm>
-                <a:off x="628650" y="1825625"/>
-                <a:ext cx="7886700" cy="4351338"/>
-              </a:xfrm>
-            </p:spPr>
-            <p:txBody>
-              <a:bodyPr>
-                <a:normAutofit/>
-              </a:bodyPr>
-              <a:lstStyle/>
-              <a:p>
-                <a:r>
-                  <a:rPr lang="en-CA" dirty="0"/>
-                  <a:t>Accuracy is only one metric</a:t>
-                </a:r>
-              </a:p>
-              <a:p>
-                <a:pPr lvl="1"/>
-                <a:r>
-                  <a:rPr lang="en-CA" dirty="0"/>
-                  <a:t>Definition: proportion of correct cases to all cases</a:t>
-                </a:r>
-              </a:p>
-              <a:p>
-                <a:pPr marL="457200" lvl="1" indent="0">
-                  <a:buNone/>
-                </a:pPr>
-                <a:endParaRPr lang="en-CA" dirty="0"/>
-              </a:p>
-              <a:p>
-                <a:pPr marL="457200" lvl="1" indent="0">
-                  <a:buNone/>
-                </a:pPr>
-                <a14:m>
-                  <m:oMathPara xmlns:m="http://schemas.openxmlformats.org/officeDocument/2006/math">
-                    <m:oMathParaPr>
-                      <m:jc m:val="centerGroup"/>
-                    </m:oMathParaPr>
-                    <m:oMath xmlns:m="http://schemas.openxmlformats.org/officeDocument/2006/math">
-                      <m:r>
-                        <a:rPr lang="en-US" sz="1400" b="0" i="1" smtClean="0">
-                          <a:latin typeface="Cambria Math" panose="02040503050406030204" pitchFamily="18" charset="0"/>
-                        </a:rPr>
-                        <m:t>𝐴𝑐𝑐𝑢𝑟𝑎𝑐𝑦</m:t>
-                      </m:r>
-                      <m:r>
-                        <a:rPr lang="en-US" sz="1400" b="0" i="1" smtClean="0">
-                          <a:latin typeface="Cambria Math" panose="02040503050406030204" pitchFamily="18" charset="0"/>
-                        </a:rPr>
-                        <m:t>=</m:t>
-                      </m:r>
-                      <m:f>
-                        <m:fPr>
-                          <m:ctrlPr>
-                            <a:rPr lang="en-US" sz="1400" b="0" i="1" smtClean="0">
-                              <a:latin typeface="Cambria Math" panose="02040503050406030204" pitchFamily="18" charset="0"/>
-                            </a:rPr>
-                          </m:ctrlPr>
-                        </m:fPr>
-                        <m:num>
-                          <m:r>
-                            <a:rPr lang="en-US" sz="1400" b="0" i="1" smtClean="0">
-                              <a:latin typeface="Cambria Math" panose="02040503050406030204" pitchFamily="18" charset="0"/>
-                            </a:rPr>
-                            <m:t>𝑇𝑟𝑢𝑒</m:t>
-                          </m:r>
-                          <m:r>
-                            <a:rPr lang="en-US" sz="1400" b="0" i="1" smtClean="0">
-                              <a:latin typeface="Cambria Math" panose="02040503050406030204" pitchFamily="18" charset="0"/>
-                            </a:rPr>
-                            <m:t> </m:t>
-                          </m:r>
-                          <m:r>
-                            <a:rPr lang="en-US" sz="1400" b="0" i="1" smtClean="0">
-                              <a:latin typeface="Cambria Math" panose="02040503050406030204" pitchFamily="18" charset="0"/>
-                            </a:rPr>
-                            <m:t>𝑃𝑜𝑠𝑖𝑡𝑖𝑣𝑒</m:t>
-                          </m:r>
-                          <m:r>
-                            <a:rPr lang="en-US" sz="1400" b="0" i="1" smtClean="0">
-                              <a:latin typeface="Cambria Math" panose="02040503050406030204" pitchFamily="18" charset="0"/>
-                            </a:rPr>
-                            <m:t>+</m:t>
-                          </m:r>
-                          <m:r>
-                            <a:rPr lang="en-US" sz="1400" b="0" i="1" smtClean="0">
-                              <a:latin typeface="Cambria Math" panose="02040503050406030204" pitchFamily="18" charset="0"/>
-                            </a:rPr>
-                            <m:t>𝑇𝑟𝑢𝑒</m:t>
-                          </m:r>
-                          <m:r>
-                            <a:rPr lang="en-US" sz="1400" b="0" i="1" smtClean="0">
-                              <a:latin typeface="Cambria Math" panose="02040503050406030204" pitchFamily="18" charset="0"/>
-                            </a:rPr>
-                            <m:t> </m:t>
-                          </m:r>
-                          <m:r>
-                            <a:rPr lang="en-US" sz="1400" b="0" i="1" smtClean="0">
-                              <a:latin typeface="Cambria Math" panose="02040503050406030204" pitchFamily="18" charset="0"/>
-                            </a:rPr>
-                            <m:t>𝑁𝑒𝑔𝑎𝑡𝑖𝑣𝑒</m:t>
-                          </m:r>
-                        </m:num>
-                        <m:den>
-                          <m:r>
-                            <a:rPr lang="en-US" sz="1400" b="0" i="1" smtClean="0">
-                              <a:latin typeface="Cambria Math" panose="02040503050406030204" pitchFamily="18" charset="0"/>
-                            </a:rPr>
-                            <m:t>𝑇𝑢𝑒</m:t>
-                          </m:r>
-                          <m:r>
-                            <a:rPr lang="en-US" sz="1400" b="0" i="1" smtClean="0">
-                              <a:latin typeface="Cambria Math" panose="02040503050406030204" pitchFamily="18" charset="0"/>
-                            </a:rPr>
-                            <m:t> </m:t>
-                          </m:r>
-                          <m:r>
-                            <a:rPr lang="en-US" sz="1400" b="0" i="1" smtClean="0">
-                              <a:latin typeface="Cambria Math" panose="02040503050406030204" pitchFamily="18" charset="0"/>
-                            </a:rPr>
-                            <m:t>𝑃𝑜𝑠𝑖𝑡𝑖𝑣𝑒</m:t>
-                          </m:r>
-                          <m:r>
-                            <a:rPr lang="en-US" sz="1400" b="0" i="1" smtClean="0">
-                              <a:latin typeface="Cambria Math" panose="02040503050406030204" pitchFamily="18" charset="0"/>
-                            </a:rPr>
-                            <m:t>+</m:t>
-                          </m:r>
-                          <m:r>
-                            <a:rPr lang="en-US" sz="1400" b="0" i="1" smtClean="0">
-                              <a:latin typeface="Cambria Math" panose="02040503050406030204" pitchFamily="18" charset="0"/>
-                            </a:rPr>
-                            <m:t>𝑇𝑟𝑢𝑒</m:t>
-                          </m:r>
-                          <m:r>
-                            <a:rPr lang="en-US" sz="1400" b="0" i="1" smtClean="0">
-                              <a:latin typeface="Cambria Math" panose="02040503050406030204" pitchFamily="18" charset="0"/>
-                            </a:rPr>
-                            <m:t> </m:t>
-                          </m:r>
-                          <m:r>
-                            <a:rPr lang="en-US" sz="1400" b="0" i="1" smtClean="0">
-                              <a:latin typeface="Cambria Math" panose="02040503050406030204" pitchFamily="18" charset="0"/>
-                            </a:rPr>
-                            <m:t>𝑁𝑒𝑔𝑎𝑡𝑖𝑣𝑒</m:t>
-                          </m:r>
-                          <m:r>
-                            <a:rPr lang="en-US" sz="1400" b="0" i="1" smtClean="0">
-                              <a:latin typeface="Cambria Math" panose="02040503050406030204" pitchFamily="18" charset="0"/>
-                            </a:rPr>
-                            <m:t>+</m:t>
-                          </m:r>
-                          <m:r>
-                            <a:rPr lang="en-US" sz="1400" b="0" i="1" smtClean="0">
-                              <a:latin typeface="Cambria Math" panose="02040503050406030204" pitchFamily="18" charset="0"/>
-                            </a:rPr>
-                            <m:t>𝐹𝑎𝑙𝑠𝑒</m:t>
-                          </m:r>
-                          <m:r>
-                            <a:rPr lang="en-US" sz="1400" b="0" i="1" smtClean="0">
-                              <a:latin typeface="Cambria Math" panose="02040503050406030204" pitchFamily="18" charset="0"/>
-                            </a:rPr>
-                            <m:t> </m:t>
-                          </m:r>
-                          <m:r>
-                            <a:rPr lang="en-US" sz="1400" b="0" i="1" smtClean="0">
-                              <a:latin typeface="Cambria Math" panose="02040503050406030204" pitchFamily="18" charset="0"/>
-                            </a:rPr>
-                            <m:t>𝑃𝑜𝑠𝑖𝑡𝑖𝑣𝑒</m:t>
-                          </m:r>
-                          <m:r>
-                            <a:rPr lang="en-US" sz="1400" b="0" i="1" smtClean="0">
-                              <a:latin typeface="Cambria Math" panose="02040503050406030204" pitchFamily="18" charset="0"/>
-                            </a:rPr>
-                            <m:t>+</m:t>
-                          </m:r>
-                          <m:r>
-                            <a:rPr lang="en-US" sz="1400" b="0" i="1" smtClean="0">
-                              <a:latin typeface="Cambria Math" panose="02040503050406030204" pitchFamily="18" charset="0"/>
-                            </a:rPr>
-                            <m:t>𝐹𝑎𝑙𝑠𝑒</m:t>
-                          </m:r>
-                          <m:r>
-                            <a:rPr lang="en-US" sz="1400" b="0" i="1" smtClean="0">
-                              <a:latin typeface="Cambria Math" panose="02040503050406030204" pitchFamily="18" charset="0"/>
-                            </a:rPr>
-                            <m:t> </m:t>
-                          </m:r>
-                          <m:r>
-                            <a:rPr lang="en-US" sz="1400" b="0" i="1" smtClean="0">
-                              <a:latin typeface="Cambria Math" panose="02040503050406030204" pitchFamily="18" charset="0"/>
-                            </a:rPr>
-                            <m:t>𝑁𝑒𝑔𝑎𝑡𝑖𝑣𝑒</m:t>
-                          </m:r>
-                        </m:den>
-                      </m:f>
-                    </m:oMath>
-                  </m:oMathPara>
-                </a14:m>
-                <a:endParaRPr lang="en-CA" dirty="0"/>
-              </a:p>
-              <a:p>
-                <a:endParaRPr lang="en-CA" dirty="0"/>
-              </a:p>
-              <a:p>
-                <a:endParaRPr lang="en-CA" dirty="0"/>
-              </a:p>
-            </p:txBody>
-          </p:sp>
-        </mc:Choice>
-        <mc:Fallback xmlns="">
-          <p:sp>
-            <p:nvSpPr>
-              <p:cNvPr id="3" name="Espace réservé du contenu 2">
-                <a:extLst>
-                  <a:ext uri="{FF2B5EF4-FFF2-40B4-BE49-F238E27FC236}">
-                    <a16:creationId xmlns:a16="http://schemas.microsoft.com/office/drawing/2014/main" id="{87B93719-7A3D-1148-9FCA-AF4A65C4BC41}"/>
-                  </a:ext>
-                </a:extLst>
-              </p:cNvPr>
-              <p:cNvSpPr>
-                <a:spLocks noGrp="1" noRot="1" noChangeAspect="1" noMove="1" noResize="1" noEditPoints="1" noAdjustHandles="1" noChangeArrowheads="1" noChangeShapeType="1" noTextEdit="1"/>
-              </p:cNvSpPr>
-              <p:nvPr>
-                <p:ph sz="half" idx="1"/>
-              </p:nvPr>
-            </p:nvSpPr>
-            <p:spPr>
-              <a:xfrm>
-                <a:off x="628650" y="1825625"/>
-                <a:ext cx="7886700" cy="4351338"/>
-              </a:xfrm>
-              <a:blipFill>
-                <a:blip r:embed="rId2"/>
-                <a:stretch>
-                  <a:fillRect l="-1447" t="-2326"/>
-                </a:stretch>
-              </a:blipFill>
-            </p:spPr>
-            <p:txBody>
-              <a:bodyPr/>
-              <a:lstStyle/>
-              <a:p>
-                <a:r>
-                  <a:rPr lang="en-CA">
-                    <a:noFill/>
-                  </a:rPr>
-                  <a:t> </a:t>
-                </a:r>
-              </a:p>
-            </p:txBody>
-          </p:sp>
-        </mc:Fallback>
-      </mc:AlternateContent>
-      <p:graphicFrame>
-        <p:nvGraphicFramePr>
-          <p:cNvPr id="4" name="Table 4">
+      <p:pic>
+        <p:nvPicPr>
+          <p:cNvPr id="7" name="Picture 6" descr="Koala on a tree">
             <a:extLst>
               <a:ext uri="{FF2B5EF4-FFF2-40B4-BE49-F238E27FC236}">
-                <a16:creationId xmlns:a16="http://schemas.microsoft.com/office/drawing/2014/main" id="{E04A8A2E-8B05-1447-BC51-8E7369159A0F}"/>
+                <a16:creationId xmlns:a16="http://schemas.microsoft.com/office/drawing/2014/main" id="{EA37BA1A-A640-754B-B4B7-82A085F8210F}"/>
               </a:ext>
             </a:extLst>
           </p:cNvPr>
-          <p:cNvGraphicFramePr>
-            <a:graphicFrameLocks noGrp="1"/>
-          </p:cNvGraphicFramePr>
-          <p:nvPr>
-            <p:extLst>
-              <p:ext uri="{D42A27DB-BD31-4B8C-83A1-F6EECF244321}">
-                <p14:modId xmlns:p14="http://schemas.microsoft.com/office/powerpoint/2010/main" val="468431521"/>
-              </p:ext>
-            </p:extLst>
-          </p:nvPr>
-        </p:nvGraphicFramePr>
-        <p:xfrm>
-          <a:off x="3779912" y="4001294"/>
-          <a:ext cx="4248473" cy="2027883"/>
-        </p:xfrm>
-        <a:graphic>
-          <a:graphicData uri="http://schemas.openxmlformats.org/drawingml/2006/table">
-            <a:tbl>
-              <a:tblPr firstRow="1" bandRow="1">
-                <a:tableStyleId>{5C22544A-7EE6-4342-B048-85BDC9FD1C3A}</a:tableStyleId>
-              </a:tblPr>
-              <a:tblGrid>
-                <a:gridCol w="1124783">
-                  <a:extLst>
-                    <a:ext uri="{9D8B030D-6E8A-4147-A177-3AD203B41FA5}">
-                      <a16:colId xmlns:a16="http://schemas.microsoft.com/office/drawing/2014/main" val="2019097122"/>
-                    </a:ext>
-                  </a:extLst>
-                </a:gridCol>
-                <a:gridCol w="1574696">
-                  <a:extLst>
-                    <a:ext uri="{9D8B030D-6E8A-4147-A177-3AD203B41FA5}">
-                      <a16:colId xmlns:a16="http://schemas.microsoft.com/office/drawing/2014/main" val="766092870"/>
-                    </a:ext>
-                  </a:extLst>
-                </a:gridCol>
-                <a:gridCol w="1548994">
-                  <a:extLst>
-                    <a:ext uri="{9D8B030D-6E8A-4147-A177-3AD203B41FA5}">
-                      <a16:colId xmlns:a16="http://schemas.microsoft.com/office/drawing/2014/main" val="512457545"/>
-                    </a:ext>
-                  </a:extLst>
-                </a:gridCol>
-              </a:tblGrid>
-              <a:tr h="675961">
-                <a:tc>
-                  <a:txBody>
-                    <a:bodyPr/>
-                    <a:lstStyle/>
-                    <a:p>
-                      <a:endParaRPr lang="en-CA" dirty="0"/>
-                    </a:p>
-                  </a:txBody>
-                  <a:tcPr/>
-                </a:tc>
-                <a:tc>
-                  <a:txBody>
-                    <a:bodyPr/>
-                    <a:lstStyle/>
-                    <a:p>
-                      <a:r>
-                        <a:rPr lang="en-CA" dirty="0"/>
-                        <a:t>Positive</a:t>
-                      </a:r>
-                    </a:p>
-                  </a:txBody>
-                  <a:tcPr/>
-                </a:tc>
-                <a:tc>
-                  <a:txBody>
-                    <a:bodyPr/>
-                    <a:lstStyle/>
-                    <a:p>
-                      <a:r>
-                        <a:rPr lang="en-CA" dirty="0"/>
-                        <a:t>Negative</a:t>
-                      </a:r>
-                    </a:p>
-                  </a:txBody>
-                  <a:tcPr/>
-                </a:tc>
-                <a:extLst>
-                  <a:ext uri="{0D108BD9-81ED-4DB2-BD59-A6C34878D82A}">
-                    <a16:rowId xmlns:a16="http://schemas.microsoft.com/office/drawing/2014/main" val="3296355738"/>
-                  </a:ext>
-                </a:extLst>
-              </a:tr>
-              <a:tr h="675961">
-                <a:tc>
-                  <a:txBody>
-                    <a:bodyPr/>
-                    <a:lstStyle/>
-                    <a:p>
-                      <a:r>
-                        <a:rPr lang="en-CA" b="1" dirty="0"/>
-                        <a:t>Positive</a:t>
-                      </a:r>
-                    </a:p>
-                  </a:txBody>
-                  <a:tcPr/>
-                </a:tc>
-                <a:tc>
-                  <a:txBody>
-                    <a:bodyPr/>
-                    <a:lstStyle/>
-                    <a:p>
-                      <a:r>
-                        <a:rPr lang="en-CA" dirty="0"/>
-                        <a:t>True positive</a:t>
-                      </a:r>
-                    </a:p>
-                  </a:txBody>
-                  <a:tcPr/>
-                </a:tc>
-                <a:tc>
-                  <a:txBody>
-                    <a:bodyPr/>
-                    <a:lstStyle/>
-                    <a:p>
-                      <a:r>
-                        <a:rPr lang="en-CA" dirty="0"/>
-                        <a:t>False Positive</a:t>
-                      </a:r>
-                    </a:p>
-                  </a:txBody>
-                  <a:tcPr/>
-                </a:tc>
-                <a:extLst>
-                  <a:ext uri="{0D108BD9-81ED-4DB2-BD59-A6C34878D82A}">
-                    <a16:rowId xmlns:a16="http://schemas.microsoft.com/office/drawing/2014/main" val="314388828"/>
-                  </a:ext>
-                </a:extLst>
-              </a:tr>
-              <a:tr h="675961">
-                <a:tc>
-                  <a:txBody>
-                    <a:bodyPr/>
-                    <a:lstStyle/>
-                    <a:p>
-                      <a:r>
-                        <a:rPr lang="en-CA" b="1" dirty="0"/>
-                        <a:t>Negative</a:t>
-                      </a:r>
-                    </a:p>
-                  </a:txBody>
-                  <a:tcPr/>
-                </a:tc>
-                <a:tc>
-                  <a:txBody>
-                    <a:bodyPr/>
-                    <a:lstStyle/>
-                    <a:p>
-                      <a:r>
-                        <a:rPr lang="en-CA" dirty="0"/>
-                        <a:t>False Negative</a:t>
-                      </a:r>
-                    </a:p>
-                  </a:txBody>
-                  <a:tcPr/>
-                </a:tc>
-                <a:tc>
-                  <a:txBody>
-                    <a:bodyPr/>
-                    <a:lstStyle/>
-                    <a:p>
-                      <a:r>
-                        <a:rPr lang="en-CA" dirty="0"/>
-                        <a:t>True Negative</a:t>
-                      </a:r>
-                    </a:p>
-                  </a:txBody>
-                  <a:tcPr/>
-                </a:tc>
-                <a:extLst>
-                  <a:ext uri="{0D108BD9-81ED-4DB2-BD59-A6C34878D82A}">
-                    <a16:rowId xmlns:a16="http://schemas.microsoft.com/office/drawing/2014/main" val="3471287555"/>
-                  </a:ext>
-                </a:extLst>
-              </a:tr>
-            </a:tbl>
-          </a:graphicData>
-        </a:graphic>
-      </p:graphicFrame>
-      <p:sp>
-        <p:nvSpPr>
-          <p:cNvPr id="5" name="Rectangle 4">
-            <a:extLst>
-              <a:ext uri="{FF2B5EF4-FFF2-40B4-BE49-F238E27FC236}">
-                <a16:creationId xmlns:a16="http://schemas.microsoft.com/office/drawing/2014/main" id="{FE84328E-7957-2D4E-AC42-828A0CAAE643}"/>
-              </a:ext>
-            </a:extLst>
-          </p:cNvPr>
-          <p:cNvSpPr/>
+          <p:cNvPicPr>
+            <a:picLocks noChangeAspect="1"/>
+          </p:cNvPicPr>
           <p:nvPr/>
-        </p:nvSpPr>
+        </p:nvPicPr>
+        <p:blipFill>
+          <a:blip r:embed="rId2"/>
+          <a:stretch>
+            <a:fillRect/>
+          </a:stretch>
+        </p:blipFill>
         <p:spPr>
           <a:xfrm>
-            <a:off x="5724128" y="3564494"/>
-            <a:ext cx="793807" cy="369332"/>
+            <a:off x="2051720" y="2420888"/>
+            <a:ext cx="5221855" cy="4176464"/>
           </a:xfrm>
           <a:prstGeom prst="rect">
             <a:avLst/>
           </a:prstGeom>
         </p:spPr>
-        <p:txBody>
-          <a:bodyPr wrap="none">
-            <a:spAutoFit/>
-          </a:bodyPr>
-          <a:lstStyle/>
-          <a:p>
-            <a:r>
-              <a:rPr lang="en-CA" b="1" dirty="0"/>
-              <a:t>Actual</a:t>
-            </a:r>
-            <a:endParaRPr lang="en-CA" dirty="0"/>
-          </a:p>
-        </p:txBody>
-      </p:sp>
+      </p:pic>
       <p:sp>
         <p:nvSpPr>
-          <p:cNvPr id="6" name="Rectangle 5">
+          <p:cNvPr id="9" name="Content Placeholder 8">
             <a:extLst>
               <a:ext uri="{FF2B5EF4-FFF2-40B4-BE49-F238E27FC236}">
-                <a16:creationId xmlns:a16="http://schemas.microsoft.com/office/drawing/2014/main" id="{F7EC4266-C18E-FE47-9413-CD50E9F0DD33}"/>
-              </a:ext>
-            </a:extLst>
-          </p:cNvPr>
-          <p:cNvSpPr/>
-          <p:nvPr/>
-        </p:nvSpPr>
-        <p:spPr>
-          <a:xfrm>
-            <a:off x="2627784" y="4869160"/>
-            <a:ext cx="1094595" cy="369332"/>
-          </a:xfrm>
-          <a:prstGeom prst="rect">
-            <a:avLst/>
-          </a:prstGeom>
-        </p:spPr>
-        <p:txBody>
-          <a:bodyPr wrap="none">
-            <a:spAutoFit/>
-          </a:bodyPr>
-          <a:lstStyle/>
-          <a:p>
-            <a:r>
-              <a:rPr lang="en-CA" b="1" dirty="0"/>
-              <a:t>Predicted</a:t>
-            </a:r>
-            <a:endParaRPr lang="en-CA" dirty="0"/>
-          </a:p>
-        </p:txBody>
-      </p:sp>
-      <p:sp>
-        <p:nvSpPr>
-          <p:cNvPr id="8" name="Title 7">
-            <a:extLst>
-              <a:ext uri="{FF2B5EF4-FFF2-40B4-BE49-F238E27FC236}">
-                <a16:creationId xmlns:a16="http://schemas.microsoft.com/office/drawing/2014/main" id="{DBF9FB5D-EA3B-8245-9F97-46F8555A641F}"/>
+                <a16:creationId xmlns:a16="http://schemas.microsoft.com/office/drawing/2014/main" id="{A2333C6F-AC01-7344-ADFF-2D655139FF94}"/>
               </a:ext>
             </a:extLst>
           </p:cNvPr>
@@ -9506,24 +9214,41 @@
             <a:spLocks noGrp="1"/>
           </p:cNvSpPr>
           <p:nvPr>
-            <p:ph type="title"/>
+            <p:ph idx="1"/>
           </p:nvPr>
         </p:nvSpPr>
-        <p:spPr/>
+        <p:spPr>
+          <a:xfrm>
+            <a:off x="628650" y="1628800"/>
+            <a:ext cx="7886700" cy="4351338"/>
+          </a:xfrm>
+        </p:spPr>
         <p:txBody>
-          <a:bodyPr/>
+          <a:bodyPr>
+            <a:normAutofit/>
+          </a:bodyPr>
           <a:lstStyle/>
           <a:p>
-            <a:endParaRPr lang="en-CA"/>
+            <a:pPr marL="0" indent="0" algn="ctr">
+              <a:buNone/>
+            </a:pPr>
+            <a:r>
+              <a:rPr lang="en-CA" sz="5400" i="1" dirty="0">
+                <a:latin typeface="Lucida Blackletter" pitchFamily="2" charset="77"/>
+                <a:ea typeface="Brush Script MT" panose="03060802040406070304" pitchFamily="66" charset="-122"/>
+                <a:cs typeface="Calibri Light" panose="020F0302020204030204" pitchFamily="34" charset="0"/>
+              </a:rPr>
+              <a:t>15 minutes</a:t>
+            </a:r>
           </a:p>
         </p:txBody>
       </p:sp>
       <p:sp>
         <p:nvSpPr>
-          <p:cNvPr id="9" name="Titre 1">
+          <p:cNvPr id="4" name="Titre 1">
             <a:extLst>
               <a:ext uri="{FF2B5EF4-FFF2-40B4-BE49-F238E27FC236}">
-                <a16:creationId xmlns:a16="http://schemas.microsoft.com/office/drawing/2014/main" id="{1DCC4496-C325-654D-A2AD-B4BBD868FBC9}"/>
+                <a16:creationId xmlns:a16="http://schemas.microsoft.com/office/drawing/2014/main" id="{F3A0421A-068A-BC41-8E63-0BEC8C626DD7}"/>
               </a:ext>
             </a:extLst>
           </p:cNvPr>
@@ -9572,7 +9297,7 @@
               <a:rPr lang="en-CA" sz="4000" b="1" dirty="0">
                 <a:latin typeface="Helvetica" pitchFamily="2" charset="0"/>
               </a:rPr>
-              <a:t>Performance metrics</a:t>
+              <a:t>Break</a:t>
             </a:r>
           </a:p>
         </p:txBody>
@@ -9580,92 +9305,13 @@
     </p:spTree>
     <p:extLst>
       <p:ext uri="{BB962C8B-B14F-4D97-AF65-F5344CB8AC3E}">
-        <p14:creationId xmlns:p14="http://schemas.microsoft.com/office/powerpoint/2010/main" val="2463526732"/>
+        <p14:creationId xmlns:p14="http://schemas.microsoft.com/office/powerpoint/2010/main" val="3454087802"/>
       </p:ext>
     </p:extLst>
   </p:cSld>
   <p:clrMapOvr>
     <a:masterClrMapping/>
   </p:clrMapOvr>
-  <p:timing>
-    <p:tnLst>
-      <p:par>
-        <p:cTn id="1" dur="indefinite" restart="never" nodeType="tmRoot">
-          <p:childTnLst>
-            <p:seq concurrent="1" nextAc="seek">
-              <p:cTn id="2" dur="indefinite" nodeType="mainSeq">
-                <p:childTnLst>
-                  <p:par>
-                    <p:cTn id="3" fill="hold">
-                      <p:stCondLst>
-                        <p:cond delay="indefinite"/>
-                      </p:stCondLst>
-                      <p:childTnLst>
-                        <p:par>
-                          <p:cTn id="4" fill="hold">
-                            <p:stCondLst>
-                              <p:cond delay="0"/>
-                            </p:stCondLst>
-                            <p:childTnLst>
-                              <p:par>
-                                <p:cTn id="5" presetID="1" presetClass="entr" presetSubtype="0" fill="hold" nodeType="clickEffect">
-                                  <p:stCondLst>
-                                    <p:cond delay="0"/>
-                                  </p:stCondLst>
-                                  <p:childTnLst>
-                                    <p:set>
-                                      <p:cBhvr>
-                                        <p:cTn id="6" dur="1" fill="hold">
-                                          <p:stCondLst>
-                                            <p:cond delay="0"/>
-                                          </p:stCondLst>
-                                        </p:cTn>
-                                        <p:tgtEl>
-                                          <p:spTgt spid="3">
-                                            <p:txEl>
-                                              <p:pRg st="3" end="3"/>
-                                            </p:txEl>
-                                          </p:spTgt>
-                                        </p:tgtEl>
-                                        <p:attrNameLst>
-                                          <p:attrName>style.visibility</p:attrName>
-                                        </p:attrNameLst>
-                                      </p:cBhvr>
-                                      <p:to>
-                                        <p:strVal val="visible"/>
-                                      </p:to>
-                                    </p:set>
-                                  </p:childTnLst>
-                                </p:cTn>
-                              </p:par>
-                            </p:childTnLst>
-                          </p:cTn>
-                        </p:par>
-                      </p:childTnLst>
-                    </p:cTn>
-                  </p:par>
-                </p:childTnLst>
-              </p:cTn>
-              <p:prevCondLst>
-                <p:cond evt="onPrev" delay="0">
-                  <p:tgtEl>
-                    <p:sldTgt/>
-                  </p:tgtEl>
-                </p:cond>
-              </p:prevCondLst>
-              <p:nextCondLst>
-                <p:cond evt="onNext" delay="0">
-                  <p:tgtEl>
-                    <p:sldTgt/>
-                  </p:tgtEl>
-                </p:cond>
-              </p:nextCondLst>
-            </p:seq>
-          </p:childTnLst>
-        </p:cTn>
-      </p:par>
-    </p:tnLst>
-  </p:timing>
 </p:sld>
 </file>
 
@@ -9686,678 +9332,95 @@
           <a:chExt cx="0" cy="0"/>
         </a:xfrm>
       </p:grpSpPr>
-      <mc:AlternateContent xmlns:mc="http://schemas.openxmlformats.org/markup-compatibility/2006" xmlns:a14="http://schemas.microsoft.com/office/drawing/2010/main">
-        <mc:Choice Requires="a14">
-          <p:sp>
-            <p:nvSpPr>
-              <p:cNvPr id="3" name="Espace réservé du contenu 2">
-                <a:extLst>
-                  <a:ext uri="{FF2B5EF4-FFF2-40B4-BE49-F238E27FC236}">
-                    <a16:creationId xmlns:a16="http://schemas.microsoft.com/office/drawing/2014/main" id="{87B93719-7A3D-1148-9FCA-AF4A65C4BC41}"/>
-                  </a:ext>
-                </a:extLst>
-              </p:cNvPr>
-              <p:cNvSpPr>
-                <a:spLocks noGrp="1"/>
-              </p:cNvSpPr>
-              <p:nvPr>
-                <p:ph sz="half" idx="1"/>
-              </p:nvPr>
-            </p:nvSpPr>
-            <p:spPr>
-              <a:xfrm>
-                <a:off x="628650" y="1825625"/>
-                <a:ext cx="8263830" cy="4351338"/>
-              </a:xfrm>
-            </p:spPr>
-            <p:txBody>
-              <a:bodyPr>
-                <a:normAutofit fontScale="92500" lnSpcReduction="20000"/>
-              </a:bodyPr>
-              <a:lstStyle/>
-              <a:p>
-                <a:r>
-                  <a:rPr lang="en-CA" sz="2000" dirty="0"/>
-                  <a:t>Cancer detection test with </a:t>
-                </a:r>
-                <a:r>
-                  <a:rPr lang="en-CA" sz="2000" i="1" dirty="0">
-                    <a:solidFill>
-                      <a:srgbClr val="C00000"/>
-                    </a:solidFill>
-                  </a:rPr>
-                  <a:t>99.7% accuracy </a:t>
-                </a:r>
-                <a:r>
-                  <a:rPr lang="en-CA" sz="2000" dirty="0"/>
-                  <a:t>(impressive?)</a:t>
-                </a:r>
-              </a:p>
-              <a:p>
-                <a:r>
-                  <a:rPr lang="en-CA" sz="2000" dirty="0"/>
-                  <a:t>100,000 patients</a:t>
-                </a:r>
-              </a:p>
-              <a:p>
-                <a:pPr lvl="1"/>
-                <a:r>
-                  <a:rPr lang="en-CA" sz="1800" dirty="0"/>
-                  <a:t>1,000 Malignant (Positive)</a:t>
-                </a:r>
-              </a:p>
-              <a:p>
-                <a:pPr lvl="1"/>
-                <a:r>
-                  <a:rPr lang="en-CA" sz="1800" dirty="0"/>
-                  <a:t>99,000 Benign (Negative)</a:t>
-                </a:r>
-              </a:p>
-              <a:p>
-                <a:endParaRPr lang="en-US" sz="1400" i="1" dirty="0">
-                  <a:latin typeface="Cambria Math" panose="02040503050406030204" pitchFamily="18" charset="0"/>
-                </a:endParaRPr>
-              </a:p>
-              <a:p>
-                <a14:m>
-                  <m:oMath xmlns:m="http://schemas.openxmlformats.org/officeDocument/2006/math">
-                    <m:r>
-                      <a:rPr lang="en-US" sz="1400" i="1">
-                        <a:latin typeface="Cambria Math" panose="02040503050406030204" pitchFamily="18" charset="0"/>
-                      </a:rPr>
-                      <m:t>𝐴𝑐𝑐𝑢𝑟𝑎𝑐𝑦</m:t>
-                    </m:r>
-                    <m:r>
-                      <a:rPr lang="en-US" sz="1400" i="1">
-                        <a:latin typeface="Cambria Math" panose="02040503050406030204" pitchFamily="18" charset="0"/>
-                      </a:rPr>
-                      <m:t>=</m:t>
-                    </m:r>
-                    <m:f>
-                      <m:fPr>
-                        <m:ctrlPr>
-                          <a:rPr lang="en-US" sz="1400" i="1">
-                            <a:latin typeface="Cambria Math" panose="02040503050406030204" pitchFamily="18" charset="0"/>
-                          </a:rPr>
-                        </m:ctrlPr>
-                      </m:fPr>
-                      <m:num>
-                        <m:r>
-                          <a:rPr lang="en-US" sz="1400" b="0" i="1" smtClean="0">
-                            <a:latin typeface="Cambria Math" panose="02040503050406030204" pitchFamily="18" charset="0"/>
-                          </a:rPr>
-                          <m:t>850+98,820</m:t>
-                        </m:r>
-                      </m:num>
-                      <m:den>
-                        <m:r>
-                          <a:rPr lang="en-US" sz="1400" b="0" i="1" smtClean="0">
-                            <a:latin typeface="Cambria Math" panose="02040503050406030204" pitchFamily="18" charset="0"/>
-                          </a:rPr>
-                          <m:t>100,000</m:t>
-                        </m:r>
-                      </m:den>
-                    </m:f>
-                    <m:r>
-                      <a:rPr lang="en-US" sz="1400" b="0" i="1" smtClean="0">
-                        <a:latin typeface="Cambria Math" panose="02040503050406030204" pitchFamily="18" charset="0"/>
-                      </a:rPr>
-                      <m:t>=99.7%</m:t>
-                    </m:r>
-                  </m:oMath>
-                </a14:m>
-                <a:endParaRPr lang="en-CA" dirty="0"/>
-              </a:p>
-              <a:p>
-                <a:endParaRPr lang="en-CA" sz="2000" dirty="0"/>
-              </a:p>
-              <a:p>
-                <a:endParaRPr lang="en-CA" sz="2000" dirty="0"/>
-              </a:p>
-              <a:p>
-                <a:r>
-                  <a:rPr lang="en-CA" sz="2200" dirty="0"/>
-                  <a:t>Question 1:</a:t>
-                </a:r>
-              </a:p>
-              <a:p>
-                <a:pPr lvl="1"/>
-                <a:r>
-                  <a:rPr lang="en-CA" sz="1800" dirty="0"/>
-                  <a:t>Of all patients that we predicted to have cancer, how many actually have Cancer?</a:t>
-                </a:r>
-              </a:p>
-              <a:p>
-                <a:pPr lvl="1"/>
-                <a:endParaRPr lang="en-CA" sz="1800" dirty="0"/>
-              </a:p>
-              <a:p>
-                <a:pPr lvl="1"/>
-                <a14:m>
-                  <m:oMath xmlns:m="http://schemas.openxmlformats.org/officeDocument/2006/math">
-                    <m:r>
-                      <a:rPr lang="en-US" sz="1800" b="0" i="1" smtClean="0">
-                        <a:latin typeface="Cambria Math" panose="02040503050406030204" pitchFamily="18" charset="0"/>
-                      </a:rPr>
-                      <m:t>𝑃𝑟𝑒𝑐𝑖𝑠𝑖𝑜𝑛</m:t>
-                    </m:r>
-                    <m:r>
-                      <a:rPr lang="en-US" sz="1800" i="1">
-                        <a:latin typeface="Cambria Math" panose="02040503050406030204" pitchFamily="18" charset="0"/>
-                      </a:rPr>
-                      <m:t>=</m:t>
-                    </m:r>
-                    <m:f>
-                      <m:fPr>
-                        <m:ctrlPr>
-                          <a:rPr lang="en-US" sz="1800" i="1">
-                            <a:latin typeface="Cambria Math" panose="02040503050406030204" pitchFamily="18" charset="0"/>
-                          </a:rPr>
-                        </m:ctrlPr>
-                      </m:fPr>
-                      <m:num>
-                        <m:r>
-                          <a:rPr lang="en-US" sz="1800" b="0" i="1" smtClean="0">
-                            <a:latin typeface="Cambria Math" panose="02040503050406030204" pitchFamily="18" charset="0"/>
-                          </a:rPr>
-                          <m:t>𝑇𝑟𝑢𝑒</m:t>
-                        </m:r>
-                        <m:r>
-                          <a:rPr lang="en-US" sz="1800" b="0" i="1" smtClean="0">
-                            <a:latin typeface="Cambria Math" panose="02040503050406030204" pitchFamily="18" charset="0"/>
-                          </a:rPr>
-                          <m:t> </m:t>
-                        </m:r>
-                        <m:r>
-                          <a:rPr lang="en-US" sz="1800" b="0" i="1" smtClean="0">
-                            <a:latin typeface="Cambria Math" panose="02040503050406030204" pitchFamily="18" charset="0"/>
-                          </a:rPr>
-                          <m:t>𝑝𝑜𝑠𝑖𝑡𝑖𝑣𝑒</m:t>
-                        </m:r>
-                      </m:num>
-                      <m:den>
-                        <m:r>
-                          <a:rPr lang="en-US" sz="1800" b="0" i="1" smtClean="0">
-                            <a:latin typeface="Cambria Math" panose="02040503050406030204" pitchFamily="18" charset="0"/>
-                          </a:rPr>
-                          <m:t>𝑇𝑟𝑢𝑒</m:t>
-                        </m:r>
-                        <m:r>
-                          <a:rPr lang="en-US" sz="1800" b="0" i="1" smtClean="0">
-                            <a:latin typeface="Cambria Math" panose="02040503050406030204" pitchFamily="18" charset="0"/>
-                          </a:rPr>
-                          <m:t> </m:t>
-                        </m:r>
-                        <m:r>
-                          <a:rPr lang="en-US" sz="1800" b="0" i="1" smtClean="0">
-                            <a:latin typeface="Cambria Math" panose="02040503050406030204" pitchFamily="18" charset="0"/>
-                          </a:rPr>
-                          <m:t>𝑝𝑜𝑠𝑖𝑡𝑖𝑣𝑒</m:t>
-                        </m:r>
-                        <m:r>
-                          <a:rPr lang="en-US" sz="1800" b="0" i="1" smtClean="0">
-                            <a:latin typeface="Cambria Math" panose="02040503050406030204" pitchFamily="18" charset="0"/>
-                          </a:rPr>
-                          <m:t>+</m:t>
-                        </m:r>
-                        <m:r>
-                          <a:rPr lang="en-US" sz="1800" b="0" i="1" smtClean="0">
-                            <a:latin typeface="Cambria Math" panose="02040503050406030204" pitchFamily="18" charset="0"/>
-                          </a:rPr>
-                          <m:t>𝐹𝑎𝑙𝑠𝑒</m:t>
-                        </m:r>
-                        <m:r>
-                          <a:rPr lang="en-US" sz="1800" b="0" i="1" smtClean="0">
-                            <a:latin typeface="Cambria Math" panose="02040503050406030204" pitchFamily="18" charset="0"/>
-                          </a:rPr>
-                          <m:t> </m:t>
-                        </m:r>
-                        <m:r>
-                          <a:rPr lang="en-US" sz="1800" b="0" i="1" smtClean="0">
-                            <a:latin typeface="Cambria Math" panose="02040503050406030204" pitchFamily="18" charset="0"/>
-                          </a:rPr>
-                          <m:t>𝑝𝑜𝑠𝑖𝑡𝑖𝑣𝑒</m:t>
-                        </m:r>
-                      </m:den>
-                    </m:f>
-                    <m:r>
-                      <a:rPr lang="en-US" sz="1800" i="1">
-                        <a:latin typeface="Cambria Math" panose="02040503050406030204" pitchFamily="18" charset="0"/>
-                      </a:rPr>
-                      <m:t>=</m:t>
-                    </m:r>
-                    <m:f>
-                      <m:fPr>
-                        <m:ctrlPr>
-                          <a:rPr lang="en-US" sz="1800" b="0" i="1" smtClean="0">
-                            <a:latin typeface="Cambria Math" panose="02040503050406030204" pitchFamily="18" charset="0"/>
-                          </a:rPr>
-                        </m:ctrlPr>
-                      </m:fPr>
-                      <m:num>
-                        <m:r>
-                          <a:rPr lang="en-US" sz="1800" b="0" i="1" smtClean="0">
-                            <a:latin typeface="Cambria Math" panose="02040503050406030204" pitchFamily="18" charset="0"/>
-                          </a:rPr>
-                          <m:t>850</m:t>
-                        </m:r>
-                      </m:num>
-                      <m:den>
-                        <m:r>
-                          <a:rPr lang="en-US" sz="1800" b="0" i="1" smtClean="0">
-                            <a:latin typeface="Cambria Math" panose="02040503050406030204" pitchFamily="18" charset="0"/>
-                          </a:rPr>
-                          <m:t>850+180</m:t>
-                        </m:r>
-                      </m:den>
-                    </m:f>
-                    <m:r>
-                      <a:rPr lang="en-US" sz="1800" b="0" i="1" smtClean="0">
-                        <a:latin typeface="Cambria Math" panose="02040503050406030204" pitchFamily="18" charset="0"/>
-                      </a:rPr>
-                      <m:t>=82.5%</m:t>
-                    </m:r>
-                  </m:oMath>
-                </a14:m>
-                <a:endParaRPr lang="en-CA" sz="1800" dirty="0"/>
-              </a:p>
-              <a:p>
-                <a:pPr lvl="1"/>
-                <a:endParaRPr lang="en-CA" sz="1800" dirty="0"/>
-              </a:p>
-              <a:p>
-                <a:pPr lvl="2"/>
-                <a:r>
-                  <a:rPr lang="en-CA" sz="1400" b="1" dirty="0">
-                    <a:solidFill>
-                      <a:srgbClr val="C00000"/>
-                    </a:solidFill>
-                  </a:rPr>
-                  <a:t>Percentage of results which are relevant</a:t>
-                </a:r>
-              </a:p>
-              <a:p>
-                <a:pPr marL="457200" lvl="1" indent="0">
-                  <a:buNone/>
-                </a:pPr>
-                <a:endParaRPr lang="en-CA" sz="1800" dirty="0"/>
-              </a:p>
-              <a:p>
-                <a:endParaRPr lang="en-CA" dirty="0"/>
-              </a:p>
-              <a:p>
-                <a:pPr lvl="1"/>
-                <a:endParaRPr lang="en-CA" dirty="0"/>
-              </a:p>
-            </p:txBody>
-          </p:sp>
-        </mc:Choice>
-        <mc:Fallback xmlns="">
-          <p:sp>
-            <p:nvSpPr>
-              <p:cNvPr id="3" name="Espace réservé du contenu 2">
-                <a:extLst>
-                  <a:ext uri="{FF2B5EF4-FFF2-40B4-BE49-F238E27FC236}">
-                    <a16:creationId xmlns:a16="http://schemas.microsoft.com/office/drawing/2014/main" id="{87B93719-7A3D-1148-9FCA-AF4A65C4BC41}"/>
-                  </a:ext>
-                </a:extLst>
-              </p:cNvPr>
-              <p:cNvSpPr>
-                <a:spLocks noGrp="1" noRot="1" noChangeAspect="1" noMove="1" noResize="1" noEditPoints="1" noAdjustHandles="1" noChangeArrowheads="1" noChangeShapeType="1" noTextEdit="1"/>
-              </p:cNvSpPr>
-              <p:nvPr>
-                <p:ph sz="half" idx="1"/>
-              </p:nvPr>
-            </p:nvSpPr>
-            <p:spPr>
-              <a:xfrm>
-                <a:off x="628650" y="1825625"/>
-                <a:ext cx="8263830" cy="4351338"/>
-              </a:xfrm>
-              <a:blipFill>
-                <a:blip r:embed="rId2"/>
-                <a:stretch>
-                  <a:fillRect l="-613" t="-2326"/>
-                </a:stretch>
-              </a:blipFill>
-            </p:spPr>
-            <p:txBody>
-              <a:bodyPr/>
-              <a:lstStyle/>
-              <a:p>
-                <a:r>
-                  <a:rPr lang="en-CA">
-                    <a:noFill/>
-                  </a:rPr>
-                  <a:t> </a:t>
-                </a:r>
-              </a:p>
-            </p:txBody>
-          </p:sp>
-        </mc:Fallback>
-      </mc:AlternateContent>
-      <p:graphicFrame>
-        <p:nvGraphicFramePr>
-          <p:cNvPr id="4" name="Table 4">
+      <p:sp>
+        <p:nvSpPr>
+          <p:cNvPr id="3" name="Espace réservé du contenu 2">
             <a:extLst>
               <a:ext uri="{FF2B5EF4-FFF2-40B4-BE49-F238E27FC236}">
-                <a16:creationId xmlns:a16="http://schemas.microsoft.com/office/drawing/2014/main" id="{144E5DA8-7FC4-CE4C-9320-53F0B30CC8E2}"/>
+                <a16:creationId xmlns:a16="http://schemas.microsoft.com/office/drawing/2014/main" id="{87B93719-7A3D-1148-9FCA-AF4A65C4BC41}"/>
               </a:ext>
             </a:extLst>
           </p:cNvPr>
-          <p:cNvGraphicFramePr>
-            <a:graphicFrameLocks noGrp="1"/>
-          </p:cNvGraphicFramePr>
+          <p:cNvSpPr>
+            <a:spLocks noGrp="1"/>
+          </p:cNvSpPr>
           <p:nvPr>
-            <p:extLst>
-              <p:ext uri="{D42A27DB-BD31-4B8C-83A1-F6EECF244321}">
-                <p14:modId xmlns:p14="http://schemas.microsoft.com/office/powerpoint/2010/main" val="4007084255"/>
-              </p:ext>
-            </p:extLst>
+            <p:ph sz="half" idx="1"/>
           </p:nvPr>
-        </p:nvGraphicFramePr>
-        <p:xfrm>
-          <a:off x="5327356" y="2852936"/>
-          <a:ext cx="3397602" cy="1669548"/>
-        </p:xfrm>
-        <a:graphic>
-          <a:graphicData uri="http://schemas.openxmlformats.org/drawingml/2006/table">
-            <a:tbl>
-              <a:tblPr firstRow="1" bandRow="1">
-                <a:tableStyleId>{5C22544A-7EE6-4342-B048-85BDC9FD1C3A}</a:tableStyleId>
-              </a:tblPr>
-              <a:tblGrid>
-                <a:gridCol w="899515">
-                  <a:extLst>
-                    <a:ext uri="{9D8B030D-6E8A-4147-A177-3AD203B41FA5}">
-                      <a16:colId xmlns:a16="http://schemas.microsoft.com/office/drawing/2014/main" val="2019097122"/>
-                    </a:ext>
-                  </a:extLst>
-                </a:gridCol>
-                <a:gridCol w="1393368">
-                  <a:extLst>
-                    <a:ext uri="{9D8B030D-6E8A-4147-A177-3AD203B41FA5}">
-                      <a16:colId xmlns:a16="http://schemas.microsoft.com/office/drawing/2014/main" val="766092870"/>
-                    </a:ext>
-                  </a:extLst>
-                </a:gridCol>
-                <a:gridCol w="1104719">
-                  <a:extLst>
-                    <a:ext uri="{9D8B030D-6E8A-4147-A177-3AD203B41FA5}">
-                      <a16:colId xmlns:a16="http://schemas.microsoft.com/office/drawing/2014/main" val="512457545"/>
-                    </a:ext>
-                  </a:extLst>
-                </a:gridCol>
-              </a:tblGrid>
-              <a:tr h="417387">
-                <a:tc>
-                  <a:txBody>
-                    <a:bodyPr/>
-                    <a:lstStyle/>
-                    <a:p>
-                      <a:endParaRPr lang="en-CA" sz="1400" dirty="0"/>
-                    </a:p>
-                  </a:txBody>
-                  <a:tcPr/>
-                </a:tc>
-                <a:tc>
-                  <a:txBody>
-                    <a:bodyPr/>
-                    <a:lstStyle/>
-                    <a:p>
-                      <a:pPr algn="ctr"/>
-                      <a:r>
-                        <a:rPr lang="en-CA" sz="1400" dirty="0"/>
-                        <a:t>Positive</a:t>
-                      </a:r>
-                    </a:p>
-                  </a:txBody>
-                  <a:tcPr/>
-                </a:tc>
-                <a:tc>
-                  <a:txBody>
-                    <a:bodyPr/>
-                    <a:lstStyle/>
-                    <a:p>
-                      <a:pPr algn="ctr"/>
-                      <a:r>
-                        <a:rPr lang="en-CA" sz="1400" dirty="0"/>
-                        <a:t>Negative</a:t>
-                      </a:r>
-                    </a:p>
-                  </a:txBody>
-                  <a:tcPr/>
-                </a:tc>
-                <a:extLst>
-                  <a:ext uri="{0D108BD9-81ED-4DB2-BD59-A6C34878D82A}">
-                    <a16:rowId xmlns:a16="http://schemas.microsoft.com/office/drawing/2014/main" val="3296355738"/>
-                  </a:ext>
-                </a:extLst>
-              </a:tr>
-              <a:tr h="417387">
-                <a:tc>
-                  <a:txBody>
-                    <a:bodyPr/>
-                    <a:lstStyle/>
-                    <a:p>
-                      <a:r>
-                        <a:rPr lang="en-CA" sz="1400" b="1" dirty="0"/>
-                        <a:t>Positive</a:t>
-                      </a:r>
-                    </a:p>
-                  </a:txBody>
-                  <a:tcPr/>
-                </a:tc>
-                <a:tc>
-                  <a:txBody>
-                    <a:bodyPr/>
-                    <a:lstStyle/>
-                    <a:p>
-                      <a:pPr algn="ctr"/>
-                      <a:r>
-                        <a:rPr lang="en-CA" sz="1400" dirty="0"/>
-                        <a:t>850</a:t>
-                      </a:r>
-                    </a:p>
-                  </a:txBody>
-                  <a:tcPr/>
-                </a:tc>
-                <a:tc>
-                  <a:txBody>
-                    <a:bodyPr/>
-                    <a:lstStyle/>
-                    <a:p>
-                      <a:pPr algn="ctr"/>
-                      <a:r>
-                        <a:rPr lang="en-CA" sz="1400" dirty="0"/>
-                        <a:t>180</a:t>
-                      </a:r>
-                    </a:p>
-                  </a:txBody>
-                  <a:tcPr/>
-                </a:tc>
-                <a:extLst>
-                  <a:ext uri="{0D108BD9-81ED-4DB2-BD59-A6C34878D82A}">
-                    <a16:rowId xmlns:a16="http://schemas.microsoft.com/office/drawing/2014/main" val="314388828"/>
-                  </a:ext>
-                </a:extLst>
-              </a:tr>
-              <a:tr h="417387">
-                <a:tc>
-                  <a:txBody>
-                    <a:bodyPr/>
-                    <a:lstStyle/>
-                    <a:p>
-                      <a:r>
-                        <a:rPr lang="en-CA" sz="1400" b="1" dirty="0"/>
-                        <a:t>Negative</a:t>
-                      </a:r>
-                    </a:p>
-                  </a:txBody>
-                  <a:tcPr/>
-                </a:tc>
-                <a:tc>
-                  <a:txBody>
-                    <a:bodyPr/>
-                    <a:lstStyle/>
-                    <a:p>
-                      <a:pPr algn="ctr"/>
-                      <a:r>
-                        <a:rPr lang="en-CA" sz="1400" dirty="0"/>
-                        <a:t>150</a:t>
-                      </a:r>
-                    </a:p>
-                  </a:txBody>
-                  <a:tcPr/>
-                </a:tc>
-                <a:tc>
-                  <a:txBody>
-                    <a:bodyPr/>
-                    <a:lstStyle/>
-                    <a:p>
-                      <a:pPr algn="ctr"/>
-                      <a:r>
-                        <a:rPr lang="en-CA" sz="1400" dirty="0"/>
-                        <a:t>98, 820</a:t>
-                      </a:r>
-                    </a:p>
-                  </a:txBody>
-                  <a:tcPr/>
-                </a:tc>
-                <a:extLst>
-                  <a:ext uri="{0D108BD9-81ED-4DB2-BD59-A6C34878D82A}">
-                    <a16:rowId xmlns:a16="http://schemas.microsoft.com/office/drawing/2014/main" val="3471287555"/>
-                  </a:ext>
-                </a:extLst>
-              </a:tr>
-              <a:tr h="417387">
-                <a:tc>
-                  <a:txBody>
-                    <a:bodyPr/>
-                    <a:lstStyle/>
-                    <a:p>
-                      <a:r>
-                        <a:rPr lang="en-CA" sz="1400" b="1" dirty="0"/>
-                        <a:t>Total</a:t>
-                      </a:r>
-                    </a:p>
-                  </a:txBody>
-                  <a:tcPr/>
-                </a:tc>
-                <a:tc>
-                  <a:txBody>
-                    <a:bodyPr/>
-                    <a:lstStyle/>
-                    <a:p>
-                      <a:pPr algn="ctr"/>
-                      <a:r>
-                        <a:rPr lang="en-CA" sz="1400" dirty="0"/>
-                        <a:t>1,000</a:t>
-                      </a:r>
-                    </a:p>
-                  </a:txBody>
-                  <a:tcPr/>
-                </a:tc>
-                <a:tc>
-                  <a:txBody>
-                    <a:bodyPr/>
-                    <a:lstStyle/>
-                    <a:p>
-                      <a:pPr algn="ctr"/>
-                      <a:r>
-                        <a:rPr lang="en-CA" sz="1400" dirty="0"/>
-                        <a:t>99,000</a:t>
-                      </a:r>
-                    </a:p>
-                  </a:txBody>
-                  <a:tcPr/>
-                </a:tc>
-                <a:extLst>
-                  <a:ext uri="{0D108BD9-81ED-4DB2-BD59-A6C34878D82A}">
-                    <a16:rowId xmlns:a16="http://schemas.microsoft.com/office/drawing/2014/main" val="1889179626"/>
-                  </a:ext>
-                </a:extLst>
-              </a:tr>
-            </a:tbl>
-          </a:graphicData>
-        </a:graphic>
-      </p:graphicFrame>
-      <p:sp>
-        <p:nvSpPr>
-          <p:cNvPr id="5" name="Rectangle 4">
-            <a:extLst>
-              <a:ext uri="{FF2B5EF4-FFF2-40B4-BE49-F238E27FC236}">
-                <a16:creationId xmlns:a16="http://schemas.microsoft.com/office/drawing/2014/main" id="{498E3B44-56F0-0249-B884-3C0BCE7BD86A}"/>
-              </a:ext>
-            </a:extLst>
-          </p:cNvPr>
-          <p:cNvSpPr/>
-          <p:nvPr/>
         </p:nvSpPr>
         <p:spPr>
           <a:xfrm>
-            <a:off x="6695778" y="2477691"/>
-            <a:ext cx="660758" cy="307777"/>
+            <a:off x="628650" y="1825625"/>
+            <a:ext cx="7886700" cy="4351338"/>
           </a:xfrm>
-          <a:prstGeom prst="rect">
-            <a:avLst/>
-          </a:prstGeom>
         </p:spPr>
         <p:txBody>
-          <a:bodyPr wrap="none">
-            <a:spAutoFit/>
+          <a:bodyPr>
+            <a:normAutofit/>
           </a:bodyPr>
           <a:lstStyle/>
           <a:p>
             <a:r>
-              <a:rPr lang="en-CA" sz="1400" b="1" dirty="0"/>
-              <a:t>Actual</a:t>
+              <a:rPr lang="en-CA" dirty="0">
+                <a:hlinkClick r:id="rId2"/>
+              </a:rPr>
+              <a:t>https://github.com/john-science/python-bootcamp</a:t>
             </a:r>
+            <a:endParaRPr lang="en-CA" dirty="0"/>
+          </a:p>
+          <a:p>
+            <a:r>
+              <a:rPr lang="en-CA" dirty="0">
+                <a:hlinkClick r:id="rId3"/>
+              </a:rPr>
+              <a:t>https://software.intel.com/content/www/us/en/develop/training/course-time-series-analysis.html</a:t>
+            </a:r>
+            <a:endParaRPr lang="en-CA" dirty="0"/>
+          </a:p>
+          <a:p>
+            <a:r>
+              <a:rPr lang="en-CA" dirty="0">
+                <a:hlinkClick r:id="rId4"/>
+              </a:rPr>
+              <a:t>https://jakevdp.github.io/PythonDataScienceHandbook/</a:t>
+            </a:r>
+            <a:endParaRPr lang="en-CA" dirty="0"/>
+          </a:p>
+          <a:p>
+            <a:r>
+              <a:rPr lang="en-CA" dirty="0"/>
+              <a:t>References in the notebooks</a:t>
+            </a:r>
+          </a:p>
+          <a:p>
+            <a:endParaRPr lang="en-CA" dirty="0"/>
+          </a:p>
+          <a:p>
+            <a:endParaRPr lang="en-CA" dirty="0"/>
+          </a:p>
+          <a:p>
+            <a:endParaRPr lang="en-CA" dirty="0"/>
+          </a:p>
+          <a:p>
+            <a:endParaRPr lang="en-CA" dirty="0"/>
+          </a:p>
+          <a:p>
+            <a:endParaRPr lang="en-CA" dirty="0"/>
+          </a:p>
+          <a:p>
+            <a:endParaRPr lang="en-CA" dirty="0"/>
+          </a:p>
+          <a:p>
             <a:endParaRPr lang="en-CA" dirty="0"/>
           </a:p>
         </p:txBody>
       </p:sp>
       <p:sp>
         <p:nvSpPr>
-          <p:cNvPr id="6" name="Rectangle 5">
+          <p:cNvPr id="5" name="Title 4">
             <a:extLst>
               <a:ext uri="{FF2B5EF4-FFF2-40B4-BE49-F238E27FC236}">
-                <a16:creationId xmlns:a16="http://schemas.microsoft.com/office/drawing/2014/main" id="{ED417C6E-9F80-4941-AEDA-08136BFE8D49}"/>
-              </a:ext>
-            </a:extLst>
-          </p:cNvPr>
-          <p:cNvSpPr/>
-          <p:nvPr/>
-        </p:nvSpPr>
-        <p:spPr>
-          <a:xfrm>
-            <a:off x="4242675" y="3438089"/>
-            <a:ext cx="895438" cy="307777"/>
-          </a:xfrm>
-          <a:prstGeom prst="rect">
-            <a:avLst/>
-          </a:prstGeom>
-        </p:spPr>
-        <p:txBody>
-          <a:bodyPr wrap="none">
-            <a:spAutoFit/>
-          </a:bodyPr>
-          <a:lstStyle/>
-          <a:p>
-            <a:r>
-              <a:rPr lang="en-CA" sz="1400" b="1" dirty="0"/>
-              <a:t>Predicted</a:t>
-            </a:r>
-            <a:endParaRPr lang="en-CA" dirty="0"/>
-          </a:p>
-        </p:txBody>
-      </p:sp>
-      <p:sp>
-        <p:nvSpPr>
-          <p:cNvPr id="8" name="Title 7">
-            <a:extLst>
-              <a:ext uri="{FF2B5EF4-FFF2-40B4-BE49-F238E27FC236}">
-                <a16:creationId xmlns:a16="http://schemas.microsoft.com/office/drawing/2014/main" id="{97473BA1-5B32-A848-9604-0A8C13EE713D}"/>
+                <a16:creationId xmlns:a16="http://schemas.microsoft.com/office/drawing/2014/main" id="{5CA33886-2801-4C4C-8164-61622D2FE841}"/>
               </a:ext>
             </a:extLst>
           </p:cNvPr>
@@ -10379,10 +9442,10 @@
       </p:sp>
       <p:sp>
         <p:nvSpPr>
-          <p:cNvPr id="9" name="Titre 1">
+          <p:cNvPr id="6" name="Titre 1">
             <a:extLst>
               <a:ext uri="{FF2B5EF4-FFF2-40B4-BE49-F238E27FC236}">
-                <a16:creationId xmlns:a16="http://schemas.microsoft.com/office/drawing/2014/main" id="{FF2AEF20-CC6E-4C4E-AD33-E7EB845BB7D0}"/>
+                <a16:creationId xmlns:a16="http://schemas.microsoft.com/office/drawing/2014/main" id="{BE59B47E-C508-DA45-8BE7-663E7CB0A1E1}"/>
               </a:ext>
             </a:extLst>
           </p:cNvPr>
@@ -10431,7 +9494,7 @@
               <a:rPr lang="en-CA" sz="4000" b="1" dirty="0">
                 <a:latin typeface="Helvetica" pitchFamily="2" charset="0"/>
               </a:rPr>
-              <a:t>Performance metrics</a:t>
+              <a:t>References</a:t>
             </a:r>
           </a:p>
         </p:txBody>
@@ -10439,466 +9502,13 @@
     </p:spTree>
     <p:extLst>
       <p:ext uri="{BB962C8B-B14F-4D97-AF65-F5344CB8AC3E}">
-        <p14:creationId xmlns:p14="http://schemas.microsoft.com/office/powerpoint/2010/main" val="2734345177"/>
+        <p14:creationId xmlns:p14="http://schemas.microsoft.com/office/powerpoint/2010/main" val="4022405138"/>
       </p:ext>
     </p:extLst>
   </p:cSld>
   <p:clrMapOvr>
     <a:masterClrMapping/>
   </p:clrMapOvr>
-  <p:timing>
-    <p:tnLst>
-      <p:par>
-        <p:cTn id="1" dur="indefinite" restart="never" nodeType="tmRoot">
-          <p:childTnLst>
-            <p:seq concurrent="1" nextAc="seek">
-              <p:cTn id="2" dur="indefinite" nodeType="mainSeq">
-                <p:childTnLst>
-                  <p:par>
-                    <p:cTn id="3" fill="hold">
-                      <p:stCondLst>
-                        <p:cond delay="indefinite"/>
-                      </p:stCondLst>
-                      <p:childTnLst>
-                        <p:par>
-                          <p:cTn id="4" fill="hold">
-                            <p:stCondLst>
-                              <p:cond delay="0"/>
-                            </p:stCondLst>
-                            <p:childTnLst>
-                              <p:par>
-                                <p:cTn id="5" presetID="1" presetClass="entr" presetSubtype="0" fill="hold" nodeType="clickEffect">
-                                  <p:stCondLst>
-                                    <p:cond delay="0"/>
-                                  </p:stCondLst>
-                                  <p:childTnLst>
-                                    <p:set>
-                                      <p:cBhvr>
-                                        <p:cTn id="6" dur="1" fill="hold">
-                                          <p:stCondLst>
-                                            <p:cond delay="0"/>
-                                          </p:stCondLst>
-                                        </p:cTn>
-                                        <p:tgtEl>
-                                          <p:spTgt spid="3">
-                                            <p:txEl>
-                                              <p:pRg st="1" end="1"/>
-                                            </p:txEl>
-                                          </p:spTgt>
-                                        </p:tgtEl>
-                                        <p:attrNameLst>
-                                          <p:attrName>style.visibility</p:attrName>
-                                        </p:attrNameLst>
-                                      </p:cBhvr>
-                                      <p:to>
-                                        <p:strVal val="visible"/>
-                                      </p:to>
-                                    </p:set>
-                                  </p:childTnLst>
-                                </p:cTn>
-                              </p:par>
-                              <p:par>
-                                <p:cTn id="7" presetID="1" presetClass="entr" presetSubtype="0" fill="hold" nodeType="withEffect">
-                                  <p:stCondLst>
-                                    <p:cond delay="0"/>
-                                  </p:stCondLst>
-                                  <p:childTnLst>
-                                    <p:set>
-                                      <p:cBhvr>
-                                        <p:cTn id="8" dur="1" fill="hold">
-                                          <p:stCondLst>
-                                            <p:cond delay="0"/>
-                                          </p:stCondLst>
-                                        </p:cTn>
-                                        <p:tgtEl>
-                                          <p:spTgt spid="3">
-                                            <p:txEl>
-                                              <p:pRg st="2" end="2"/>
-                                            </p:txEl>
-                                          </p:spTgt>
-                                        </p:tgtEl>
-                                        <p:attrNameLst>
-                                          <p:attrName>style.visibility</p:attrName>
-                                        </p:attrNameLst>
-                                      </p:cBhvr>
-                                      <p:to>
-                                        <p:strVal val="visible"/>
-                                      </p:to>
-                                    </p:set>
-                                  </p:childTnLst>
-                                </p:cTn>
-                              </p:par>
-                              <p:par>
-                                <p:cTn id="9" presetID="1" presetClass="entr" presetSubtype="0" fill="hold" nodeType="withEffect">
-                                  <p:stCondLst>
-                                    <p:cond delay="0"/>
-                                  </p:stCondLst>
-                                  <p:childTnLst>
-                                    <p:set>
-                                      <p:cBhvr>
-                                        <p:cTn id="10" dur="1" fill="hold">
-                                          <p:stCondLst>
-                                            <p:cond delay="0"/>
-                                          </p:stCondLst>
-                                        </p:cTn>
-                                        <p:tgtEl>
-                                          <p:spTgt spid="3">
-                                            <p:txEl>
-                                              <p:pRg st="3" end="3"/>
-                                            </p:txEl>
-                                          </p:spTgt>
-                                        </p:tgtEl>
-                                        <p:attrNameLst>
-                                          <p:attrName>style.visibility</p:attrName>
-                                        </p:attrNameLst>
-                                      </p:cBhvr>
-                                      <p:to>
-                                        <p:strVal val="visible"/>
-                                      </p:to>
-                                    </p:set>
-                                  </p:childTnLst>
-                                </p:cTn>
-                              </p:par>
-                            </p:childTnLst>
-                          </p:cTn>
-                        </p:par>
-                      </p:childTnLst>
-                    </p:cTn>
-                  </p:par>
-                  <p:par>
-                    <p:cTn id="11" fill="hold">
-                      <p:stCondLst>
-                        <p:cond delay="indefinite"/>
-                      </p:stCondLst>
-                      <p:childTnLst>
-                        <p:par>
-                          <p:cTn id="12" fill="hold">
-                            <p:stCondLst>
-                              <p:cond delay="0"/>
-                            </p:stCondLst>
-                            <p:childTnLst>
-                              <p:par>
-                                <p:cTn id="13" presetID="1" presetClass="entr" presetSubtype="0" fill="hold" grpId="0" nodeType="clickEffect">
-                                  <p:stCondLst>
-                                    <p:cond delay="0"/>
-                                  </p:stCondLst>
-                                  <p:childTnLst>
-                                    <p:set>
-                                      <p:cBhvr>
-                                        <p:cTn id="14" dur="1" fill="hold">
-                                          <p:stCondLst>
-                                            <p:cond delay="0"/>
-                                          </p:stCondLst>
-                                        </p:cTn>
-                                        <p:tgtEl>
-                                          <p:spTgt spid="5"/>
-                                        </p:tgtEl>
-                                        <p:attrNameLst>
-                                          <p:attrName>style.visibility</p:attrName>
-                                        </p:attrNameLst>
-                                      </p:cBhvr>
-                                      <p:to>
-                                        <p:strVal val="visible"/>
-                                      </p:to>
-                                    </p:set>
-                                  </p:childTnLst>
-                                </p:cTn>
-                              </p:par>
-                              <p:par>
-                                <p:cTn id="15" presetID="1" presetClass="entr" presetSubtype="0" fill="hold" grpId="0" nodeType="withEffect">
-                                  <p:stCondLst>
-                                    <p:cond delay="0"/>
-                                  </p:stCondLst>
-                                  <p:childTnLst>
-                                    <p:set>
-                                      <p:cBhvr>
-                                        <p:cTn id="16" dur="1" fill="hold">
-                                          <p:stCondLst>
-                                            <p:cond delay="0"/>
-                                          </p:stCondLst>
-                                        </p:cTn>
-                                        <p:tgtEl>
-                                          <p:spTgt spid="6"/>
-                                        </p:tgtEl>
-                                        <p:attrNameLst>
-                                          <p:attrName>style.visibility</p:attrName>
-                                        </p:attrNameLst>
-                                      </p:cBhvr>
-                                      <p:to>
-                                        <p:strVal val="visible"/>
-                                      </p:to>
-                                    </p:set>
-                                  </p:childTnLst>
-                                </p:cTn>
-                              </p:par>
-                              <p:par>
-                                <p:cTn id="17" presetID="1" presetClass="entr" presetSubtype="0" fill="hold" nodeType="withEffect">
-                                  <p:stCondLst>
-                                    <p:cond delay="0"/>
-                                  </p:stCondLst>
-                                  <p:childTnLst>
-                                    <p:set>
-                                      <p:cBhvr>
-                                        <p:cTn id="18" dur="1" fill="hold">
-                                          <p:stCondLst>
-                                            <p:cond delay="0"/>
-                                          </p:stCondLst>
-                                        </p:cTn>
-                                        <p:tgtEl>
-                                          <p:spTgt spid="4"/>
-                                        </p:tgtEl>
-                                        <p:attrNameLst>
-                                          <p:attrName>style.visibility</p:attrName>
-                                        </p:attrNameLst>
-                                      </p:cBhvr>
-                                      <p:to>
-                                        <p:strVal val="visible"/>
-                                      </p:to>
-                                    </p:set>
-                                  </p:childTnLst>
-                                </p:cTn>
-                              </p:par>
-                            </p:childTnLst>
-                          </p:cTn>
-                        </p:par>
-                      </p:childTnLst>
-                    </p:cTn>
-                  </p:par>
-                  <p:par>
-                    <p:cTn id="19" fill="hold">
-                      <p:stCondLst>
-                        <p:cond delay="indefinite"/>
-                      </p:stCondLst>
-                      <p:childTnLst>
-                        <p:par>
-                          <p:cTn id="20" fill="hold">
-                            <p:stCondLst>
-                              <p:cond delay="0"/>
-                            </p:stCondLst>
-                            <p:childTnLst>
-                              <p:par>
-                                <p:cTn id="21" presetID="1" presetClass="entr" presetSubtype="0" fill="hold" nodeType="clickEffect">
-                                  <p:stCondLst>
-                                    <p:cond delay="0"/>
-                                  </p:stCondLst>
-                                  <p:childTnLst>
-                                    <p:set>
-                                      <p:cBhvr>
-                                        <p:cTn id="22" dur="1" fill="hold">
-                                          <p:stCondLst>
-                                            <p:cond delay="0"/>
-                                          </p:stCondLst>
-                                        </p:cTn>
-                                        <p:tgtEl>
-                                          <p:spTgt spid="3">
-                                            <p:txEl>
-                                              <p:pRg st="5" end="5"/>
-                                            </p:txEl>
-                                          </p:spTgt>
-                                        </p:tgtEl>
-                                        <p:attrNameLst>
-                                          <p:attrName>style.visibility</p:attrName>
-                                        </p:attrNameLst>
-                                      </p:cBhvr>
-                                      <p:to>
-                                        <p:strVal val="visible"/>
-                                      </p:to>
-                                    </p:set>
-                                  </p:childTnLst>
-                                </p:cTn>
-                              </p:par>
-                            </p:childTnLst>
-                          </p:cTn>
-                        </p:par>
-                      </p:childTnLst>
-                    </p:cTn>
-                  </p:par>
-                  <p:par>
-                    <p:cTn id="23" fill="hold">
-                      <p:stCondLst>
-                        <p:cond delay="indefinite"/>
-                      </p:stCondLst>
-                      <p:childTnLst>
-                        <p:par>
-                          <p:cTn id="24" fill="hold">
-                            <p:stCondLst>
-                              <p:cond delay="0"/>
-                            </p:stCondLst>
-                            <p:childTnLst>
-                              <p:par>
-                                <p:cTn id="25" presetID="1" presetClass="entr" presetSubtype="0" fill="hold" nodeType="clickEffect">
-                                  <p:stCondLst>
-                                    <p:cond delay="0"/>
-                                  </p:stCondLst>
-                                  <p:childTnLst>
-                                    <p:set>
-                                      <p:cBhvr>
-                                        <p:cTn id="26" dur="1" fill="hold">
-                                          <p:stCondLst>
-                                            <p:cond delay="0"/>
-                                          </p:stCondLst>
-                                        </p:cTn>
-                                        <p:tgtEl>
-                                          <p:spTgt spid="3">
-                                            <p:txEl>
-                                              <p:pRg st="8" end="8"/>
-                                            </p:txEl>
-                                          </p:spTgt>
-                                        </p:tgtEl>
-                                        <p:attrNameLst>
-                                          <p:attrName>style.visibility</p:attrName>
-                                        </p:attrNameLst>
-                                      </p:cBhvr>
-                                      <p:to>
-                                        <p:strVal val="visible"/>
-                                      </p:to>
-                                    </p:set>
-                                  </p:childTnLst>
-                                </p:cTn>
-                              </p:par>
-                              <p:par>
-                                <p:cTn id="27" presetID="1" presetClass="entr" presetSubtype="0" fill="hold" nodeType="withEffect">
-                                  <p:stCondLst>
-                                    <p:cond delay="0"/>
-                                  </p:stCondLst>
-                                  <p:childTnLst>
-                                    <p:set>
-                                      <p:cBhvr>
-                                        <p:cTn id="28" dur="1" fill="hold">
-                                          <p:stCondLst>
-                                            <p:cond delay="0"/>
-                                          </p:stCondLst>
-                                        </p:cTn>
-                                        <p:tgtEl>
-                                          <p:spTgt spid="3">
-                                            <p:txEl>
-                                              <p:pRg st="9" end="9"/>
-                                            </p:txEl>
-                                          </p:spTgt>
-                                        </p:tgtEl>
-                                        <p:attrNameLst>
-                                          <p:attrName>style.visibility</p:attrName>
-                                        </p:attrNameLst>
-                                      </p:cBhvr>
-                                      <p:to>
-                                        <p:strVal val="visible"/>
-                                      </p:to>
-                                    </p:set>
-                                  </p:childTnLst>
-                                </p:cTn>
-                              </p:par>
-                            </p:childTnLst>
-                          </p:cTn>
-                        </p:par>
-                      </p:childTnLst>
-                    </p:cTn>
-                  </p:par>
-                  <p:par>
-                    <p:cTn id="29" fill="hold">
-                      <p:stCondLst>
-                        <p:cond delay="indefinite"/>
-                      </p:stCondLst>
-                      <p:childTnLst>
-                        <p:par>
-                          <p:cTn id="30" fill="hold">
-                            <p:stCondLst>
-                              <p:cond delay="0"/>
-                            </p:stCondLst>
-                            <p:childTnLst>
-                              <p:par>
-                                <p:cTn id="31" presetID="1" presetClass="entr" presetSubtype="0" fill="hold" nodeType="clickEffect">
-                                  <p:stCondLst>
-                                    <p:cond delay="0"/>
-                                  </p:stCondLst>
-                                  <p:childTnLst>
-                                    <p:set>
-                                      <p:cBhvr>
-                                        <p:cTn id="32" dur="1" fill="hold">
-                                          <p:stCondLst>
-                                            <p:cond delay="0"/>
-                                          </p:stCondLst>
-                                        </p:cTn>
-                                        <p:tgtEl>
-                                          <p:spTgt spid="3">
-                                            <p:txEl>
-                                              <p:pRg st="11" end="11"/>
-                                            </p:txEl>
-                                          </p:spTgt>
-                                        </p:tgtEl>
-                                        <p:attrNameLst>
-                                          <p:attrName>style.visibility</p:attrName>
-                                        </p:attrNameLst>
-                                      </p:cBhvr>
-                                      <p:to>
-                                        <p:strVal val="visible"/>
-                                      </p:to>
-                                    </p:set>
-                                  </p:childTnLst>
-                                </p:cTn>
-                              </p:par>
-                              <p:par>
-                                <p:cTn id="33" presetID="1" presetClass="entr" presetSubtype="0" fill="hold" nodeType="withEffect">
-                                  <p:stCondLst>
-                                    <p:cond delay="0"/>
-                                  </p:stCondLst>
-                                  <p:childTnLst>
-                                    <p:set>
-                                      <p:cBhvr>
-                                        <p:cTn id="34" dur="1" fill="hold">
-                                          <p:stCondLst>
-                                            <p:cond delay="0"/>
-                                          </p:stCondLst>
-                                        </p:cTn>
-                                        <p:tgtEl>
-                                          <p:spTgt spid="3">
-                                            <p:txEl>
-                                              <p:pRg st="13" end="13"/>
-                                            </p:txEl>
-                                          </p:spTgt>
-                                        </p:tgtEl>
-                                        <p:attrNameLst>
-                                          <p:attrName>style.visibility</p:attrName>
-                                        </p:attrNameLst>
-                                      </p:cBhvr>
-                                      <p:to>
-                                        <p:strVal val="visible"/>
-                                      </p:to>
-                                    </p:set>
-                                  </p:childTnLst>
-                                </p:cTn>
-                              </p:par>
-                            </p:childTnLst>
-                          </p:cTn>
-                        </p:par>
-                      </p:childTnLst>
-                    </p:cTn>
-                  </p:par>
-                </p:childTnLst>
-              </p:cTn>
-              <p:prevCondLst>
-                <p:cond evt="onPrev" delay="0">
-                  <p:tgtEl>
-                    <p:sldTgt/>
-                  </p:tgtEl>
-                </p:cond>
-              </p:prevCondLst>
-              <p:nextCondLst>
-                <p:cond evt="onNext" delay="0">
-                  <p:tgtEl>
-                    <p:sldTgt/>
-                  </p:tgtEl>
-                </p:cond>
-              </p:nextCondLst>
-            </p:seq>
-          </p:childTnLst>
-        </p:cTn>
-      </p:par>
-    </p:tnLst>
-    <p:bldLst>
-      <p:bldP spid="5" grpId="0"/>
-      <p:bldP spid="6" grpId="0"/>
-    </p:bldLst>
-  </p:timing>
 </p:sld>
 </file>
 
@@ -10919,677 +9529,47 @@
           <a:chExt cx="0" cy="0"/>
         </a:xfrm>
       </p:grpSpPr>
-      <mc:AlternateContent xmlns:mc="http://schemas.openxmlformats.org/markup-compatibility/2006" xmlns:a14="http://schemas.microsoft.com/office/drawing/2010/main">
-        <mc:Choice Requires="a14">
-          <p:sp>
-            <p:nvSpPr>
-              <p:cNvPr id="3" name="Espace réservé du contenu 2">
-                <a:extLst>
-                  <a:ext uri="{FF2B5EF4-FFF2-40B4-BE49-F238E27FC236}">
-                    <a16:creationId xmlns:a16="http://schemas.microsoft.com/office/drawing/2014/main" id="{87B93719-7A3D-1148-9FCA-AF4A65C4BC41}"/>
-                  </a:ext>
-                </a:extLst>
-              </p:cNvPr>
-              <p:cNvSpPr>
-                <a:spLocks noGrp="1"/>
-              </p:cNvSpPr>
-              <p:nvPr>
-                <p:ph sz="half" idx="1"/>
-              </p:nvPr>
-            </p:nvSpPr>
-            <p:spPr>
-              <a:xfrm>
-                <a:off x="628650" y="1825625"/>
-                <a:ext cx="7886700" cy="4351338"/>
-              </a:xfrm>
-            </p:spPr>
-            <p:txBody>
-              <a:bodyPr>
-                <a:normAutofit lnSpcReduction="10000"/>
-              </a:bodyPr>
-              <a:lstStyle/>
-              <a:p>
-                <a:r>
-                  <a:rPr lang="en-CA" sz="2000" dirty="0"/>
-                  <a:t>Cancer detection test with </a:t>
-                </a:r>
-                <a:r>
-                  <a:rPr lang="en-CA" sz="2000" i="1" dirty="0">
-                    <a:solidFill>
-                      <a:srgbClr val="C00000"/>
-                    </a:solidFill>
-                  </a:rPr>
-                  <a:t>99.7% accuracy </a:t>
-                </a:r>
-                <a:r>
-                  <a:rPr lang="en-CA" sz="2000" dirty="0"/>
-                  <a:t>(impressive?)</a:t>
-                </a:r>
-              </a:p>
-              <a:p>
-                <a:r>
-                  <a:rPr lang="en-CA" sz="2000" dirty="0"/>
-                  <a:t>100,000 patients</a:t>
-                </a:r>
-              </a:p>
-              <a:p>
-                <a:pPr lvl="1"/>
-                <a:r>
-                  <a:rPr lang="en-CA" sz="1800" dirty="0"/>
-                  <a:t>1,000 Malignant (Positive)</a:t>
-                </a:r>
-              </a:p>
-              <a:p>
-                <a:pPr lvl="1"/>
-                <a:r>
-                  <a:rPr lang="en-CA" sz="1800" dirty="0"/>
-                  <a:t>99,000 Benign (Negative)</a:t>
-                </a:r>
-              </a:p>
-              <a:p>
-                <a:endParaRPr lang="en-US" sz="1400" i="1" dirty="0">
-                  <a:latin typeface="Cambria Math" panose="02040503050406030204" pitchFamily="18" charset="0"/>
-                </a:endParaRPr>
-              </a:p>
-              <a:p>
-                <a14:m>
-                  <m:oMath xmlns:m="http://schemas.openxmlformats.org/officeDocument/2006/math">
-                    <m:r>
-                      <a:rPr lang="en-US" sz="1400" i="1">
-                        <a:latin typeface="Cambria Math" panose="02040503050406030204" pitchFamily="18" charset="0"/>
-                      </a:rPr>
-                      <m:t>𝐴𝑐𝑐𝑢𝑟𝑎𝑐𝑦</m:t>
-                    </m:r>
-                    <m:r>
-                      <a:rPr lang="en-US" sz="1400" i="1">
-                        <a:latin typeface="Cambria Math" panose="02040503050406030204" pitchFamily="18" charset="0"/>
-                      </a:rPr>
-                      <m:t>=</m:t>
-                    </m:r>
-                    <m:f>
-                      <m:fPr>
-                        <m:ctrlPr>
-                          <a:rPr lang="en-US" sz="1400" i="1">
-                            <a:latin typeface="Cambria Math" panose="02040503050406030204" pitchFamily="18" charset="0"/>
-                          </a:rPr>
-                        </m:ctrlPr>
-                      </m:fPr>
-                      <m:num>
-                        <m:r>
-                          <a:rPr lang="en-US" sz="1400" b="0" i="1" smtClean="0">
-                            <a:latin typeface="Cambria Math" panose="02040503050406030204" pitchFamily="18" charset="0"/>
-                          </a:rPr>
-                          <m:t>850+98,820</m:t>
-                        </m:r>
-                      </m:num>
-                      <m:den>
-                        <m:r>
-                          <a:rPr lang="en-US" sz="1400" b="0" i="1" smtClean="0">
-                            <a:latin typeface="Cambria Math" panose="02040503050406030204" pitchFamily="18" charset="0"/>
-                          </a:rPr>
-                          <m:t>100,000</m:t>
-                        </m:r>
-                      </m:den>
-                    </m:f>
-                    <m:r>
-                      <a:rPr lang="en-US" sz="1400" b="0" i="1" smtClean="0">
-                        <a:latin typeface="Cambria Math" panose="02040503050406030204" pitchFamily="18" charset="0"/>
-                      </a:rPr>
-                      <m:t>=99.7%</m:t>
-                    </m:r>
-                  </m:oMath>
-                </a14:m>
-                <a:endParaRPr lang="en-CA" dirty="0"/>
-              </a:p>
-              <a:p>
-                <a:endParaRPr lang="en-CA" sz="2000" dirty="0"/>
-              </a:p>
-              <a:p>
-                <a:r>
-                  <a:rPr lang="en-CA" sz="2200" dirty="0"/>
-                  <a:t>Question 2:</a:t>
-                </a:r>
-              </a:p>
-              <a:p>
-                <a:pPr lvl="1"/>
-                <a:r>
-                  <a:rPr lang="en-CA" sz="1800" dirty="0"/>
-                  <a:t>Of all patients that have Cancer, </a:t>
-                </a:r>
-                <a:r>
-                  <a:rPr lang="en-CA" sz="1800" i="1" u="sng" dirty="0"/>
-                  <a:t>how many did we get right</a:t>
-                </a:r>
-                <a:r>
-                  <a:rPr lang="en-CA" sz="1800" dirty="0"/>
-                  <a:t>?</a:t>
-                </a:r>
-              </a:p>
-              <a:p>
-                <a:pPr lvl="1"/>
-                <a:endParaRPr lang="en-CA" sz="1800" dirty="0"/>
-              </a:p>
-              <a:p>
-                <a:pPr lvl="1"/>
-                <a14:m>
-                  <m:oMath xmlns:m="http://schemas.openxmlformats.org/officeDocument/2006/math">
-                    <m:r>
-                      <a:rPr lang="en-US" sz="1800" b="0" i="1" smtClean="0">
-                        <a:latin typeface="Cambria Math" panose="02040503050406030204" pitchFamily="18" charset="0"/>
-                      </a:rPr>
-                      <m:t>𝑅𝑒𝑐𝑎𝑙𝑙</m:t>
-                    </m:r>
-                    <m:r>
-                      <a:rPr lang="en-US" sz="1800" i="1">
-                        <a:latin typeface="Cambria Math" panose="02040503050406030204" pitchFamily="18" charset="0"/>
-                      </a:rPr>
-                      <m:t>=</m:t>
-                    </m:r>
-                    <m:f>
-                      <m:fPr>
-                        <m:ctrlPr>
-                          <a:rPr lang="en-US" sz="1800" i="1">
-                            <a:latin typeface="Cambria Math" panose="02040503050406030204" pitchFamily="18" charset="0"/>
-                          </a:rPr>
-                        </m:ctrlPr>
-                      </m:fPr>
-                      <m:num>
-                        <m:r>
-                          <a:rPr lang="en-US" sz="1800" b="0" i="1" smtClean="0">
-                            <a:latin typeface="Cambria Math" panose="02040503050406030204" pitchFamily="18" charset="0"/>
-                          </a:rPr>
-                          <m:t>𝑇𝑟𝑢𝑒</m:t>
-                        </m:r>
-                        <m:r>
-                          <a:rPr lang="en-US" sz="1800" b="0" i="1" smtClean="0">
-                            <a:latin typeface="Cambria Math" panose="02040503050406030204" pitchFamily="18" charset="0"/>
-                          </a:rPr>
-                          <m:t> </m:t>
-                        </m:r>
-                        <m:r>
-                          <a:rPr lang="en-US" sz="1800" b="0" i="1" smtClean="0">
-                            <a:latin typeface="Cambria Math" panose="02040503050406030204" pitchFamily="18" charset="0"/>
-                          </a:rPr>
-                          <m:t>𝑝𝑜𝑠𝑖𝑡𝑖𝑣𝑒</m:t>
-                        </m:r>
-                      </m:num>
-                      <m:den>
-                        <m:r>
-                          <a:rPr lang="en-US" sz="1800" b="0" i="1" smtClean="0">
-                            <a:latin typeface="Cambria Math" panose="02040503050406030204" pitchFamily="18" charset="0"/>
-                          </a:rPr>
-                          <m:t>𝑇𝑟𝑢𝑒</m:t>
-                        </m:r>
-                        <m:r>
-                          <a:rPr lang="en-US" sz="1800" b="0" i="1" smtClean="0">
-                            <a:latin typeface="Cambria Math" panose="02040503050406030204" pitchFamily="18" charset="0"/>
-                          </a:rPr>
-                          <m:t> </m:t>
-                        </m:r>
-                        <m:r>
-                          <a:rPr lang="en-US" sz="1800" b="0" i="1" smtClean="0">
-                            <a:latin typeface="Cambria Math" panose="02040503050406030204" pitchFamily="18" charset="0"/>
-                          </a:rPr>
-                          <m:t>𝑝𝑜𝑠𝑖𝑡𝑖𝑣𝑒</m:t>
-                        </m:r>
-                        <m:r>
-                          <a:rPr lang="en-US" sz="1800" b="0" i="1" smtClean="0">
-                            <a:latin typeface="Cambria Math" panose="02040503050406030204" pitchFamily="18" charset="0"/>
-                          </a:rPr>
-                          <m:t>+</m:t>
-                        </m:r>
-                        <m:r>
-                          <a:rPr lang="en-US" sz="1800" b="0" i="1" smtClean="0">
-                            <a:latin typeface="Cambria Math" panose="02040503050406030204" pitchFamily="18" charset="0"/>
-                          </a:rPr>
-                          <m:t>𝐹𝑎𝑙𝑠𝑒</m:t>
-                        </m:r>
-                        <m:r>
-                          <a:rPr lang="en-US" sz="1800" b="0" i="1" smtClean="0">
-                            <a:latin typeface="Cambria Math" panose="02040503050406030204" pitchFamily="18" charset="0"/>
-                          </a:rPr>
-                          <m:t> </m:t>
-                        </m:r>
-                        <m:r>
-                          <a:rPr lang="en-US" sz="1800" b="0" i="1" smtClean="0">
-                            <a:latin typeface="Cambria Math" panose="02040503050406030204" pitchFamily="18" charset="0"/>
-                          </a:rPr>
-                          <m:t>𝑛𝑒𝑔𝑎𝑡𝑖𝑣𝑒</m:t>
-                        </m:r>
-                      </m:den>
-                    </m:f>
-                    <m:r>
-                      <a:rPr lang="en-US" sz="1800" i="1">
-                        <a:latin typeface="Cambria Math" panose="02040503050406030204" pitchFamily="18" charset="0"/>
-                      </a:rPr>
-                      <m:t>=</m:t>
-                    </m:r>
-                    <m:f>
-                      <m:fPr>
-                        <m:ctrlPr>
-                          <a:rPr lang="en-US" sz="1800" b="0" i="1" smtClean="0">
-                            <a:latin typeface="Cambria Math" panose="02040503050406030204" pitchFamily="18" charset="0"/>
-                          </a:rPr>
-                        </m:ctrlPr>
-                      </m:fPr>
-                      <m:num>
-                        <m:r>
-                          <a:rPr lang="en-US" sz="1800" b="0" i="1" smtClean="0">
-                            <a:latin typeface="Cambria Math" panose="02040503050406030204" pitchFamily="18" charset="0"/>
-                          </a:rPr>
-                          <m:t>850</m:t>
-                        </m:r>
-                      </m:num>
-                      <m:den>
-                        <m:r>
-                          <a:rPr lang="en-US" sz="1800" b="0" i="1" smtClean="0">
-                            <a:latin typeface="Cambria Math" panose="02040503050406030204" pitchFamily="18" charset="0"/>
-                          </a:rPr>
-                          <m:t>850+150</m:t>
-                        </m:r>
-                      </m:den>
-                    </m:f>
-                    <m:r>
-                      <a:rPr lang="en-US" sz="1800" b="0" i="1" smtClean="0">
-                        <a:latin typeface="Cambria Math" panose="02040503050406030204" pitchFamily="18" charset="0"/>
-                      </a:rPr>
-                      <m:t>=85%</m:t>
-                    </m:r>
-                  </m:oMath>
-                </a14:m>
-                <a:endParaRPr lang="en-CA" sz="1800" dirty="0"/>
-              </a:p>
-              <a:p>
-                <a:pPr lvl="1"/>
-                <a:endParaRPr lang="en-CA" sz="1800" dirty="0"/>
-              </a:p>
-              <a:p>
-                <a:pPr lvl="2"/>
-                <a:r>
-                  <a:rPr lang="en-CA" sz="1400" b="1" dirty="0">
-                    <a:solidFill>
-                      <a:srgbClr val="C00000"/>
-                    </a:solidFill>
-                  </a:rPr>
-                  <a:t>Percentage of total relevant results correctly classified</a:t>
-                </a:r>
-              </a:p>
-              <a:p>
-                <a:pPr marL="457200" lvl="1" indent="0">
-                  <a:buNone/>
-                </a:pPr>
-                <a:endParaRPr lang="en-CA" sz="1800" dirty="0"/>
-              </a:p>
-              <a:p>
-                <a:endParaRPr lang="en-CA" dirty="0"/>
-              </a:p>
-              <a:p>
-                <a:pPr lvl="1"/>
-                <a:endParaRPr lang="en-CA" dirty="0"/>
-              </a:p>
-            </p:txBody>
-          </p:sp>
-        </mc:Choice>
-        <mc:Fallback xmlns="">
-          <p:sp>
-            <p:nvSpPr>
-              <p:cNvPr id="3" name="Espace réservé du contenu 2">
-                <a:extLst>
-                  <a:ext uri="{FF2B5EF4-FFF2-40B4-BE49-F238E27FC236}">
-                    <a16:creationId xmlns:a16="http://schemas.microsoft.com/office/drawing/2014/main" id="{87B93719-7A3D-1148-9FCA-AF4A65C4BC41}"/>
-                  </a:ext>
-                </a:extLst>
-              </p:cNvPr>
-              <p:cNvSpPr>
-                <a:spLocks noGrp="1" noRot="1" noChangeAspect="1" noMove="1" noResize="1" noEditPoints="1" noAdjustHandles="1" noChangeArrowheads="1" noChangeShapeType="1" noTextEdit="1"/>
-              </p:cNvSpPr>
-              <p:nvPr>
-                <p:ph sz="half" idx="1"/>
-              </p:nvPr>
-            </p:nvSpPr>
-            <p:spPr>
-              <a:xfrm>
-                <a:off x="628650" y="1825625"/>
-                <a:ext cx="7886700" cy="4351338"/>
-              </a:xfrm>
-              <a:blipFill>
-                <a:blip r:embed="rId2"/>
-                <a:stretch>
-                  <a:fillRect l="-804" t="-2035" b="-291"/>
-                </a:stretch>
-              </a:blipFill>
-            </p:spPr>
-            <p:txBody>
-              <a:bodyPr/>
-              <a:lstStyle/>
-              <a:p>
-                <a:r>
-                  <a:rPr lang="en-CA">
-                    <a:noFill/>
-                  </a:rPr>
-                  <a:t> </a:t>
-                </a:r>
-              </a:p>
-            </p:txBody>
-          </p:sp>
-        </mc:Fallback>
-      </mc:AlternateContent>
-      <p:graphicFrame>
-        <p:nvGraphicFramePr>
-          <p:cNvPr id="4" name="Table 4">
+      <p:pic>
+        <p:nvPicPr>
+          <p:cNvPr id="4" name="Content Placeholder 3" descr="Questions with solid fill">
             <a:extLst>
               <a:ext uri="{FF2B5EF4-FFF2-40B4-BE49-F238E27FC236}">
-                <a16:creationId xmlns:a16="http://schemas.microsoft.com/office/drawing/2014/main" id="{144E5DA8-7FC4-CE4C-9320-53F0B30CC8E2}"/>
+                <a16:creationId xmlns:a16="http://schemas.microsoft.com/office/drawing/2014/main" id="{0C1E37A6-1E81-E949-B0E2-CD3FD85DA41F}"/>
               </a:ext>
             </a:extLst>
           </p:cNvPr>
-          <p:cNvGraphicFramePr>
-            <a:graphicFrameLocks noGrp="1"/>
-          </p:cNvGraphicFramePr>
-          <p:nvPr/>
-        </p:nvGraphicFramePr>
-        <p:xfrm>
-          <a:off x="5327356" y="2852936"/>
-          <a:ext cx="3397602" cy="1669548"/>
-        </p:xfrm>
-        <a:graphic>
-          <a:graphicData uri="http://schemas.openxmlformats.org/drawingml/2006/table">
-            <a:tbl>
-              <a:tblPr firstRow="1" bandRow="1">
-                <a:tableStyleId>{5C22544A-7EE6-4342-B048-85BDC9FD1C3A}</a:tableStyleId>
-              </a:tblPr>
-              <a:tblGrid>
-                <a:gridCol w="899515">
-                  <a:extLst>
-                    <a:ext uri="{9D8B030D-6E8A-4147-A177-3AD203B41FA5}">
-                      <a16:colId xmlns:a16="http://schemas.microsoft.com/office/drawing/2014/main" val="2019097122"/>
-                    </a:ext>
-                  </a:extLst>
-                </a:gridCol>
-                <a:gridCol w="1393368">
-                  <a:extLst>
-                    <a:ext uri="{9D8B030D-6E8A-4147-A177-3AD203B41FA5}">
-                      <a16:colId xmlns:a16="http://schemas.microsoft.com/office/drawing/2014/main" val="766092870"/>
-                    </a:ext>
-                  </a:extLst>
-                </a:gridCol>
-                <a:gridCol w="1104719">
-                  <a:extLst>
-                    <a:ext uri="{9D8B030D-6E8A-4147-A177-3AD203B41FA5}">
-                      <a16:colId xmlns:a16="http://schemas.microsoft.com/office/drawing/2014/main" val="512457545"/>
-                    </a:ext>
-                  </a:extLst>
-                </a:gridCol>
-              </a:tblGrid>
-              <a:tr h="417387">
-                <a:tc>
-                  <a:txBody>
-                    <a:bodyPr/>
-                    <a:lstStyle/>
-                    <a:p>
-                      <a:endParaRPr lang="en-CA" sz="1400" dirty="0"/>
-                    </a:p>
-                  </a:txBody>
-                  <a:tcPr/>
-                </a:tc>
-                <a:tc>
-                  <a:txBody>
-                    <a:bodyPr/>
-                    <a:lstStyle/>
-                    <a:p>
-                      <a:pPr algn="ctr"/>
-                      <a:r>
-                        <a:rPr lang="en-CA" sz="1400" dirty="0"/>
-                        <a:t>Positive</a:t>
-                      </a:r>
-                    </a:p>
-                  </a:txBody>
-                  <a:tcPr/>
-                </a:tc>
-                <a:tc>
-                  <a:txBody>
-                    <a:bodyPr/>
-                    <a:lstStyle/>
-                    <a:p>
-                      <a:pPr algn="ctr"/>
-                      <a:r>
-                        <a:rPr lang="en-CA" sz="1400" dirty="0"/>
-                        <a:t>Negative</a:t>
-                      </a:r>
-                    </a:p>
-                  </a:txBody>
-                  <a:tcPr/>
-                </a:tc>
-                <a:extLst>
-                  <a:ext uri="{0D108BD9-81ED-4DB2-BD59-A6C34878D82A}">
-                    <a16:rowId xmlns:a16="http://schemas.microsoft.com/office/drawing/2014/main" val="3296355738"/>
-                  </a:ext>
-                </a:extLst>
-              </a:tr>
-              <a:tr h="417387">
-                <a:tc>
-                  <a:txBody>
-                    <a:bodyPr/>
-                    <a:lstStyle/>
-                    <a:p>
-                      <a:r>
-                        <a:rPr lang="en-CA" sz="1400" b="1" dirty="0"/>
-                        <a:t>Positive</a:t>
-                      </a:r>
-                    </a:p>
-                  </a:txBody>
-                  <a:tcPr/>
-                </a:tc>
-                <a:tc>
-                  <a:txBody>
-                    <a:bodyPr/>
-                    <a:lstStyle/>
-                    <a:p>
-                      <a:pPr algn="ctr"/>
-                      <a:r>
-                        <a:rPr lang="en-CA" sz="1400" dirty="0"/>
-                        <a:t>850</a:t>
-                      </a:r>
-                    </a:p>
-                  </a:txBody>
-                  <a:tcPr/>
-                </a:tc>
-                <a:tc>
-                  <a:txBody>
-                    <a:bodyPr/>
-                    <a:lstStyle/>
-                    <a:p>
-                      <a:pPr algn="ctr"/>
-                      <a:r>
-                        <a:rPr lang="en-CA" sz="1400" dirty="0"/>
-                        <a:t>180</a:t>
-                      </a:r>
-                    </a:p>
-                  </a:txBody>
-                  <a:tcPr/>
-                </a:tc>
-                <a:extLst>
-                  <a:ext uri="{0D108BD9-81ED-4DB2-BD59-A6C34878D82A}">
-                    <a16:rowId xmlns:a16="http://schemas.microsoft.com/office/drawing/2014/main" val="314388828"/>
-                  </a:ext>
-                </a:extLst>
-              </a:tr>
-              <a:tr h="417387">
-                <a:tc>
-                  <a:txBody>
-                    <a:bodyPr/>
-                    <a:lstStyle/>
-                    <a:p>
-                      <a:r>
-                        <a:rPr lang="en-CA" sz="1400" b="1" dirty="0"/>
-                        <a:t>Negative</a:t>
-                      </a:r>
-                    </a:p>
-                  </a:txBody>
-                  <a:tcPr/>
-                </a:tc>
-                <a:tc>
-                  <a:txBody>
-                    <a:bodyPr/>
-                    <a:lstStyle/>
-                    <a:p>
-                      <a:pPr algn="ctr"/>
-                      <a:r>
-                        <a:rPr lang="en-CA" sz="1400" dirty="0"/>
-                        <a:t>150</a:t>
-                      </a:r>
-                    </a:p>
-                  </a:txBody>
-                  <a:tcPr/>
-                </a:tc>
-                <a:tc>
-                  <a:txBody>
-                    <a:bodyPr/>
-                    <a:lstStyle/>
-                    <a:p>
-                      <a:pPr algn="ctr"/>
-                      <a:r>
-                        <a:rPr lang="en-CA" sz="1400" dirty="0"/>
-                        <a:t>98, 820</a:t>
-                      </a:r>
-                    </a:p>
-                  </a:txBody>
-                  <a:tcPr/>
-                </a:tc>
-                <a:extLst>
-                  <a:ext uri="{0D108BD9-81ED-4DB2-BD59-A6C34878D82A}">
-                    <a16:rowId xmlns:a16="http://schemas.microsoft.com/office/drawing/2014/main" val="3471287555"/>
-                  </a:ext>
-                </a:extLst>
-              </a:tr>
-              <a:tr h="417387">
-                <a:tc>
-                  <a:txBody>
-                    <a:bodyPr/>
-                    <a:lstStyle/>
-                    <a:p>
-                      <a:r>
-                        <a:rPr lang="en-CA" sz="1400" b="1" dirty="0"/>
-                        <a:t>Total</a:t>
-                      </a:r>
-                    </a:p>
-                  </a:txBody>
-                  <a:tcPr/>
-                </a:tc>
-                <a:tc>
-                  <a:txBody>
-                    <a:bodyPr/>
-                    <a:lstStyle/>
-                    <a:p>
-                      <a:pPr algn="ctr"/>
-                      <a:r>
-                        <a:rPr lang="en-CA" sz="1400" dirty="0"/>
-                        <a:t>1,000</a:t>
-                      </a:r>
-                    </a:p>
-                  </a:txBody>
-                  <a:tcPr/>
-                </a:tc>
-                <a:tc>
-                  <a:txBody>
-                    <a:bodyPr/>
-                    <a:lstStyle/>
-                    <a:p>
-                      <a:pPr algn="ctr"/>
-                      <a:r>
-                        <a:rPr lang="en-CA" sz="1400" dirty="0"/>
-                        <a:t>99,000</a:t>
-                      </a:r>
-                    </a:p>
-                  </a:txBody>
-                  <a:tcPr/>
-                </a:tc>
-                <a:extLst>
-                  <a:ext uri="{0D108BD9-81ED-4DB2-BD59-A6C34878D82A}">
-                    <a16:rowId xmlns:a16="http://schemas.microsoft.com/office/drawing/2014/main" val="1889179626"/>
-                  </a:ext>
-                </a:extLst>
-              </a:tr>
-            </a:tbl>
-          </a:graphicData>
-        </a:graphic>
-      </p:graphicFrame>
+          <p:cNvPicPr>
+            <a:picLocks noGrp="1" noChangeAspect="1"/>
+          </p:cNvPicPr>
+          <p:nvPr>
+            <p:ph sz="half" idx="1"/>
+          </p:nvPr>
+        </p:nvPicPr>
+        <p:blipFill>
+          <a:blip r:embed="rId2">
+            <a:extLst>
+              <a:ext uri="{96DAC541-7B7A-43D3-8B79-37D633B846F1}">
+                <asvg:svgBlip xmlns:asvg="http://schemas.microsoft.com/office/drawing/2016/SVG/main" r:embed="rId3"/>
+              </a:ext>
+            </a:extLst>
+          </a:blip>
+          <a:stretch>
+            <a:fillRect/>
+          </a:stretch>
+        </p:blipFill>
+        <p:spPr>
+          <a:xfrm>
+            <a:off x="2411760" y="1844824"/>
+            <a:ext cx="3841576" cy="3841576"/>
+          </a:xfrm>
+        </p:spPr>
+      </p:pic>
       <p:sp>
         <p:nvSpPr>
-          <p:cNvPr id="5" name="Rectangle 4">
+          <p:cNvPr id="5" name="Title 4">
             <a:extLst>
               <a:ext uri="{FF2B5EF4-FFF2-40B4-BE49-F238E27FC236}">
-                <a16:creationId xmlns:a16="http://schemas.microsoft.com/office/drawing/2014/main" id="{498E3B44-56F0-0249-B884-3C0BCE7BD86A}"/>
-              </a:ext>
-            </a:extLst>
-          </p:cNvPr>
-          <p:cNvSpPr/>
-          <p:nvPr/>
-        </p:nvSpPr>
-        <p:spPr>
-          <a:xfrm>
-            <a:off x="6695778" y="2477691"/>
-            <a:ext cx="660758" cy="307777"/>
-          </a:xfrm>
-          <a:prstGeom prst="rect">
-            <a:avLst/>
-          </a:prstGeom>
-        </p:spPr>
-        <p:txBody>
-          <a:bodyPr wrap="none">
-            <a:spAutoFit/>
-          </a:bodyPr>
-          <a:lstStyle/>
-          <a:p>
-            <a:r>
-              <a:rPr lang="en-CA" sz="1400" b="1" dirty="0"/>
-              <a:t>Actual</a:t>
-            </a:r>
-            <a:endParaRPr lang="en-CA" dirty="0"/>
-          </a:p>
-        </p:txBody>
-      </p:sp>
-      <p:sp>
-        <p:nvSpPr>
-          <p:cNvPr id="6" name="Rectangle 5">
-            <a:extLst>
-              <a:ext uri="{FF2B5EF4-FFF2-40B4-BE49-F238E27FC236}">
-                <a16:creationId xmlns:a16="http://schemas.microsoft.com/office/drawing/2014/main" id="{ED417C6E-9F80-4941-AEDA-08136BFE8D49}"/>
-              </a:ext>
-            </a:extLst>
-          </p:cNvPr>
-          <p:cNvSpPr/>
-          <p:nvPr/>
-        </p:nvSpPr>
-        <p:spPr>
-          <a:xfrm>
-            <a:off x="4242675" y="3438089"/>
-            <a:ext cx="895438" cy="307777"/>
-          </a:xfrm>
-          <a:prstGeom prst="rect">
-            <a:avLst/>
-          </a:prstGeom>
-        </p:spPr>
-        <p:txBody>
-          <a:bodyPr wrap="none">
-            <a:spAutoFit/>
-          </a:bodyPr>
-          <a:lstStyle/>
-          <a:p>
-            <a:r>
-              <a:rPr lang="en-CA" sz="1400" b="1" dirty="0"/>
-              <a:t>Predicted</a:t>
-            </a:r>
-            <a:endParaRPr lang="en-CA" dirty="0"/>
-          </a:p>
-        </p:txBody>
-      </p:sp>
-      <p:sp>
-        <p:nvSpPr>
-          <p:cNvPr id="8" name="Title 7">
-            <a:extLst>
-              <a:ext uri="{FF2B5EF4-FFF2-40B4-BE49-F238E27FC236}">
-                <a16:creationId xmlns:a16="http://schemas.microsoft.com/office/drawing/2014/main" id="{A528EE06-B6B5-9848-965B-22A69A2A7001}"/>
+                <a16:creationId xmlns:a16="http://schemas.microsoft.com/office/drawing/2014/main" id="{F77A5F1B-E19B-EF4E-9D2A-7E378E34F815}"/>
               </a:ext>
             </a:extLst>
           </p:cNvPr>
@@ -11611,10 +9591,10 @@
       </p:sp>
       <p:sp>
         <p:nvSpPr>
-          <p:cNvPr id="9" name="Titre 1">
+          <p:cNvPr id="6" name="Titre 1">
             <a:extLst>
               <a:ext uri="{FF2B5EF4-FFF2-40B4-BE49-F238E27FC236}">
-                <a16:creationId xmlns:a16="http://schemas.microsoft.com/office/drawing/2014/main" id="{3E2DC709-FB09-274A-AC75-E6D66A420731}"/>
+                <a16:creationId xmlns:a16="http://schemas.microsoft.com/office/drawing/2014/main" id="{1E2B78AA-625A-294F-9330-9DBB6EF9D0AF}"/>
               </a:ext>
             </a:extLst>
           </p:cNvPr>
@@ -11663,7 +9643,7 @@
               <a:rPr lang="en-CA" sz="4000" b="1" dirty="0">
                 <a:latin typeface="Helvetica" pitchFamily="2" charset="0"/>
               </a:rPr>
-              <a:t>Performance metrics</a:t>
+              <a:t>Questions?</a:t>
             </a:r>
           </a:p>
         </p:txBody>
@@ -11671,203 +9651,13 @@
     </p:spTree>
     <p:extLst>
       <p:ext uri="{BB962C8B-B14F-4D97-AF65-F5344CB8AC3E}">
-        <p14:creationId xmlns:p14="http://schemas.microsoft.com/office/powerpoint/2010/main" val="4218691228"/>
+        <p14:creationId xmlns:p14="http://schemas.microsoft.com/office/powerpoint/2010/main" val="1780349258"/>
       </p:ext>
     </p:extLst>
   </p:cSld>
   <p:clrMapOvr>
     <a:masterClrMapping/>
   </p:clrMapOvr>
-  <p:timing>
-    <p:tnLst>
-      <p:par>
-        <p:cTn id="1" dur="indefinite" restart="never" nodeType="tmRoot">
-          <p:childTnLst>
-            <p:seq concurrent="1" nextAc="seek">
-              <p:cTn id="2" dur="indefinite" nodeType="mainSeq">
-                <p:childTnLst>
-                  <p:par>
-                    <p:cTn id="3" fill="hold">
-                      <p:stCondLst>
-                        <p:cond delay="indefinite"/>
-                      </p:stCondLst>
-                      <p:childTnLst>
-                        <p:par>
-                          <p:cTn id="4" fill="hold">
-                            <p:stCondLst>
-                              <p:cond delay="0"/>
-                            </p:stCondLst>
-                            <p:childTnLst>
-                              <p:par>
-                                <p:cTn id="5" presetID="1" presetClass="entr" presetSubtype="0" fill="hold" nodeType="clickEffect">
-                                  <p:stCondLst>
-                                    <p:cond delay="0"/>
-                                  </p:stCondLst>
-                                  <p:childTnLst>
-                                    <p:set>
-                                      <p:cBhvr>
-                                        <p:cTn id="6" dur="1" fill="hold">
-                                          <p:stCondLst>
-                                            <p:cond delay="0"/>
-                                          </p:stCondLst>
-                                        </p:cTn>
-                                        <p:tgtEl>
-                                          <p:spTgt spid="3">
-                                            <p:txEl>
-                                              <p:pRg st="7" end="7"/>
-                                            </p:txEl>
-                                          </p:spTgt>
-                                        </p:tgtEl>
-                                        <p:attrNameLst>
-                                          <p:attrName>style.visibility</p:attrName>
-                                        </p:attrNameLst>
-                                      </p:cBhvr>
-                                      <p:to>
-                                        <p:strVal val="visible"/>
-                                      </p:to>
-                                    </p:set>
-                                  </p:childTnLst>
-                                </p:cTn>
-                              </p:par>
-                              <p:par>
-                                <p:cTn id="7" presetID="1" presetClass="entr" presetSubtype="0" fill="hold" nodeType="withEffect">
-                                  <p:stCondLst>
-                                    <p:cond delay="0"/>
-                                  </p:stCondLst>
-                                  <p:childTnLst>
-                                    <p:set>
-                                      <p:cBhvr>
-                                        <p:cTn id="8" dur="1" fill="hold">
-                                          <p:stCondLst>
-                                            <p:cond delay="0"/>
-                                          </p:stCondLst>
-                                        </p:cTn>
-                                        <p:tgtEl>
-                                          <p:spTgt spid="3">
-                                            <p:txEl>
-                                              <p:pRg st="8" end="8"/>
-                                            </p:txEl>
-                                          </p:spTgt>
-                                        </p:tgtEl>
-                                        <p:attrNameLst>
-                                          <p:attrName>style.visibility</p:attrName>
-                                        </p:attrNameLst>
-                                      </p:cBhvr>
-                                      <p:to>
-                                        <p:strVal val="visible"/>
-                                      </p:to>
-                                    </p:set>
-                                  </p:childTnLst>
-                                </p:cTn>
-                              </p:par>
-                            </p:childTnLst>
-                          </p:cTn>
-                        </p:par>
-                      </p:childTnLst>
-                    </p:cTn>
-                  </p:par>
-                  <p:par>
-                    <p:cTn id="9" fill="hold">
-                      <p:stCondLst>
-                        <p:cond delay="indefinite"/>
-                      </p:stCondLst>
-                      <p:childTnLst>
-                        <p:par>
-                          <p:cTn id="10" fill="hold">
-                            <p:stCondLst>
-                              <p:cond delay="0"/>
-                            </p:stCondLst>
-                            <p:childTnLst>
-                              <p:par>
-                                <p:cTn id="11" presetID="1" presetClass="entr" presetSubtype="0" fill="hold" nodeType="clickEffect">
-                                  <p:stCondLst>
-                                    <p:cond delay="0"/>
-                                  </p:stCondLst>
-                                  <p:childTnLst>
-                                    <p:set>
-                                      <p:cBhvr>
-                                        <p:cTn id="12" dur="1" fill="hold">
-                                          <p:stCondLst>
-                                            <p:cond delay="0"/>
-                                          </p:stCondLst>
-                                        </p:cTn>
-                                        <p:tgtEl>
-                                          <p:spTgt spid="3">
-                                            <p:txEl>
-                                              <p:pRg st="10" end="10"/>
-                                            </p:txEl>
-                                          </p:spTgt>
-                                        </p:tgtEl>
-                                        <p:attrNameLst>
-                                          <p:attrName>style.visibility</p:attrName>
-                                        </p:attrNameLst>
-                                      </p:cBhvr>
-                                      <p:to>
-                                        <p:strVal val="visible"/>
-                                      </p:to>
-                                    </p:set>
-                                  </p:childTnLst>
-                                </p:cTn>
-                              </p:par>
-                              <p:par>
-                                <p:cTn id="13" presetID="1" presetClass="entr" presetSubtype="0" fill="hold" nodeType="withEffect">
-                                  <p:stCondLst>
-                                    <p:cond delay="0"/>
-                                  </p:stCondLst>
-                                  <p:childTnLst>
-                                    <p:set>
-                                      <p:cBhvr>
-                                        <p:cTn id="14" dur="1" fill="hold">
-                                          <p:stCondLst>
-                                            <p:cond delay="0"/>
-                                          </p:stCondLst>
-                                        </p:cTn>
-                                        <p:tgtEl>
-                                          <p:spTgt spid="3">
-                                            <p:txEl>
-                                              <p:pRg st="12" end="12"/>
-                                            </p:txEl>
-                                          </p:spTgt>
-                                        </p:tgtEl>
-                                        <p:attrNameLst>
-                                          <p:attrName>style.visibility</p:attrName>
-                                        </p:attrNameLst>
-                                      </p:cBhvr>
-                                      <p:to>
-                                        <p:strVal val="visible"/>
-                                      </p:to>
-                                    </p:set>
-                                  </p:childTnLst>
-                                </p:cTn>
-                              </p:par>
-                            </p:childTnLst>
-                          </p:cTn>
-                        </p:par>
-                      </p:childTnLst>
-                    </p:cTn>
-                  </p:par>
-                </p:childTnLst>
-              </p:cTn>
-              <p:prevCondLst>
-                <p:cond evt="onPrev" delay="0">
-                  <p:tgtEl>
-                    <p:sldTgt/>
-                  </p:tgtEl>
-                </p:cond>
-              </p:prevCondLst>
-              <p:nextCondLst>
-                <p:cond evt="onNext" delay="0">
-                  <p:tgtEl>
-                    <p:sldTgt/>
-                  </p:tgtEl>
-                </p:cond>
-              </p:nextCondLst>
-            </p:seq>
-          </p:childTnLst>
-        </p:cTn>
-      </p:par>
-    </p:tnLst>
-  </p:timing>
 </p:sld>
 </file>
 
@@ -11947,1209 +9737,6 @@
           <a:lstStyle/>
           <a:p>
             <a:r>
-              <a:rPr lang="en-CA" b="1" dirty="0">
-                <a:solidFill>
-                  <a:srgbClr val="C00000"/>
-                </a:solidFill>
-              </a:rPr>
-              <a:t>Confusion matrix</a:t>
-            </a:r>
-          </a:p>
-          <a:p>
-            <a:r>
-              <a:rPr lang="en-CA" sz="2400" dirty="0"/>
-              <a:t>For binary and multi-class classification</a:t>
-            </a:r>
-          </a:p>
-          <a:p>
-            <a:r>
-              <a:rPr lang="en-CA" sz="2400" dirty="0"/>
-              <a:t>Correct elements are the diagonals</a:t>
-            </a:r>
-          </a:p>
-          <a:p>
-            <a:endParaRPr lang="en-CA" b="1" dirty="0">
-              <a:solidFill>
-                <a:srgbClr val="C00000"/>
-              </a:solidFill>
-            </a:endParaRPr>
-          </a:p>
-        </p:txBody>
-      </p:sp>
-      <p:pic>
-        <p:nvPicPr>
-          <p:cNvPr id="4" name="Picture 3">
-            <a:extLst>
-              <a:ext uri="{FF2B5EF4-FFF2-40B4-BE49-F238E27FC236}">
-                <a16:creationId xmlns:a16="http://schemas.microsoft.com/office/drawing/2014/main" id="{66B8EFEA-47F9-A940-B1CC-2EF82AA1A296}"/>
-              </a:ext>
-            </a:extLst>
-          </p:cNvPr>
-          <p:cNvPicPr>
-            <a:picLocks noChangeAspect="1"/>
-          </p:cNvPicPr>
-          <p:nvPr/>
-        </p:nvPicPr>
-        <p:blipFill>
-          <a:blip r:embed="rId2"/>
-          <a:stretch>
-            <a:fillRect/>
-          </a:stretch>
-        </p:blipFill>
-        <p:spPr>
-          <a:xfrm>
-            <a:off x="5148064" y="3147843"/>
-            <a:ext cx="3533534" cy="2980021"/>
-          </a:xfrm>
-          <a:prstGeom prst="rect">
-            <a:avLst/>
-          </a:prstGeom>
-        </p:spPr>
-      </p:pic>
-      <p:sp>
-        <p:nvSpPr>
-          <p:cNvPr id="5" name="Rectangle 4">
-            <a:extLst>
-              <a:ext uri="{FF2B5EF4-FFF2-40B4-BE49-F238E27FC236}">
-                <a16:creationId xmlns:a16="http://schemas.microsoft.com/office/drawing/2014/main" id="{E4649AC3-372F-4640-9A42-12C5FAB73665}"/>
-              </a:ext>
-            </a:extLst>
-          </p:cNvPr>
-          <p:cNvSpPr/>
-          <p:nvPr/>
-        </p:nvSpPr>
-        <p:spPr>
-          <a:xfrm>
-            <a:off x="5148064" y="6093296"/>
-            <a:ext cx="4968552" cy="276999"/>
-          </a:xfrm>
-          <a:prstGeom prst="rect">
-            <a:avLst/>
-          </a:prstGeom>
-        </p:spPr>
-        <p:txBody>
-          <a:bodyPr wrap="square">
-            <a:spAutoFit/>
-          </a:bodyPr>
-          <a:lstStyle/>
-          <a:p>
-            <a:r>
-              <a:rPr lang="en-CA" sz="1200" dirty="0"/>
-              <a:t>https://ml4a.github.io/demos/</a:t>
-            </a:r>
-            <a:r>
-              <a:rPr lang="en-CA" sz="1200" dirty="0" err="1"/>
-              <a:t>confusion_mnist</a:t>
-            </a:r>
-            <a:r>
-              <a:rPr lang="en-CA" sz="1200" dirty="0"/>
-              <a:t>/</a:t>
-            </a:r>
-          </a:p>
-        </p:txBody>
-      </p:sp>
-      <p:sp>
-        <p:nvSpPr>
-          <p:cNvPr id="7" name="Title 6">
-            <a:extLst>
-              <a:ext uri="{FF2B5EF4-FFF2-40B4-BE49-F238E27FC236}">
-                <a16:creationId xmlns:a16="http://schemas.microsoft.com/office/drawing/2014/main" id="{352200FB-9FCE-FB4D-B5A5-E212E7ED7030}"/>
-              </a:ext>
-            </a:extLst>
-          </p:cNvPr>
-          <p:cNvSpPr>
-            <a:spLocks noGrp="1"/>
-          </p:cNvSpPr>
-          <p:nvPr>
-            <p:ph type="title"/>
-          </p:nvPr>
-        </p:nvSpPr>
-        <p:spPr/>
-        <p:txBody>
-          <a:bodyPr/>
-          <a:lstStyle/>
-          <a:p>
-            <a:endParaRPr lang="en-CA" dirty="0"/>
-          </a:p>
-        </p:txBody>
-      </p:sp>
-      <p:sp>
-        <p:nvSpPr>
-          <p:cNvPr id="8" name="Titre 1">
-            <a:extLst>
-              <a:ext uri="{FF2B5EF4-FFF2-40B4-BE49-F238E27FC236}">
-                <a16:creationId xmlns:a16="http://schemas.microsoft.com/office/drawing/2014/main" id="{BA96B364-BB1B-A641-A9F4-DB4D9AC6F4C9}"/>
-              </a:ext>
-            </a:extLst>
-          </p:cNvPr>
-          <p:cNvSpPr txBox="1">
-            <a:spLocks/>
-          </p:cNvSpPr>
-          <p:nvPr/>
-        </p:nvSpPr>
-        <p:spPr>
-          <a:xfrm>
-            <a:off x="0" y="404664"/>
-            <a:ext cx="9180512" cy="979999"/>
-          </a:xfrm>
-          <a:prstGeom prst="rect">
-            <a:avLst/>
-          </a:prstGeom>
-          <a:solidFill>
-            <a:schemeClr val="accent2"/>
-          </a:solidFill>
-        </p:spPr>
-        <p:txBody>
-          <a:bodyPr vert="horz" lIns="91440" tIns="45720" rIns="91440" bIns="45720" rtlCol="0" anchor="ctr">
-            <a:normAutofit/>
-          </a:bodyPr>
-          <a:lstStyle>
-            <a:lvl1pPr algn="l" defTabSz="914400" rtl="0" eaLnBrk="1" latinLnBrk="0" hangingPunct="1">
-              <a:lnSpc>
-                <a:spcPct val="90000"/>
-              </a:lnSpc>
-              <a:spcBef>
-                <a:spcPct val="0"/>
-              </a:spcBef>
-              <a:buNone/>
-              <a:defRPr sz="4400" kern="1200">
-                <a:solidFill>
-                  <a:schemeClr val="tx1"/>
-                </a:solidFill>
-                <a:latin typeface="+mj-lt"/>
-                <a:ea typeface="+mj-ea"/>
-                <a:cs typeface="+mj-cs"/>
-              </a:defRPr>
-            </a:lvl1pPr>
-          </a:lstStyle>
-          <a:p>
-            <a:r>
-              <a:rPr lang="en-CA" sz="4000" b="1" dirty="0">
-                <a:latin typeface="Helvetica" pitchFamily="2" charset="0"/>
-              </a:rPr>
-              <a:t>Performance metrics</a:t>
-            </a:r>
-          </a:p>
-        </p:txBody>
-      </p:sp>
-    </p:spTree>
-    <p:extLst>
-      <p:ext uri="{BB962C8B-B14F-4D97-AF65-F5344CB8AC3E}">
-        <p14:creationId xmlns:p14="http://schemas.microsoft.com/office/powerpoint/2010/main" val="4112148183"/>
-      </p:ext>
-    </p:extLst>
-  </p:cSld>
-  <p:clrMapOvr>
-    <a:masterClrMapping/>
-  </p:clrMapOvr>
-</p:sld>
-</file>
-
-<file path=ppt/slides/slide21.xml><?xml version="1.0" encoding="utf-8"?>
-<p:sld xmlns:a="http://schemas.openxmlformats.org/drawingml/2006/main" xmlns:r="http://schemas.openxmlformats.org/officeDocument/2006/relationships" xmlns:p="http://schemas.openxmlformats.org/presentationml/2006/main">
-  <p:cSld>
-    <p:spTree>
-      <p:nvGrpSpPr>
-        <p:cNvPr id="1" name=""/>
-        <p:cNvGrpSpPr/>
-        <p:nvPr/>
-      </p:nvGrpSpPr>
-      <p:grpSpPr>
-        <a:xfrm>
-          <a:off x="0" y="0"/>
-          <a:ext cx="0" cy="0"/>
-          <a:chOff x="0" y="0"/>
-          <a:chExt cx="0" cy="0"/>
-        </a:xfrm>
-      </p:grpSpPr>
-      <p:sp>
-        <p:nvSpPr>
-          <p:cNvPr id="3" name="Espace réservé du contenu 2">
-            <a:extLst>
-              <a:ext uri="{FF2B5EF4-FFF2-40B4-BE49-F238E27FC236}">
-                <a16:creationId xmlns:a16="http://schemas.microsoft.com/office/drawing/2014/main" id="{87B93719-7A3D-1148-9FCA-AF4A65C4BC41}"/>
-              </a:ext>
-            </a:extLst>
-          </p:cNvPr>
-          <p:cNvSpPr>
-            <a:spLocks noGrp="1"/>
-          </p:cNvSpPr>
-          <p:nvPr>
-            <p:ph sz="half" idx="1"/>
-          </p:nvPr>
-        </p:nvSpPr>
-        <p:spPr>
-          <a:xfrm>
-            <a:off x="628650" y="1825625"/>
-            <a:ext cx="7886700" cy="4351338"/>
-          </a:xfrm>
-        </p:spPr>
-        <p:txBody>
-          <a:bodyPr>
-            <a:normAutofit/>
-          </a:bodyPr>
-          <a:lstStyle/>
-          <a:p>
-            <a:r>
-              <a:rPr lang="en-CA" dirty="0"/>
-              <a:t>Accuracy is only one metric</a:t>
-            </a:r>
-          </a:p>
-          <a:p>
-            <a:r>
-              <a:rPr lang="en-CA" dirty="0"/>
-              <a:t>Precision and recall</a:t>
-            </a:r>
-          </a:p>
-          <a:p>
-            <a:r>
-              <a:rPr lang="en-CA" dirty="0"/>
-              <a:t>Confusion matrix </a:t>
-            </a:r>
-          </a:p>
-          <a:p>
-            <a:r>
-              <a:rPr lang="en-CA" b="1" dirty="0">
-                <a:solidFill>
-                  <a:srgbClr val="C00000"/>
-                </a:solidFill>
-              </a:rPr>
-              <a:t>Critical for unbalanced datasets</a:t>
-            </a:r>
-          </a:p>
-        </p:txBody>
-      </p:sp>
-      <p:sp>
-        <p:nvSpPr>
-          <p:cNvPr id="5" name="Title 4">
-            <a:extLst>
-              <a:ext uri="{FF2B5EF4-FFF2-40B4-BE49-F238E27FC236}">
-                <a16:creationId xmlns:a16="http://schemas.microsoft.com/office/drawing/2014/main" id="{9D715B4D-6B4E-7D4A-9DA6-CD2498E6C652}"/>
-              </a:ext>
-            </a:extLst>
-          </p:cNvPr>
-          <p:cNvSpPr>
-            <a:spLocks noGrp="1"/>
-          </p:cNvSpPr>
-          <p:nvPr>
-            <p:ph type="title"/>
-          </p:nvPr>
-        </p:nvSpPr>
-        <p:spPr/>
-        <p:txBody>
-          <a:bodyPr/>
-          <a:lstStyle/>
-          <a:p>
-            <a:endParaRPr lang="en-CA"/>
-          </a:p>
-        </p:txBody>
-      </p:sp>
-      <p:sp>
-        <p:nvSpPr>
-          <p:cNvPr id="6" name="Titre 1">
-            <a:extLst>
-              <a:ext uri="{FF2B5EF4-FFF2-40B4-BE49-F238E27FC236}">
-                <a16:creationId xmlns:a16="http://schemas.microsoft.com/office/drawing/2014/main" id="{E59EA546-7E39-2840-BA26-2A09477CD695}"/>
-              </a:ext>
-            </a:extLst>
-          </p:cNvPr>
-          <p:cNvSpPr txBox="1">
-            <a:spLocks/>
-          </p:cNvSpPr>
-          <p:nvPr/>
-        </p:nvSpPr>
-        <p:spPr>
-          <a:xfrm>
-            <a:off x="0" y="404664"/>
-            <a:ext cx="9180512" cy="979999"/>
-          </a:xfrm>
-          <a:prstGeom prst="rect">
-            <a:avLst/>
-          </a:prstGeom>
-          <a:solidFill>
-            <a:schemeClr val="accent2"/>
-          </a:solidFill>
-        </p:spPr>
-        <p:txBody>
-          <a:bodyPr vert="horz" lIns="91440" tIns="45720" rIns="91440" bIns="45720" rtlCol="0" anchor="ctr">
-            <a:normAutofit/>
-          </a:bodyPr>
-          <a:lstStyle>
-            <a:lvl1pPr algn="l" defTabSz="914400" rtl="0" eaLnBrk="1" latinLnBrk="0" hangingPunct="1">
-              <a:lnSpc>
-                <a:spcPct val="90000"/>
-              </a:lnSpc>
-              <a:spcBef>
-                <a:spcPct val="0"/>
-              </a:spcBef>
-              <a:buNone/>
-              <a:defRPr sz="4400" kern="1200">
-                <a:solidFill>
-                  <a:schemeClr val="tx1"/>
-                </a:solidFill>
-                <a:latin typeface="+mj-lt"/>
-                <a:ea typeface="+mj-ea"/>
-                <a:cs typeface="+mj-cs"/>
-              </a:defRPr>
-            </a:lvl1pPr>
-          </a:lstStyle>
-          <a:p>
-            <a:r>
-              <a:rPr lang="en-CA" sz="4000" b="1" dirty="0">
-                <a:latin typeface="Helvetica" pitchFamily="2" charset="0"/>
-              </a:rPr>
-              <a:t>Performance metrics</a:t>
-            </a:r>
-          </a:p>
-        </p:txBody>
-      </p:sp>
-    </p:spTree>
-    <p:extLst>
-      <p:ext uri="{BB962C8B-B14F-4D97-AF65-F5344CB8AC3E}">
-        <p14:creationId xmlns:p14="http://schemas.microsoft.com/office/powerpoint/2010/main" val="1641593419"/>
-      </p:ext>
-    </p:extLst>
-  </p:cSld>
-  <p:clrMapOvr>
-    <a:masterClrMapping/>
-  </p:clrMapOvr>
-</p:sld>
-</file>
-
-<file path=ppt/slides/slide22.xml><?xml version="1.0" encoding="utf-8"?>
-<p:sld xmlns:a="http://schemas.openxmlformats.org/drawingml/2006/main" xmlns:r="http://schemas.openxmlformats.org/officeDocument/2006/relationships" xmlns:p="http://schemas.openxmlformats.org/presentationml/2006/main">
-  <p:cSld>
-    <p:spTree>
-      <p:nvGrpSpPr>
-        <p:cNvPr id="1" name=""/>
-        <p:cNvGrpSpPr/>
-        <p:nvPr/>
-      </p:nvGrpSpPr>
-      <p:grpSpPr>
-        <a:xfrm>
-          <a:off x="0" y="0"/>
-          <a:ext cx="0" cy="0"/>
-          <a:chOff x="0" y="0"/>
-          <a:chExt cx="0" cy="0"/>
-        </a:xfrm>
-      </p:grpSpPr>
-      <p:pic>
-        <p:nvPicPr>
-          <p:cNvPr id="7" name="Picture 6" descr="Koala on a tree">
-            <a:extLst>
-              <a:ext uri="{FF2B5EF4-FFF2-40B4-BE49-F238E27FC236}">
-                <a16:creationId xmlns:a16="http://schemas.microsoft.com/office/drawing/2014/main" id="{EA37BA1A-A640-754B-B4B7-82A085F8210F}"/>
-              </a:ext>
-            </a:extLst>
-          </p:cNvPr>
-          <p:cNvPicPr>
-            <a:picLocks noChangeAspect="1"/>
-          </p:cNvPicPr>
-          <p:nvPr/>
-        </p:nvPicPr>
-        <p:blipFill>
-          <a:blip r:embed="rId2"/>
-          <a:stretch>
-            <a:fillRect/>
-          </a:stretch>
-        </p:blipFill>
-        <p:spPr>
-          <a:xfrm>
-            <a:off x="2051720" y="2420888"/>
-            <a:ext cx="5221855" cy="4176464"/>
-          </a:xfrm>
-          <a:prstGeom prst="rect">
-            <a:avLst/>
-          </a:prstGeom>
-        </p:spPr>
-      </p:pic>
-      <p:sp>
-        <p:nvSpPr>
-          <p:cNvPr id="9" name="Content Placeholder 8">
-            <a:extLst>
-              <a:ext uri="{FF2B5EF4-FFF2-40B4-BE49-F238E27FC236}">
-                <a16:creationId xmlns:a16="http://schemas.microsoft.com/office/drawing/2014/main" id="{A2333C6F-AC01-7344-ADFF-2D655139FF94}"/>
-              </a:ext>
-            </a:extLst>
-          </p:cNvPr>
-          <p:cNvSpPr>
-            <a:spLocks noGrp="1"/>
-          </p:cNvSpPr>
-          <p:nvPr>
-            <p:ph idx="1"/>
-          </p:nvPr>
-        </p:nvSpPr>
-        <p:spPr>
-          <a:xfrm>
-            <a:off x="628650" y="1628800"/>
-            <a:ext cx="7886700" cy="4351338"/>
-          </a:xfrm>
-        </p:spPr>
-        <p:txBody>
-          <a:bodyPr>
-            <a:normAutofit/>
-          </a:bodyPr>
-          <a:lstStyle/>
-          <a:p>
-            <a:pPr marL="0" indent="0" algn="ctr">
-              <a:buNone/>
-            </a:pPr>
-            <a:r>
-              <a:rPr lang="en-CA" sz="5400" i="1" dirty="0">
-                <a:latin typeface="Lucida Blackletter" pitchFamily="2" charset="77"/>
-                <a:ea typeface="Brush Script MT" panose="03060802040406070304" pitchFamily="66" charset="-122"/>
-                <a:cs typeface="Calibri Light" panose="020F0302020204030204" pitchFamily="34" charset="0"/>
-              </a:rPr>
-              <a:t>15 minutes</a:t>
-            </a:r>
-          </a:p>
-        </p:txBody>
-      </p:sp>
-      <p:sp>
-        <p:nvSpPr>
-          <p:cNvPr id="4" name="Titre 1">
-            <a:extLst>
-              <a:ext uri="{FF2B5EF4-FFF2-40B4-BE49-F238E27FC236}">
-                <a16:creationId xmlns:a16="http://schemas.microsoft.com/office/drawing/2014/main" id="{F3A0421A-068A-BC41-8E63-0BEC8C626DD7}"/>
-              </a:ext>
-            </a:extLst>
-          </p:cNvPr>
-          <p:cNvSpPr txBox="1">
-            <a:spLocks/>
-          </p:cNvSpPr>
-          <p:nvPr/>
-        </p:nvSpPr>
-        <p:spPr>
-          <a:xfrm>
-            <a:off x="0" y="404664"/>
-            <a:ext cx="9180512" cy="979999"/>
-          </a:xfrm>
-          <a:prstGeom prst="rect">
-            <a:avLst/>
-          </a:prstGeom>
-          <a:solidFill>
-            <a:schemeClr val="accent2"/>
-          </a:solidFill>
-        </p:spPr>
-        <p:txBody>
-          <a:bodyPr vert="horz" lIns="91440" tIns="45720" rIns="91440" bIns="45720" rtlCol="0" anchor="ctr">
-            <a:normAutofit/>
-          </a:bodyPr>
-          <a:lstStyle>
-            <a:lvl1pPr algn="l" defTabSz="914400" rtl="0" eaLnBrk="1" latinLnBrk="0" hangingPunct="1">
-              <a:lnSpc>
-                <a:spcPct val="90000"/>
-              </a:lnSpc>
-              <a:spcBef>
-                <a:spcPct val="0"/>
-              </a:spcBef>
-              <a:buNone/>
-              <a:defRPr sz="4400" kern="1200">
-                <a:solidFill>
-                  <a:schemeClr val="tx1"/>
-                </a:solidFill>
-                <a:latin typeface="+mj-lt"/>
-                <a:ea typeface="+mj-ea"/>
-                <a:cs typeface="+mj-cs"/>
-              </a:defRPr>
-            </a:lvl1pPr>
-          </a:lstStyle>
-          <a:p>
-            <a:r>
-              <a:rPr lang="en-CA" sz="4000" b="1" dirty="0">
-                <a:latin typeface="Helvetica" pitchFamily="2" charset="0"/>
-              </a:rPr>
-              <a:t>Break</a:t>
-            </a:r>
-          </a:p>
-        </p:txBody>
-      </p:sp>
-    </p:spTree>
-    <p:extLst>
-      <p:ext uri="{BB962C8B-B14F-4D97-AF65-F5344CB8AC3E}">
-        <p14:creationId xmlns:p14="http://schemas.microsoft.com/office/powerpoint/2010/main" val="3454087802"/>
-      </p:ext>
-    </p:extLst>
-  </p:cSld>
-  <p:clrMapOvr>
-    <a:masterClrMapping/>
-  </p:clrMapOvr>
-</p:sld>
-</file>
-
-<file path=ppt/slides/slide23.xml><?xml version="1.0" encoding="utf-8"?>
-<p:sld xmlns:a="http://schemas.openxmlformats.org/drawingml/2006/main" xmlns:r="http://schemas.openxmlformats.org/officeDocument/2006/relationships" xmlns:p="http://schemas.openxmlformats.org/presentationml/2006/main">
-  <p:cSld>
-    <p:spTree>
-      <p:nvGrpSpPr>
-        <p:cNvPr id="1" name=""/>
-        <p:cNvGrpSpPr/>
-        <p:nvPr/>
-      </p:nvGrpSpPr>
-      <p:grpSpPr>
-        <a:xfrm>
-          <a:off x="0" y="0"/>
-          <a:ext cx="0" cy="0"/>
-          <a:chOff x="0" y="0"/>
-          <a:chExt cx="0" cy="0"/>
-        </a:xfrm>
-      </p:grpSpPr>
-      <p:sp>
-        <p:nvSpPr>
-          <p:cNvPr id="3" name="Espace réservé du contenu 2">
-            <a:extLst>
-              <a:ext uri="{FF2B5EF4-FFF2-40B4-BE49-F238E27FC236}">
-                <a16:creationId xmlns:a16="http://schemas.microsoft.com/office/drawing/2014/main" id="{87B93719-7A3D-1148-9FCA-AF4A65C4BC41}"/>
-              </a:ext>
-            </a:extLst>
-          </p:cNvPr>
-          <p:cNvSpPr>
-            <a:spLocks noGrp="1"/>
-          </p:cNvSpPr>
-          <p:nvPr>
-            <p:ph sz="half" idx="1"/>
-          </p:nvPr>
-        </p:nvSpPr>
-        <p:spPr>
-          <a:xfrm>
-            <a:off x="628650" y="1825625"/>
-            <a:ext cx="7886700" cy="4351338"/>
-          </a:xfrm>
-        </p:spPr>
-        <p:txBody>
-          <a:bodyPr>
-            <a:normAutofit/>
-          </a:bodyPr>
-          <a:lstStyle/>
-          <a:p>
-            <a:pPr>
-              <a:buFont typeface="Courier New" panose="02070309020205020404" pitchFamily="49" charset="0"/>
-              <a:buChar char="o"/>
-            </a:pPr>
-            <a:r>
-              <a:rPr lang="en-CA" dirty="0"/>
-              <a:t>Introductory books:</a:t>
-            </a:r>
-          </a:p>
-          <a:p>
-            <a:pPr lvl="1">
-              <a:buFont typeface="Courier New" panose="02070309020205020404" pitchFamily="49" charset="0"/>
-              <a:buChar char="o"/>
-            </a:pPr>
-            <a:r>
-              <a:rPr lang="en-CA" sz="2000" dirty="0">
-                <a:hlinkClick r:id="rId2"/>
-              </a:rPr>
-              <a:t>The Elements of Statistical Learning</a:t>
-            </a:r>
-            <a:endParaRPr lang="en-CA" sz="2000" dirty="0"/>
-          </a:p>
-          <a:p>
-            <a:pPr lvl="1">
-              <a:buFont typeface="Courier New" panose="02070309020205020404" pitchFamily="49" charset="0"/>
-              <a:buChar char="o"/>
-            </a:pPr>
-            <a:r>
-              <a:rPr lang="en-CA" sz="2000" dirty="0">
-                <a:hlinkClick r:id="rId3"/>
-              </a:rPr>
-              <a:t>Information Theory, Inference, and Learning Algorithms</a:t>
-            </a:r>
-            <a:endParaRPr lang="en-CA" sz="2000" dirty="0"/>
-          </a:p>
-          <a:p>
-            <a:pPr lvl="1">
-              <a:buFont typeface="Courier New" panose="02070309020205020404" pitchFamily="49" charset="0"/>
-              <a:buChar char="o"/>
-            </a:pPr>
-            <a:r>
-              <a:rPr lang="en-CA" sz="2000" dirty="0">
-                <a:hlinkClick r:id="rId4"/>
-              </a:rPr>
-              <a:t>Understanding Machine Learning: From Theory to Algorithms</a:t>
-            </a:r>
-            <a:endParaRPr lang="en-CA" sz="2000" dirty="0"/>
-          </a:p>
-          <a:p>
-            <a:pPr lvl="1">
-              <a:buFont typeface="Courier New" panose="02070309020205020404" pitchFamily="49" charset="0"/>
-              <a:buChar char="o"/>
-            </a:pPr>
-            <a:r>
-              <a:rPr lang="en-CA" sz="2000" dirty="0">
-                <a:hlinkClick r:id="rId5"/>
-              </a:rPr>
-              <a:t>Dive into Deep Learning</a:t>
-            </a:r>
-            <a:endParaRPr lang="en-CA" sz="2000" dirty="0"/>
-          </a:p>
-          <a:p>
-            <a:pPr>
-              <a:buFont typeface="Courier New" panose="02070309020205020404" pitchFamily="49" charset="0"/>
-              <a:buChar char="o"/>
-            </a:pPr>
-            <a:r>
-              <a:rPr lang="en-CA" dirty="0"/>
-              <a:t>Online resources</a:t>
-            </a:r>
-          </a:p>
-          <a:p>
-            <a:pPr lvl="1">
-              <a:buFont typeface="Courier New" panose="02070309020205020404" pitchFamily="49" charset="0"/>
-              <a:buChar char="o"/>
-            </a:pPr>
-            <a:r>
-              <a:rPr lang="en-CA" sz="2000" dirty="0"/>
-              <a:t>Online courses: EdX, Coursera, ...</a:t>
-            </a:r>
-          </a:p>
-          <a:p>
-            <a:pPr lvl="1">
-              <a:buFont typeface="Courier New" panose="02070309020205020404" pitchFamily="49" charset="0"/>
-              <a:buChar char="o"/>
-            </a:pPr>
-            <a:r>
-              <a:rPr lang="en-CA" sz="2000" dirty="0"/>
-              <a:t>Datasets and competitions: </a:t>
-            </a:r>
-            <a:r>
-              <a:rPr lang="en-CA" sz="2000" dirty="0">
-                <a:hlinkClick r:id="rId6"/>
-              </a:rPr>
-              <a:t>Kaggle</a:t>
-            </a:r>
-            <a:r>
-              <a:rPr lang="en-CA" sz="2000" dirty="0"/>
-              <a:t>, </a:t>
-            </a:r>
-            <a:r>
-              <a:rPr lang="en-CA" sz="2000" dirty="0">
-                <a:hlinkClick r:id="rId7"/>
-              </a:rPr>
-              <a:t>IEEEDataPort</a:t>
-            </a:r>
-            <a:r>
-              <a:rPr lang="en-CA" sz="2000" dirty="0"/>
-              <a:t>, …</a:t>
-            </a:r>
-          </a:p>
-          <a:p>
-            <a:pPr lvl="1">
-              <a:buFont typeface="Courier New" panose="02070309020205020404" pitchFamily="49" charset="0"/>
-              <a:buChar char="o"/>
-            </a:pPr>
-            <a:r>
-              <a:rPr lang="en-CA" sz="2000" dirty="0"/>
-              <a:t>Online articles: </a:t>
-            </a:r>
-            <a:r>
-              <a:rPr lang="en-CA" sz="2000" dirty="0">
-                <a:hlinkClick r:id="rId8"/>
-              </a:rPr>
-              <a:t>Towards Data Science</a:t>
-            </a:r>
-            <a:r>
-              <a:rPr lang="en-CA" sz="2000" dirty="0"/>
-              <a:t>, </a:t>
-            </a:r>
-            <a:r>
-              <a:rPr lang="en-CA" sz="2000" dirty="0">
-                <a:hlinkClick r:id="rId9"/>
-              </a:rPr>
-              <a:t>Medium</a:t>
-            </a:r>
-            <a:r>
-              <a:rPr lang="en-CA" sz="2000" dirty="0"/>
-              <a:t>, …</a:t>
-            </a:r>
-          </a:p>
-          <a:p>
-            <a:pPr lvl="1">
-              <a:buFont typeface="Courier New" panose="02070309020205020404" pitchFamily="49" charset="0"/>
-              <a:buChar char="o"/>
-            </a:pPr>
-            <a:r>
-              <a:rPr lang="en-CA" sz="2000" dirty="0"/>
-              <a:t>Google is great </a:t>
-            </a:r>
-            <a:r>
-              <a:rPr lang="en-CA" sz="2000" dirty="0">
-                <a:sym typeface="Wingdings" pitchFamily="2" charset="2"/>
-              </a:rPr>
-              <a:t> </a:t>
-            </a:r>
-            <a:endParaRPr lang="en-CA" sz="2000" dirty="0"/>
-          </a:p>
-          <a:p>
-            <a:pPr marL="0" indent="0">
-              <a:buNone/>
-            </a:pPr>
-            <a:endParaRPr lang="en-CA" dirty="0"/>
-          </a:p>
-        </p:txBody>
-      </p:sp>
-      <p:sp>
-        <p:nvSpPr>
-          <p:cNvPr id="5" name="Title 4">
-            <a:extLst>
-              <a:ext uri="{FF2B5EF4-FFF2-40B4-BE49-F238E27FC236}">
-                <a16:creationId xmlns:a16="http://schemas.microsoft.com/office/drawing/2014/main" id="{B6FD8F19-2221-6A47-8170-3A03598AEDD3}"/>
-              </a:ext>
-            </a:extLst>
-          </p:cNvPr>
-          <p:cNvSpPr>
-            <a:spLocks noGrp="1"/>
-          </p:cNvSpPr>
-          <p:nvPr>
-            <p:ph type="title"/>
-          </p:nvPr>
-        </p:nvSpPr>
-        <p:spPr/>
-        <p:txBody>
-          <a:bodyPr/>
-          <a:lstStyle/>
-          <a:p>
-            <a:endParaRPr lang="en-CA" dirty="0"/>
-          </a:p>
-        </p:txBody>
-      </p:sp>
-      <p:sp>
-        <p:nvSpPr>
-          <p:cNvPr id="6" name="Titre 1">
-            <a:extLst>
-              <a:ext uri="{FF2B5EF4-FFF2-40B4-BE49-F238E27FC236}">
-                <a16:creationId xmlns:a16="http://schemas.microsoft.com/office/drawing/2014/main" id="{6C4354AF-EA8F-B54E-867A-61ECAF2AC9F6}"/>
-              </a:ext>
-            </a:extLst>
-          </p:cNvPr>
-          <p:cNvSpPr txBox="1">
-            <a:spLocks/>
-          </p:cNvSpPr>
-          <p:nvPr/>
-        </p:nvSpPr>
-        <p:spPr>
-          <a:xfrm>
-            <a:off x="0" y="404664"/>
-            <a:ext cx="9180512" cy="979999"/>
-          </a:xfrm>
-          <a:prstGeom prst="rect">
-            <a:avLst/>
-          </a:prstGeom>
-          <a:solidFill>
-            <a:schemeClr val="accent2"/>
-          </a:solidFill>
-        </p:spPr>
-        <p:txBody>
-          <a:bodyPr vert="horz" lIns="91440" tIns="45720" rIns="91440" bIns="45720" rtlCol="0" anchor="ctr">
-            <a:normAutofit/>
-          </a:bodyPr>
-          <a:lstStyle>
-            <a:lvl1pPr algn="l" defTabSz="914400" rtl="0" eaLnBrk="1" latinLnBrk="0" hangingPunct="1">
-              <a:lnSpc>
-                <a:spcPct val="90000"/>
-              </a:lnSpc>
-              <a:spcBef>
-                <a:spcPct val="0"/>
-              </a:spcBef>
-              <a:buNone/>
-              <a:defRPr sz="4400" kern="1200">
-                <a:solidFill>
-                  <a:schemeClr val="tx1"/>
-                </a:solidFill>
-                <a:latin typeface="+mj-lt"/>
-                <a:ea typeface="+mj-ea"/>
-                <a:cs typeface="+mj-cs"/>
-              </a:defRPr>
-            </a:lvl1pPr>
-          </a:lstStyle>
-          <a:p>
-            <a:r>
-              <a:rPr lang="en-CA" sz="4000" b="1" dirty="0">
-                <a:latin typeface="Helvetica" pitchFamily="2" charset="0"/>
-              </a:rPr>
-              <a:t>Next steps</a:t>
-            </a:r>
-          </a:p>
-        </p:txBody>
-      </p:sp>
-    </p:spTree>
-    <p:extLst>
-      <p:ext uri="{BB962C8B-B14F-4D97-AF65-F5344CB8AC3E}">
-        <p14:creationId xmlns:p14="http://schemas.microsoft.com/office/powerpoint/2010/main" val="3735854473"/>
-      </p:ext>
-    </p:extLst>
-  </p:cSld>
-  <p:clrMapOvr>
-    <a:masterClrMapping/>
-  </p:clrMapOvr>
-</p:sld>
-</file>
-
-<file path=ppt/slides/slide24.xml><?xml version="1.0" encoding="utf-8"?>
-<p:sld xmlns:a="http://schemas.openxmlformats.org/drawingml/2006/main" xmlns:r="http://schemas.openxmlformats.org/officeDocument/2006/relationships" xmlns:p="http://schemas.openxmlformats.org/presentationml/2006/main">
-  <p:cSld>
-    <p:spTree>
-      <p:nvGrpSpPr>
-        <p:cNvPr id="1" name=""/>
-        <p:cNvGrpSpPr/>
-        <p:nvPr/>
-      </p:nvGrpSpPr>
-      <p:grpSpPr>
-        <a:xfrm>
-          <a:off x="0" y="0"/>
-          <a:ext cx="0" cy="0"/>
-          <a:chOff x="0" y="0"/>
-          <a:chExt cx="0" cy="0"/>
-        </a:xfrm>
-      </p:grpSpPr>
-      <p:sp>
-        <p:nvSpPr>
-          <p:cNvPr id="3" name="Espace réservé du contenu 2">
-            <a:extLst>
-              <a:ext uri="{FF2B5EF4-FFF2-40B4-BE49-F238E27FC236}">
-                <a16:creationId xmlns:a16="http://schemas.microsoft.com/office/drawing/2014/main" id="{87B93719-7A3D-1148-9FCA-AF4A65C4BC41}"/>
-              </a:ext>
-            </a:extLst>
-          </p:cNvPr>
-          <p:cNvSpPr>
-            <a:spLocks noGrp="1"/>
-          </p:cNvSpPr>
-          <p:nvPr>
-            <p:ph sz="half" idx="1"/>
-          </p:nvPr>
-        </p:nvSpPr>
-        <p:spPr>
-          <a:xfrm>
-            <a:off x="628650" y="1825625"/>
-            <a:ext cx="7886700" cy="4351338"/>
-          </a:xfrm>
-        </p:spPr>
-        <p:txBody>
-          <a:bodyPr>
-            <a:normAutofit/>
-          </a:bodyPr>
-          <a:lstStyle/>
-          <a:p>
-            <a:r>
-              <a:rPr lang="en-CA" dirty="0">
-                <a:hlinkClick r:id="rId2"/>
-              </a:rPr>
-              <a:t>https://github.com/john-science/python-bootcamp</a:t>
-            </a:r>
-            <a:endParaRPr lang="en-CA" dirty="0"/>
-          </a:p>
-          <a:p>
-            <a:endParaRPr lang="en-CA" dirty="0"/>
-          </a:p>
-          <a:p>
-            <a:endParaRPr lang="en-CA" dirty="0"/>
-          </a:p>
-          <a:p>
-            <a:endParaRPr lang="en-CA" dirty="0"/>
-          </a:p>
-          <a:p>
-            <a:endParaRPr lang="en-CA" dirty="0"/>
-          </a:p>
-          <a:p>
-            <a:endParaRPr lang="en-CA" dirty="0"/>
-          </a:p>
-          <a:p>
-            <a:endParaRPr lang="en-CA" dirty="0"/>
-          </a:p>
-        </p:txBody>
-      </p:sp>
-      <p:sp>
-        <p:nvSpPr>
-          <p:cNvPr id="5" name="Title 4">
-            <a:extLst>
-              <a:ext uri="{FF2B5EF4-FFF2-40B4-BE49-F238E27FC236}">
-                <a16:creationId xmlns:a16="http://schemas.microsoft.com/office/drawing/2014/main" id="{5CA33886-2801-4C4C-8164-61622D2FE841}"/>
-              </a:ext>
-            </a:extLst>
-          </p:cNvPr>
-          <p:cNvSpPr>
-            <a:spLocks noGrp="1"/>
-          </p:cNvSpPr>
-          <p:nvPr>
-            <p:ph type="title"/>
-          </p:nvPr>
-        </p:nvSpPr>
-        <p:spPr/>
-        <p:txBody>
-          <a:bodyPr/>
-          <a:lstStyle/>
-          <a:p>
-            <a:endParaRPr lang="en-CA"/>
-          </a:p>
-        </p:txBody>
-      </p:sp>
-      <p:sp>
-        <p:nvSpPr>
-          <p:cNvPr id="6" name="Titre 1">
-            <a:extLst>
-              <a:ext uri="{FF2B5EF4-FFF2-40B4-BE49-F238E27FC236}">
-                <a16:creationId xmlns:a16="http://schemas.microsoft.com/office/drawing/2014/main" id="{BE59B47E-C508-DA45-8BE7-663E7CB0A1E1}"/>
-              </a:ext>
-            </a:extLst>
-          </p:cNvPr>
-          <p:cNvSpPr txBox="1">
-            <a:spLocks/>
-          </p:cNvSpPr>
-          <p:nvPr/>
-        </p:nvSpPr>
-        <p:spPr>
-          <a:xfrm>
-            <a:off x="0" y="404664"/>
-            <a:ext cx="9180512" cy="979999"/>
-          </a:xfrm>
-          <a:prstGeom prst="rect">
-            <a:avLst/>
-          </a:prstGeom>
-          <a:solidFill>
-            <a:schemeClr val="accent2"/>
-          </a:solidFill>
-        </p:spPr>
-        <p:txBody>
-          <a:bodyPr vert="horz" lIns="91440" tIns="45720" rIns="91440" bIns="45720" rtlCol="0" anchor="ctr">
-            <a:normAutofit/>
-          </a:bodyPr>
-          <a:lstStyle>
-            <a:lvl1pPr algn="l" defTabSz="914400" rtl="0" eaLnBrk="1" latinLnBrk="0" hangingPunct="1">
-              <a:lnSpc>
-                <a:spcPct val="90000"/>
-              </a:lnSpc>
-              <a:spcBef>
-                <a:spcPct val="0"/>
-              </a:spcBef>
-              <a:buNone/>
-              <a:defRPr sz="4400" kern="1200">
-                <a:solidFill>
-                  <a:schemeClr val="tx1"/>
-                </a:solidFill>
-                <a:latin typeface="+mj-lt"/>
-                <a:ea typeface="+mj-ea"/>
-                <a:cs typeface="+mj-cs"/>
-              </a:defRPr>
-            </a:lvl1pPr>
-          </a:lstStyle>
-          <a:p>
-            <a:r>
-              <a:rPr lang="en-CA" sz="4000" b="1" dirty="0">
-                <a:latin typeface="Helvetica" pitchFamily="2" charset="0"/>
-              </a:rPr>
-              <a:t>References</a:t>
-            </a:r>
-          </a:p>
-        </p:txBody>
-      </p:sp>
-    </p:spTree>
-    <p:extLst>
-      <p:ext uri="{BB962C8B-B14F-4D97-AF65-F5344CB8AC3E}">
-        <p14:creationId xmlns:p14="http://schemas.microsoft.com/office/powerpoint/2010/main" val="4022405138"/>
-      </p:ext>
-    </p:extLst>
-  </p:cSld>
-  <p:clrMapOvr>
-    <a:masterClrMapping/>
-  </p:clrMapOvr>
-</p:sld>
-</file>
-
-<file path=ppt/slides/slide25.xml><?xml version="1.0" encoding="utf-8"?>
-<p:sld xmlns:a="http://schemas.openxmlformats.org/drawingml/2006/main" xmlns:r="http://schemas.openxmlformats.org/officeDocument/2006/relationships" xmlns:p="http://schemas.openxmlformats.org/presentationml/2006/main">
-  <p:cSld>
-    <p:spTree>
-      <p:nvGrpSpPr>
-        <p:cNvPr id="1" name=""/>
-        <p:cNvGrpSpPr/>
-        <p:nvPr/>
-      </p:nvGrpSpPr>
-      <p:grpSpPr>
-        <a:xfrm>
-          <a:off x="0" y="0"/>
-          <a:ext cx="0" cy="0"/>
-          <a:chOff x="0" y="0"/>
-          <a:chExt cx="0" cy="0"/>
-        </a:xfrm>
-      </p:grpSpPr>
-      <p:pic>
-        <p:nvPicPr>
-          <p:cNvPr id="4" name="Content Placeholder 3" descr="Questions with solid fill">
-            <a:extLst>
-              <a:ext uri="{FF2B5EF4-FFF2-40B4-BE49-F238E27FC236}">
-                <a16:creationId xmlns:a16="http://schemas.microsoft.com/office/drawing/2014/main" id="{0C1E37A6-1E81-E949-B0E2-CD3FD85DA41F}"/>
-              </a:ext>
-            </a:extLst>
-          </p:cNvPr>
-          <p:cNvPicPr>
-            <a:picLocks noGrp="1" noChangeAspect="1"/>
-          </p:cNvPicPr>
-          <p:nvPr>
-            <p:ph sz="half" idx="1"/>
-          </p:nvPr>
-        </p:nvPicPr>
-        <p:blipFill>
-          <a:blip r:embed="rId2">
-            <a:extLst>
-              <a:ext uri="{96DAC541-7B7A-43D3-8B79-37D633B846F1}">
-                <asvg:svgBlip xmlns:asvg="http://schemas.microsoft.com/office/drawing/2016/SVG/main" r:embed="rId3"/>
-              </a:ext>
-            </a:extLst>
-          </a:blip>
-          <a:stretch>
-            <a:fillRect/>
-          </a:stretch>
-        </p:blipFill>
-        <p:spPr>
-          <a:xfrm>
-            <a:off x="2411760" y="1844824"/>
-            <a:ext cx="3841576" cy="3841576"/>
-          </a:xfrm>
-        </p:spPr>
-      </p:pic>
-      <p:sp>
-        <p:nvSpPr>
-          <p:cNvPr id="5" name="Title 4">
-            <a:extLst>
-              <a:ext uri="{FF2B5EF4-FFF2-40B4-BE49-F238E27FC236}">
-                <a16:creationId xmlns:a16="http://schemas.microsoft.com/office/drawing/2014/main" id="{F77A5F1B-E19B-EF4E-9D2A-7E378E34F815}"/>
-              </a:ext>
-            </a:extLst>
-          </p:cNvPr>
-          <p:cNvSpPr>
-            <a:spLocks noGrp="1"/>
-          </p:cNvSpPr>
-          <p:nvPr>
-            <p:ph type="title"/>
-          </p:nvPr>
-        </p:nvSpPr>
-        <p:spPr/>
-        <p:txBody>
-          <a:bodyPr/>
-          <a:lstStyle/>
-          <a:p>
-            <a:endParaRPr lang="en-CA"/>
-          </a:p>
-        </p:txBody>
-      </p:sp>
-      <p:sp>
-        <p:nvSpPr>
-          <p:cNvPr id="6" name="Titre 1">
-            <a:extLst>
-              <a:ext uri="{FF2B5EF4-FFF2-40B4-BE49-F238E27FC236}">
-                <a16:creationId xmlns:a16="http://schemas.microsoft.com/office/drawing/2014/main" id="{1E2B78AA-625A-294F-9330-9DBB6EF9D0AF}"/>
-              </a:ext>
-            </a:extLst>
-          </p:cNvPr>
-          <p:cNvSpPr txBox="1">
-            <a:spLocks/>
-          </p:cNvSpPr>
-          <p:nvPr/>
-        </p:nvSpPr>
-        <p:spPr>
-          <a:xfrm>
-            <a:off x="0" y="404664"/>
-            <a:ext cx="9180512" cy="979999"/>
-          </a:xfrm>
-          <a:prstGeom prst="rect">
-            <a:avLst/>
-          </a:prstGeom>
-          <a:solidFill>
-            <a:schemeClr val="accent2"/>
-          </a:solidFill>
-        </p:spPr>
-        <p:txBody>
-          <a:bodyPr vert="horz" lIns="91440" tIns="45720" rIns="91440" bIns="45720" rtlCol="0" anchor="ctr">
-            <a:normAutofit/>
-          </a:bodyPr>
-          <a:lstStyle>
-            <a:lvl1pPr algn="l" defTabSz="914400" rtl="0" eaLnBrk="1" latinLnBrk="0" hangingPunct="1">
-              <a:lnSpc>
-                <a:spcPct val="90000"/>
-              </a:lnSpc>
-              <a:spcBef>
-                <a:spcPct val="0"/>
-              </a:spcBef>
-              <a:buNone/>
-              <a:defRPr sz="4400" kern="1200">
-                <a:solidFill>
-                  <a:schemeClr val="tx1"/>
-                </a:solidFill>
-                <a:latin typeface="+mj-lt"/>
-                <a:ea typeface="+mj-ea"/>
-                <a:cs typeface="+mj-cs"/>
-              </a:defRPr>
-            </a:lvl1pPr>
-          </a:lstStyle>
-          <a:p>
-            <a:r>
-              <a:rPr lang="en-CA" sz="4000" b="1" dirty="0">
-                <a:latin typeface="Helvetica" pitchFamily="2" charset="0"/>
-              </a:rPr>
-              <a:t>Questions?</a:t>
-            </a:r>
-          </a:p>
-        </p:txBody>
-      </p:sp>
-    </p:spTree>
-    <p:extLst>
-      <p:ext uri="{BB962C8B-B14F-4D97-AF65-F5344CB8AC3E}">
-        <p14:creationId xmlns:p14="http://schemas.microsoft.com/office/powerpoint/2010/main" val="1780349258"/>
-      </p:ext>
-    </p:extLst>
-  </p:cSld>
-  <p:clrMapOvr>
-    <a:masterClrMapping/>
-  </p:clrMapOvr>
-</p:sld>
-</file>
-
-<file path=ppt/slides/slide26.xml><?xml version="1.0" encoding="utf-8"?>
-<p:sld xmlns:a="http://schemas.openxmlformats.org/drawingml/2006/main" xmlns:r="http://schemas.openxmlformats.org/officeDocument/2006/relationships" xmlns:p="http://schemas.openxmlformats.org/presentationml/2006/main">
-  <p:cSld>
-    <p:spTree>
-      <p:nvGrpSpPr>
-        <p:cNvPr id="1" name=""/>
-        <p:cNvGrpSpPr/>
-        <p:nvPr/>
-      </p:nvGrpSpPr>
-      <p:grpSpPr>
-        <a:xfrm>
-          <a:off x="0" y="0"/>
-          <a:ext cx="0" cy="0"/>
-          <a:chOff x="0" y="0"/>
-          <a:chExt cx="0" cy="0"/>
-        </a:xfrm>
-      </p:grpSpPr>
-      <p:sp>
-        <p:nvSpPr>
-          <p:cNvPr id="3" name="Espace réservé du contenu 2">
-            <a:extLst>
-              <a:ext uri="{FF2B5EF4-FFF2-40B4-BE49-F238E27FC236}">
-                <a16:creationId xmlns:a16="http://schemas.microsoft.com/office/drawing/2014/main" id="{87B93719-7A3D-1148-9FCA-AF4A65C4BC41}"/>
-              </a:ext>
-            </a:extLst>
-          </p:cNvPr>
-          <p:cNvSpPr>
-            <a:spLocks noGrp="1"/>
-          </p:cNvSpPr>
-          <p:nvPr>
-            <p:ph sz="half" idx="1"/>
-          </p:nvPr>
-        </p:nvSpPr>
-        <p:spPr>
-          <a:xfrm>
-            <a:off x="628650" y="1825625"/>
-            <a:ext cx="7886700" cy="4351338"/>
-          </a:xfrm>
-        </p:spPr>
-        <p:txBody>
-          <a:bodyPr>
-            <a:normAutofit/>
-          </a:bodyPr>
-          <a:lstStyle/>
-          <a:p>
-            <a:r>
               <a:rPr lang="en-CA" dirty="0" err="1"/>
               <a:t>Github</a:t>
             </a:r>
@@ -13166,11 +9753,14 @@
               <a:rPr lang="en-CA" sz="2400" dirty="0">
                 <a:hlinkClick r:id="rId2"/>
               </a:rPr>
-              <a:t>https://github.com/abdelrahman-ayad/MiCM-introML-W21</a:t>
+              <a:t>https://github.com/abdelrahman-ayad/MiCM-StatsPython-F21</a:t>
             </a:r>
             <a:endParaRPr lang="en-CA" sz="2400" dirty="0"/>
           </a:p>
           <a:p>
+            <a:pPr marL="0" indent="0" algn="ctr">
+              <a:buNone/>
+            </a:pPr>
             <a:endParaRPr lang="en-CA" dirty="0"/>
           </a:p>
           <a:p>
@@ -13580,25 +10170,18 @@
               </a:lnSpc>
             </a:pPr>
             <a:r>
-              <a:rPr lang="en-US" sz="2000" dirty="0">
+              <a:rPr lang="en-US" sz="2000">
                 <a:latin typeface="Helvetica" pitchFamily="2" charset="0"/>
                 <a:cs typeface="Calibri"/>
               </a:rPr>
-              <a:t>Next steps</a:t>
+              <a:t>Q</a:t>
             </a:r>
-          </a:p>
-          <a:p>
-            <a:pPr>
-              <a:lnSpc>
-                <a:spcPct val="100000"/>
-              </a:lnSpc>
-            </a:pPr>
             <a:r>
               <a:rPr lang="en-US" sz="2000" dirty="0">
                 <a:latin typeface="Helvetica" pitchFamily="2" charset="0"/>
                 <a:cs typeface="Calibri"/>
               </a:rPr>
-              <a:t>Q&amp;A</a:t>
+              <a:t>&amp;A</a:t>
             </a:r>
           </a:p>
         </p:txBody>
@@ -13973,51 +10556,6 @@
                       </p:childTnLst>
                     </p:cTn>
                   </p:par>
-                  <p:par>
-                    <p:cTn id="31" fill="hold">
-                      <p:stCondLst>
-                        <p:cond delay="indefinite"/>
-                      </p:stCondLst>
-                      <p:childTnLst>
-                        <p:par>
-                          <p:cTn id="32" fill="hold">
-                            <p:stCondLst>
-                              <p:cond delay="0"/>
-                            </p:stCondLst>
-                            <p:childTnLst>
-                              <p:par>
-                                <p:cTn id="33" presetID="3" presetClass="emph" presetSubtype="2" fill="hold" nodeType="clickEffect">
-                                  <p:stCondLst>
-                                    <p:cond delay="0"/>
-                                  </p:stCondLst>
-                                  <p:childTnLst>
-                                    <p:animClr clrSpc="rgb" dir="cw">
-                                      <p:cBhvr override="childStyle">
-                                        <p:cTn id="34" dur="500" fill="hold"/>
-                                        <p:tgtEl>
-                                          <p:spTgt spid="3">
-                                            <p:txEl>
-                                              <p:pRg st="7" end="7"/>
-                                            </p:txEl>
-                                          </p:spTgt>
-                                        </p:tgtEl>
-                                        <p:attrNameLst>
-                                          <p:attrName>style.color</p:attrName>
-                                        </p:attrNameLst>
-                                      </p:cBhvr>
-                                      <p:to>
-                                        <a:srgbClr val="9F1209"/>
-                                      </p:to>
-                                    </p:animClr>
-                                  </p:childTnLst>
-                                </p:cTn>
-                              </p:par>
-                            </p:childTnLst>
-                          </p:cTn>
-                        </p:par>
-                      </p:childTnLst>
-                    </p:cTn>
-                  </p:par>
                 </p:childTnLst>
               </p:cTn>
               <p:prevCondLst>
@@ -14155,8 +10693,32 @@
                 <a:latin typeface="Helvetica" pitchFamily="2" charset="0"/>
                 <a:cs typeface="Calibri"/>
               </a:rPr>
-              <a:t> repo:</a:t>
+              <a:t> repo: </a:t>
             </a:r>
+            <a:r>
+              <a:rPr lang="en-US" sz="2400" dirty="0">
+                <a:latin typeface="Helvetica" pitchFamily="2" charset="0"/>
+                <a:cs typeface="Calibri"/>
+                <a:hlinkClick r:id="rId2"/>
+              </a:rPr>
+              <a:t>https://github.com/abdelrahman-ayad/MiCM-StatsPython-F21</a:t>
+            </a:r>
+            <a:endParaRPr lang="en-US" sz="2400" dirty="0">
+              <a:latin typeface="Helvetica" pitchFamily="2" charset="0"/>
+              <a:cs typeface="Calibri"/>
+            </a:endParaRPr>
+          </a:p>
+          <a:p>
+            <a:pPr marL="0" indent="0">
+              <a:lnSpc>
+                <a:spcPct val="100000"/>
+              </a:lnSpc>
+              <a:buNone/>
+            </a:pPr>
+            <a:endParaRPr lang="en-US" sz="2400" dirty="0">
+              <a:latin typeface="Helvetica" pitchFamily="2" charset="0"/>
+              <a:cs typeface="Calibri"/>
+            </a:endParaRPr>
           </a:p>
           <a:p>
             <a:pPr marL="0" indent="0">
